--- a/01_fraud_detection_2_project.pptx
+++ b/01_fraud_detection_2_project.pptx
@@ -14,7 +14,7 @@
     <p:sldId id="275" r:id="rId5"/>
     <p:sldId id="276" r:id="rId6"/>
     <p:sldId id="272" r:id="rId7"/>
-    <p:sldId id="257" r:id="rId8"/>
+    <p:sldId id="278" r:id="rId8"/>
     <p:sldId id="263" r:id="rId9"/>
   </p:sldIdLst>
   <p:sldSz cx="12192000" cy="6858000"/>
@@ -125,7 +125,7 @@
 <file path=ppt/revisionInfo.xml><?xml version="1.0" encoding="utf-8"?>
 <p1510:revInfo xmlns:a="http://schemas.openxmlformats.org/drawingml/2006/main" xmlns:r="http://schemas.openxmlformats.org/officeDocument/2006/relationships" xmlns:p1510="http://schemas.microsoft.com/office/powerpoint/2015/10/main">
   <p1510:revLst>
-    <p1510:client id="{336F8116-C764-4979-A376-3E7AF7BA8383}" v="31" dt="2024-10-31T08:14:59.249"/>
+    <p1510:client id="{336F8116-C764-4979-A376-3E7AF7BA8383}" v="32" dt="2024-10-31T08:26:12.272"/>
   </p1510:revLst>
 </p1510:revInfo>
 </file>
@@ -662,7 +662,7 @@
   <pc:docChgLst>
     <pc:chgData name="Philippe Baucour" userId="5102170ae7533958" providerId="LiveId" clId="{336F8116-C764-4979-A376-3E7AF7BA8383}"/>
     <pc:docChg chg="undo custSel addSld delSld modSld">
-      <pc:chgData name="Philippe Baucour" userId="5102170ae7533958" providerId="LiveId" clId="{336F8116-C764-4979-A376-3E7AF7BA8383}" dt="2024-10-31T08:15:31.103" v="378"/>
+      <pc:chgData name="Philippe Baucour" userId="5102170ae7533958" providerId="LiveId" clId="{336F8116-C764-4979-A376-3E7AF7BA8383}" dt="2024-10-31T08:26:19.274" v="398" actId="47"/>
       <pc:docMkLst>
         <pc:docMk/>
       </pc:docMkLst>
@@ -745,14 +745,14 @@
           </ac:picMkLst>
         </pc:picChg>
       </pc:sldChg>
-      <pc:sldChg chg="addSp modSp mod modAnim modNotesTx">
-        <pc:chgData name="Philippe Baucour" userId="5102170ae7533958" providerId="LiveId" clId="{336F8116-C764-4979-A376-3E7AF7BA8383}" dt="2024-10-31T07:57:55.088" v="167" actId="1076"/>
+      <pc:sldChg chg="addSp modSp del mod modAnim modNotesTx">
+        <pc:chgData name="Philippe Baucour" userId="5102170ae7533958" providerId="LiveId" clId="{336F8116-C764-4979-A376-3E7AF7BA8383}" dt="2024-10-31T08:26:17.477" v="397" actId="47"/>
         <pc:sldMkLst>
           <pc:docMk/>
           <pc:sldMk cId="3201622378" sldId="257"/>
         </pc:sldMkLst>
         <pc:spChg chg="mod">
-          <ac:chgData name="Philippe Baucour" userId="5102170ae7533958" providerId="LiveId" clId="{336F8116-C764-4979-A376-3E7AF7BA8383}" dt="2024-10-31T07:40:59.175" v="32" actId="6549"/>
+          <ac:chgData name="Philippe Baucour" userId="5102170ae7533958" providerId="LiveId" clId="{336F8116-C764-4979-A376-3E7AF7BA8383}" dt="2024-10-31T08:25:43.847" v="385" actId="14100"/>
           <ac:spMkLst>
             <pc:docMk/>
             <pc:sldMk cId="3201622378" sldId="257"/>
@@ -1337,6 +1337,108 @@
             <ac:inkMk id="12" creationId="{9815D4A5-A626-4301-A66D-A42474AB7AEC}"/>
           </ac:inkMkLst>
         </pc:inkChg>
+      </pc:sldChg>
+      <pc:sldChg chg="new del">
+        <pc:chgData name="Philippe Baucour" userId="5102170ae7533958" providerId="LiveId" clId="{336F8116-C764-4979-A376-3E7AF7BA8383}" dt="2024-10-31T08:26:19.274" v="398" actId="47"/>
+        <pc:sldMkLst>
+          <pc:docMk/>
+          <pc:sldMk cId="3271177466" sldId="277"/>
+        </pc:sldMkLst>
+      </pc:sldChg>
+      <pc:sldChg chg="addSp modSp new mod modAnim">
+        <pc:chgData name="Philippe Baucour" userId="5102170ae7533958" providerId="LiveId" clId="{336F8116-C764-4979-A376-3E7AF7BA8383}" dt="2024-10-31T08:26:12.272" v="396"/>
+        <pc:sldMkLst>
+          <pc:docMk/>
+          <pc:sldMk cId="1654938590" sldId="278"/>
+        </pc:sldMkLst>
+        <pc:spChg chg="mod">
+          <ac:chgData name="Philippe Baucour" userId="5102170ae7533958" providerId="LiveId" clId="{336F8116-C764-4979-A376-3E7AF7BA8383}" dt="2024-10-31T08:25:57.478" v="395" actId="20577"/>
+          <ac:spMkLst>
+            <pc:docMk/>
+            <pc:sldMk cId="1654938590" sldId="278"/>
+            <ac:spMk id="2" creationId="{60257E28-05BA-9ACE-4EF3-4D1FB62A30F6}"/>
+          </ac:spMkLst>
+        </pc:spChg>
+        <pc:spChg chg="mod">
+          <ac:chgData name="Philippe Baucour" userId="5102170ae7533958" providerId="LiveId" clId="{336F8116-C764-4979-A376-3E7AF7BA8383}" dt="2024-10-31T08:26:12.272" v="396"/>
+          <ac:spMkLst>
+            <pc:docMk/>
+            <pc:sldMk cId="1654938590" sldId="278"/>
+            <ac:spMk id="5" creationId="{A8E16F1F-20B5-EF5E-4DB3-8C4A87BABC24}"/>
+          </ac:spMkLst>
+        </pc:spChg>
+        <pc:spChg chg="mod">
+          <ac:chgData name="Philippe Baucour" userId="5102170ae7533958" providerId="LiveId" clId="{336F8116-C764-4979-A376-3E7AF7BA8383}" dt="2024-10-31T08:26:12.272" v="396"/>
+          <ac:spMkLst>
+            <pc:docMk/>
+            <pc:sldMk cId="1654938590" sldId="278"/>
+            <ac:spMk id="7" creationId="{BBF82FE4-3ABD-A08E-1E4F-412647BAA0E6}"/>
+          </ac:spMkLst>
+        </pc:spChg>
+        <pc:spChg chg="mod">
+          <ac:chgData name="Philippe Baucour" userId="5102170ae7533958" providerId="LiveId" clId="{336F8116-C764-4979-A376-3E7AF7BA8383}" dt="2024-10-31T08:26:12.272" v="396"/>
+          <ac:spMkLst>
+            <pc:docMk/>
+            <pc:sldMk cId="1654938590" sldId="278"/>
+            <ac:spMk id="8" creationId="{8AE9D43A-D4A6-8714-4A5D-ECA58526DE83}"/>
+          </ac:spMkLst>
+        </pc:spChg>
+        <pc:spChg chg="mod">
+          <ac:chgData name="Philippe Baucour" userId="5102170ae7533958" providerId="LiveId" clId="{336F8116-C764-4979-A376-3E7AF7BA8383}" dt="2024-10-31T08:26:12.272" v="396"/>
+          <ac:spMkLst>
+            <pc:docMk/>
+            <pc:sldMk cId="1654938590" sldId="278"/>
+            <ac:spMk id="9" creationId="{099B2D79-0059-37A5-88B7-AD1CB067A7C9}"/>
+          </ac:spMkLst>
+        </pc:spChg>
+        <pc:spChg chg="mod">
+          <ac:chgData name="Philippe Baucour" userId="5102170ae7533958" providerId="LiveId" clId="{336F8116-C764-4979-A376-3E7AF7BA8383}" dt="2024-10-31T08:26:12.272" v="396"/>
+          <ac:spMkLst>
+            <pc:docMk/>
+            <pc:sldMk cId="1654938590" sldId="278"/>
+            <ac:spMk id="10" creationId="{E85F8C96-6023-FF04-B3FE-D401F415DC04}"/>
+          </ac:spMkLst>
+        </pc:spChg>
+        <pc:spChg chg="mod">
+          <ac:chgData name="Philippe Baucour" userId="5102170ae7533958" providerId="LiveId" clId="{336F8116-C764-4979-A376-3E7AF7BA8383}" dt="2024-10-31T08:26:12.272" v="396"/>
+          <ac:spMkLst>
+            <pc:docMk/>
+            <pc:sldMk cId="1654938590" sldId="278"/>
+            <ac:spMk id="11" creationId="{58EACB9F-A3C6-F4F7-51A1-766C0E13D7E4}"/>
+          </ac:spMkLst>
+        </pc:spChg>
+        <pc:spChg chg="mod">
+          <ac:chgData name="Philippe Baucour" userId="5102170ae7533958" providerId="LiveId" clId="{336F8116-C764-4979-A376-3E7AF7BA8383}" dt="2024-10-31T08:26:12.272" v="396"/>
+          <ac:spMkLst>
+            <pc:docMk/>
+            <pc:sldMk cId="1654938590" sldId="278"/>
+            <ac:spMk id="12" creationId="{C79B4534-4254-E360-623D-2BAA565B66C9}"/>
+          </ac:spMkLst>
+        </pc:spChg>
+        <pc:grpChg chg="add mod">
+          <ac:chgData name="Philippe Baucour" userId="5102170ae7533958" providerId="LiveId" clId="{336F8116-C764-4979-A376-3E7AF7BA8383}" dt="2024-10-31T08:26:12.272" v="396"/>
+          <ac:grpSpMkLst>
+            <pc:docMk/>
+            <pc:sldMk cId="1654938590" sldId="278"/>
+            <ac:grpSpMk id="4" creationId="{D1B096AC-71AA-73EE-A8CB-8A4DCE69EA04}"/>
+          </ac:grpSpMkLst>
+        </pc:grpChg>
+        <pc:grpChg chg="mod">
+          <ac:chgData name="Philippe Baucour" userId="5102170ae7533958" providerId="LiveId" clId="{336F8116-C764-4979-A376-3E7AF7BA8383}" dt="2024-10-31T08:26:12.272" v="396"/>
+          <ac:grpSpMkLst>
+            <pc:docMk/>
+            <pc:sldMk cId="1654938590" sldId="278"/>
+            <ac:grpSpMk id="6" creationId="{4B2C5C5F-DB0E-D153-A57D-CA4892DB18C7}"/>
+          </ac:grpSpMkLst>
+        </pc:grpChg>
+        <pc:picChg chg="add mod">
+          <ac:chgData name="Philippe Baucour" userId="5102170ae7533958" providerId="LiveId" clId="{336F8116-C764-4979-A376-3E7AF7BA8383}" dt="2024-10-31T08:26:12.272" v="396"/>
+          <ac:picMkLst>
+            <pc:docMk/>
+            <pc:sldMk cId="1654938590" sldId="278"/>
+            <ac:picMk id="13" creationId="{928B1538-7E36-F646-9D1A-D493F92DDC93}"/>
+          </ac:picMkLst>
+        </pc:picChg>
       </pc:sldChg>
     </pc:docChg>
   </pc:docChgLst>
@@ -4911,90 +5013,6 @@
 </p:notes>
 </file>
 
-<file path=ppt/notesSlides/notesSlide4.xml><?xml version="1.0" encoding="utf-8"?>
-<p:notes xmlns:a="http://schemas.openxmlformats.org/drawingml/2006/main" xmlns:r="http://schemas.openxmlformats.org/officeDocument/2006/relationships" xmlns:p="http://schemas.openxmlformats.org/presentationml/2006/main">
-  <p:cSld>
-    <p:spTree>
-      <p:nvGrpSpPr>
-        <p:cNvPr id="1" name=""/>
-        <p:cNvGrpSpPr/>
-        <p:nvPr/>
-      </p:nvGrpSpPr>
-      <p:grpSpPr>
-        <a:xfrm>
-          <a:off x="0" y="0"/>
-          <a:ext cx="0" cy="0"/>
-          <a:chOff x="0" y="0"/>
-          <a:chExt cx="0" cy="0"/>
-        </a:xfrm>
-      </p:grpSpPr>
-      <p:sp>
-        <p:nvSpPr>
-          <p:cNvPr id="2" name="Espace réservé de l'image des diapositives 1"/>
-          <p:cNvSpPr>
-            <a:spLocks noGrp="1" noRot="1" noChangeAspect="1"/>
-          </p:cNvSpPr>
-          <p:nvPr>
-            <p:ph type="sldImg"/>
-          </p:nvPr>
-        </p:nvSpPr>
-        <p:spPr/>
-      </p:sp>
-      <p:sp>
-        <p:nvSpPr>
-          <p:cNvPr id="3" name="Espace réservé des notes 2"/>
-          <p:cNvSpPr>
-            <a:spLocks noGrp="1"/>
-          </p:cNvSpPr>
-          <p:nvPr>
-            <p:ph type="body" idx="1"/>
-          </p:nvPr>
-        </p:nvSpPr>
-        <p:spPr/>
-        <p:txBody>
-          <a:bodyPr/>
-          <a:lstStyle/>
-          <a:p>
-            <a:endParaRPr lang="fr-FR" dirty="0"/>
-          </a:p>
-        </p:txBody>
-      </p:sp>
-      <p:sp>
-        <p:nvSpPr>
-          <p:cNvPr id="4" name="Espace réservé du numéro de diapositive 3"/>
-          <p:cNvSpPr>
-            <a:spLocks noGrp="1"/>
-          </p:cNvSpPr>
-          <p:nvPr>
-            <p:ph type="sldNum" sz="quarter" idx="5"/>
-          </p:nvPr>
-        </p:nvSpPr>
-        <p:spPr/>
-        <p:txBody>
-          <a:bodyPr/>
-          <a:lstStyle/>
-          <a:p>
-            <a:fld id="{341AEC00-4977-4C47-A11B-52155DC12F54}" type="slidenum">
-              <a:rPr lang="fr-FR" smtClean="0"/>
-              <a:t>7</a:t>
-            </a:fld>
-            <a:endParaRPr lang="fr-FR"/>
-          </a:p>
-        </p:txBody>
-      </p:sp>
-    </p:spTree>
-    <p:extLst>
-      <p:ext uri="{BB962C8B-B14F-4D97-AF65-F5344CB8AC3E}">
-        <p14:creationId xmlns:p14="http://schemas.microsoft.com/office/powerpoint/2010/main" val="1381811954"/>
-      </p:ext>
-    </p:extLst>
-  </p:cSld>
-  <p:clrMapOvr>
-    <a:masterClrMapping/>
-  </p:clrMapOvr>
-</p:notes>
-</file>
-
 <file path=ppt/slideLayouts/slideLayout1.xml><?xml version="1.0" encoding="utf-8"?>
 <p:sldLayout xmlns:a="http://schemas.openxmlformats.org/drawingml/2006/main" xmlns:r="http://schemas.openxmlformats.org/officeDocument/2006/relationships" xmlns:p="http://schemas.openxmlformats.org/presentationml/2006/main" type="title" preserve="1">
   <p:cSld name="Diapositive de titre">
@@ -9133,8 +9151,8 @@
           </a:effectLst>
         </p:spPr>
       </p:pic>
-      <mc:AlternateContent xmlns:mc="http://schemas.openxmlformats.org/markup-compatibility/2006">
-        <mc:Choice xmlns:p14="http://schemas.microsoft.com/office/powerpoint/2010/main" Requires="p14">
+      <mc:AlternateContent xmlns:mc="http://schemas.openxmlformats.org/markup-compatibility/2006" xmlns:p14="http://schemas.microsoft.com/office/powerpoint/2010/main">
+        <mc:Choice Requires="p14">
           <p:contentPart p14:bwMode="auto" r:id="rId4">
             <p14:nvContentPartPr>
               <p14:cNvPr id="10" name="Encre 9">
@@ -9153,7 +9171,7 @@
             </p14:xfrm>
           </p:contentPart>
         </mc:Choice>
-        <mc:Fallback>
+        <mc:Fallback xmlns="">
           <p:pic>
             <p:nvPicPr>
               <p:cNvPr id="10" name="Encre 9">
@@ -9184,8 +9202,8 @@
           </p:pic>
         </mc:Fallback>
       </mc:AlternateContent>
-      <mc:AlternateContent xmlns:mc="http://schemas.openxmlformats.org/markup-compatibility/2006">
-        <mc:Choice xmlns:p14="http://schemas.microsoft.com/office/powerpoint/2010/main" Requires="p14">
+      <mc:AlternateContent xmlns:mc="http://schemas.openxmlformats.org/markup-compatibility/2006" xmlns:p14="http://schemas.microsoft.com/office/powerpoint/2010/main">
+        <mc:Choice Requires="p14">
           <p:contentPart p14:bwMode="auto" r:id="rId6">
             <p14:nvContentPartPr>
               <p14:cNvPr id="16" name="Encre 15">
@@ -9204,7 +9222,7 @@
             </p14:xfrm>
           </p:contentPart>
         </mc:Choice>
-        <mc:Fallback>
+        <mc:Fallback xmlns="">
           <p:pic>
             <p:nvPicPr>
               <p:cNvPr id="16" name="Encre 15">
@@ -9235,8 +9253,8 @@
           </p:pic>
         </mc:Fallback>
       </mc:AlternateContent>
-      <mc:AlternateContent xmlns:mc="http://schemas.openxmlformats.org/markup-compatibility/2006">
-        <mc:Choice xmlns:p14="http://schemas.microsoft.com/office/powerpoint/2010/main" Requires="p14">
+      <mc:AlternateContent xmlns:mc="http://schemas.openxmlformats.org/markup-compatibility/2006" xmlns:p14="http://schemas.microsoft.com/office/powerpoint/2010/main">
+        <mc:Choice Requires="p14">
           <p:contentPart p14:bwMode="auto" r:id="rId8">
             <p14:nvContentPartPr>
               <p14:cNvPr id="17" name="Encre 16">
@@ -9255,7 +9273,7 @@
             </p14:xfrm>
           </p:contentPart>
         </mc:Choice>
-        <mc:Fallback>
+        <mc:Fallback xmlns="">
           <p:pic>
             <p:nvPicPr>
               <p:cNvPr id="17" name="Encre 16">
@@ -9286,8 +9304,8 @@
           </p:pic>
         </mc:Fallback>
       </mc:AlternateContent>
-      <mc:AlternateContent xmlns:mc="http://schemas.openxmlformats.org/markup-compatibility/2006">
-        <mc:Choice xmlns:p14="http://schemas.microsoft.com/office/powerpoint/2010/main" Requires="p14">
+      <mc:AlternateContent xmlns:mc="http://schemas.openxmlformats.org/markup-compatibility/2006" xmlns:p14="http://schemas.microsoft.com/office/powerpoint/2010/main">
+        <mc:Choice Requires="p14">
           <p:contentPart p14:bwMode="auto" r:id="rId10">
             <p14:nvContentPartPr>
               <p14:cNvPr id="18" name="Encre 17">
@@ -9306,7 +9324,7 @@
             </p14:xfrm>
           </p:contentPart>
         </mc:Choice>
-        <mc:Fallback>
+        <mc:Fallback xmlns="">
           <p:pic>
             <p:nvPicPr>
               <p:cNvPr id="18" name="Encre 17">
@@ -9337,8 +9355,8 @@
           </p:pic>
         </mc:Fallback>
       </mc:AlternateContent>
-      <mc:AlternateContent xmlns:mc="http://schemas.openxmlformats.org/markup-compatibility/2006">
-        <mc:Choice xmlns:p14="http://schemas.microsoft.com/office/powerpoint/2010/main" Requires="p14">
+      <mc:AlternateContent xmlns:mc="http://schemas.openxmlformats.org/markup-compatibility/2006" xmlns:p14="http://schemas.microsoft.com/office/powerpoint/2010/main">
+        <mc:Choice Requires="p14">
           <p:contentPart p14:bwMode="auto" r:id="rId12">
             <p14:nvContentPartPr>
               <p14:cNvPr id="19" name="Encre 18">
@@ -9357,7 +9375,7 @@
             </p14:xfrm>
           </p:contentPart>
         </mc:Choice>
-        <mc:Fallback>
+        <mc:Fallback xmlns="">
           <p:pic>
             <p:nvPicPr>
               <p:cNvPr id="19" name="Encre 18">
@@ -9388,8 +9406,8 @@
           </p:pic>
         </mc:Fallback>
       </mc:AlternateContent>
-      <mc:AlternateContent xmlns:mc="http://schemas.openxmlformats.org/markup-compatibility/2006">
-        <mc:Choice xmlns:p14="http://schemas.microsoft.com/office/powerpoint/2010/main" Requires="p14">
+      <mc:AlternateContent xmlns:mc="http://schemas.openxmlformats.org/markup-compatibility/2006" xmlns:p14="http://schemas.microsoft.com/office/powerpoint/2010/main">
+        <mc:Choice Requires="p14">
           <p:contentPart p14:bwMode="auto" r:id="rId14">
             <p14:nvContentPartPr>
               <p14:cNvPr id="20" name="Encre 19">
@@ -9408,7 +9426,7 @@
             </p14:xfrm>
           </p:contentPart>
         </mc:Choice>
-        <mc:Fallback>
+        <mc:Fallback xmlns="">
           <p:pic>
             <p:nvPicPr>
               <p:cNvPr id="20" name="Encre 19">
@@ -9439,8 +9457,8 @@
           </p:pic>
         </mc:Fallback>
       </mc:AlternateContent>
-      <mc:AlternateContent xmlns:mc="http://schemas.openxmlformats.org/markup-compatibility/2006">
-        <mc:Choice xmlns:p14="http://schemas.microsoft.com/office/powerpoint/2010/main" Requires="p14">
+      <mc:AlternateContent xmlns:mc="http://schemas.openxmlformats.org/markup-compatibility/2006" xmlns:p14="http://schemas.microsoft.com/office/powerpoint/2010/main">
+        <mc:Choice Requires="p14">
           <p:contentPart p14:bwMode="auto" r:id="rId16">
             <p14:nvContentPartPr>
               <p14:cNvPr id="21" name="Encre 20">
@@ -9459,7 +9477,7 @@
             </p14:xfrm>
           </p:contentPart>
         </mc:Choice>
-        <mc:Fallback>
+        <mc:Fallback xmlns="">
           <p:pic>
             <p:nvPicPr>
               <p:cNvPr id="21" name="Encre 20">
@@ -9490,8 +9508,8 @@
           </p:pic>
         </mc:Fallback>
       </mc:AlternateContent>
-      <mc:AlternateContent xmlns:mc="http://schemas.openxmlformats.org/markup-compatibility/2006">
-        <mc:Choice xmlns:p14="http://schemas.microsoft.com/office/powerpoint/2010/main" Requires="p14">
+      <mc:AlternateContent xmlns:mc="http://schemas.openxmlformats.org/markup-compatibility/2006" xmlns:p14="http://schemas.microsoft.com/office/powerpoint/2010/main">
+        <mc:Choice Requires="p14">
           <p:contentPart p14:bwMode="auto" r:id="rId18">
             <p14:nvContentPartPr>
               <p14:cNvPr id="22" name="Encre 21">
@@ -9510,7 +9528,7 @@
             </p14:xfrm>
           </p:contentPart>
         </mc:Choice>
-        <mc:Fallback>
+        <mc:Fallback xmlns="">
           <p:pic>
             <p:nvPicPr>
               <p:cNvPr id="22" name="Encre 21">
@@ -9541,8 +9559,8 @@
           </p:pic>
         </mc:Fallback>
       </mc:AlternateContent>
-      <mc:AlternateContent xmlns:mc="http://schemas.openxmlformats.org/markup-compatibility/2006">
-        <mc:Choice xmlns:p14="http://schemas.microsoft.com/office/powerpoint/2010/main" Requires="p14">
+      <mc:AlternateContent xmlns:mc="http://schemas.openxmlformats.org/markup-compatibility/2006" xmlns:p14="http://schemas.microsoft.com/office/powerpoint/2010/main">
+        <mc:Choice Requires="p14">
           <p:contentPart p14:bwMode="auto" r:id="rId20">
             <p14:nvContentPartPr>
               <p14:cNvPr id="23" name="Encre 22">
@@ -9561,7 +9579,7 @@
             </p14:xfrm>
           </p:contentPart>
         </mc:Choice>
-        <mc:Fallback>
+        <mc:Fallback xmlns="">
           <p:pic>
             <p:nvPicPr>
               <p:cNvPr id="23" name="Encre 22">
@@ -9592,8 +9610,8 @@
           </p:pic>
         </mc:Fallback>
       </mc:AlternateContent>
-      <mc:AlternateContent xmlns:mc="http://schemas.openxmlformats.org/markup-compatibility/2006">
-        <mc:Choice xmlns:p14="http://schemas.microsoft.com/office/powerpoint/2010/main" Requires="p14">
+      <mc:AlternateContent xmlns:mc="http://schemas.openxmlformats.org/markup-compatibility/2006" xmlns:p14="http://schemas.microsoft.com/office/powerpoint/2010/main">
+        <mc:Choice Requires="p14">
           <p:contentPart p14:bwMode="auto" r:id="rId22">
             <p14:nvContentPartPr>
               <p14:cNvPr id="25" name="Encre 24">
@@ -9612,7 +9630,7 @@
             </p14:xfrm>
           </p:contentPart>
         </mc:Choice>
-        <mc:Fallback>
+        <mc:Fallback xmlns="">
           <p:pic>
             <p:nvPicPr>
               <p:cNvPr id="25" name="Encre 24">
@@ -9643,8 +9661,8 @@
           </p:pic>
         </mc:Fallback>
       </mc:AlternateContent>
-      <mc:AlternateContent xmlns:mc="http://schemas.openxmlformats.org/markup-compatibility/2006">
-        <mc:Choice xmlns:p14="http://schemas.microsoft.com/office/powerpoint/2010/main" Requires="p14">
+      <mc:AlternateContent xmlns:mc="http://schemas.openxmlformats.org/markup-compatibility/2006" xmlns:p14="http://schemas.microsoft.com/office/powerpoint/2010/main">
+        <mc:Choice Requires="p14">
           <p:contentPart p14:bwMode="auto" r:id="rId24">
             <p14:nvContentPartPr>
               <p14:cNvPr id="26" name="Encre 25">
@@ -9663,7 +9681,7 @@
             </p14:xfrm>
           </p:contentPart>
         </mc:Choice>
-        <mc:Fallback>
+        <mc:Fallback xmlns="">
           <p:pic>
             <p:nvPicPr>
               <p:cNvPr id="26" name="Encre 25">
@@ -9694,8 +9712,8 @@
           </p:pic>
         </mc:Fallback>
       </mc:AlternateContent>
-      <mc:AlternateContent xmlns:mc="http://schemas.openxmlformats.org/markup-compatibility/2006">
-        <mc:Choice xmlns:p14="http://schemas.microsoft.com/office/powerpoint/2010/main" Requires="p14">
+      <mc:AlternateContent xmlns:mc="http://schemas.openxmlformats.org/markup-compatibility/2006" xmlns:p14="http://schemas.microsoft.com/office/powerpoint/2010/main">
+        <mc:Choice Requires="p14">
           <p:contentPart p14:bwMode="auto" r:id="rId26">
             <p14:nvContentPartPr>
               <p14:cNvPr id="27" name="Encre 26">
@@ -9714,7 +9732,7 @@
             </p14:xfrm>
           </p:contentPart>
         </mc:Choice>
-        <mc:Fallback>
+        <mc:Fallback xmlns="">
           <p:pic>
             <p:nvPicPr>
               <p:cNvPr id="27" name="Encre 26">
@@ -9745,8 +9763,8 @@
           </p:pic>
         </mc:Fallback>
       </mc:AlternateContent>
-      <mc:AlternateContent xmlns:mc="http://schemas.openxmlformats.org/markup-compatibility/2006">
-        <mc:Choice xmlns:p14="http://schemas.microsoft.com/office/powerpoint/2010/main" Requires="p14">
+      <mc:AlternateContent xmlns:mc="http://schemas.openxmlformats.org/markup-compatibility/2006" xmlns:p14="http://schemas.microsoft.com/office/powerpoint/2010/main">
+        <mc:Choice Requires="p14">
           <p:contentPart p14:bwMode="auto" r:id="rId28">
             <p14:nvContentPartPr>
               <p14:cNvPr id="28" name="Encre 27">
@@ -9765,7 +9783,7 @@
             </p14:xfrm>
           </p:contentPart>
         </mc:Choice>
-        <mc:Fallback>
+        <mc:Fallback xmlns="">
           <p:pic>
             <p:nvPicPr>
               <p:cNvPr id="28" name="Encre 27">
@@ -9796,8 +9814,8 @@
           </p:pic>
         </mc:Fallback>
       </mc:AlternateContent>
-      <mc:AlternateContent xmlns:mc="http://schemas.openxmlformats.org/markup-compatibility/2006">
-        <mc:Choice xmlns:p14="http://schemas.microsoft.com/office/powerpoint/2010/main" Requires="p14">
+      <mc:AlternateContent xmlns:mc="http://schemas.openxmlformats.org/markup-compatibility/2006" xmlns:p14="http://schemas.microsoft.com/office/powerpoint/2010/main">
+        <mc:Choice Requires="p14">
           <p:contentPart p14:bwMode="auto" r:id="rId30">
             <p14:nvContentPartPr>
               <p14:cNvPr id="29" name="Encre 28">
@@ -9816,7 +9834,7 @@
             </p14:xfrm>
           </p:contentPart>
         </mc:Choice>
-        <mc:Fallback>
+        <mc:Fallback xmlns="">
           <p:pic>
             <p:nvPicPr>
               <p:cNvPr id="29" name="Encre 28">
@@ -9847,8 +9865,8 @@
           </p:pic>
         </mc:Fallback>
       </mc:AlternateContent>
-      <mc:AlternateContent xmlns:mc="http://schemas.openxmlformats.org/markup-compatibility/2006">
-        <mc:Choice xmlns:p14="http://schemas.microsoft.com/office/powerpoint/2010/main" Requires="p14">
+      <mc:AlternateContent xmlns:mc="http://schemas.openxmlformats.org/markup-compatibility/2006" xmlns:p14="http://schemas.microsoft.com/office/powerpoint/2010/main">
+        <mc:Choice Requires="p14">
           <p:contentPart p14:bwMode="auto" r:id="rId32">
             <p14:nvContentPartPr>
               <p14:cNvPr id="30" name="Encre 29">
@@ -9867,7 +9885,7 @@
             </p14:xfrm>
           </p:contentPart>
         </mc:Choice>
-        <mc:Fallback>
+        <mc:Fallback xmlns="">
           <p:pic>
             <p:nvPicPr>
               <p:cNvPr id="30" name="Encre 29">
@@ -10076,8 +10094,8 @@
           </a:prstGeom>
         </p:spPr>
       </p:pic>
-      <mc:AlternateContent xmlns:mc="http://schemas.openxmlformats.org/markup-compatibility/2006">
-        <mc:Choice xmlns:p14="http://schemas.microsoft.com/office/powerpoint/2010/main" Requires="p14">
+      <mc:AlternateContent xmlns:mc="http://schemas.openxmlformats.org/markup-compatibility/2006" xmlns:p14="http://schemas.microsoft.com/office/powerpoint/2010/main">
+        <mc:Choice Requires="p14">
           <p:contentPart p14:bwMode="auto" r:id="rId9">
             <p14:nvContentPartPr>
               <p14:cNvPr id="12" name="Encre 11">
@@ -10096,7 +10114,7 @@
             </p14:xfrm>
           </p:contentPart>
         </mc:Choice>
-        <mc:Fallback>
+        <mc:Fallback xmlns="">
           <p:pic>
             <p:nvPicPr>
               <p:cNvPr id="12" name="Encre 11">
@@ -10454,7 +10472,7 @@
           <p:cNvPr id="2" name="Titre 1">
             <a:extLst>
               <a:ext uri="{FF2B5EF4-FFF2-40B4-BE49-F238E27FC236}">
-                <a16:creationId xmlns:a16="http://schemas.microsoft.com/office/drawing/2014/main" id="{F13D07B4-C7D9-46E1-38A0-A6EEF16B48EB}"/>
+                <a16:creationId xmlns:a16="http://schemas.microsoft.com/office/drawing/2014/main" id="{60257E28-05BA-9ACE-4EF3-4D1FB62A30F6}"/>
               </a:ext>
             </a:extLst>
           </p:cNvPr>
@@ -10491,7 +10509,7 @@
           <p:cNvPr id="3" name="Espace réservé du contenu 2">
             <a:extLst>
               <a:ext uri="{FF2B5EF4-FFF2-40B4-BE49-F238E27FC236}">
-                <a16:creationId xmlns:a16="http://schemas.microsoft.com/office/drawing/2014/main" id="{1A803C62-BD0B-D0AC-2B41-C4F420891B06}"/>
+                <a16:creationId xmlns:a16="http://schemas.microsoft.com/office/drawing/2014/main" id="{2B72B868-3A60-FEDF-3E4A-861340D9622C}"/>
               </a:ext>
             </a:extLst>
           </p:cNvPr>
@@ -10502,28 +10520,21 @@
             <p:ph idx="1"/>
           </p:nvPr>
         </p:nvSpPr>
-        <p:spPr>
-          <a:xfrm>
-            <a:off x="213360" y="1249680"/>
-            <a:ext cx="11765280" cy="5608320"/>
-          </a:xfrm>
-        </p:spPr>
+        <p:spPr/>
         <p:txBody>
-          <a:bodyPr>
-            <a:noAutofit/>
-          </a:bodyPr>
+          <a:bodyPr/>
           <a:lstStyle/>
           <a:p>
-            <a:endParaRPr lang="en-US" sz="4800" dirty="0"/>
+            <a:endParaRPr lang="fr-FR"/>
           </a:p>
         </p:txBody>
       </p:sp>
       <p:grpSp>
         <p:nvGrpSpPr>
-          <p:cNvPr id="11" name="Groupe 10">
+          <p:cNvPr id="4" name="Groupe 3">
             <a:extLst>
               <a:ext uri="{FF2B5EF4-FFF2-40B4-BE49-F238E27FC236}">
-                <a16:creationId xmlns:a16="http://schemas.microsoft.com/office/drawing/2014/main" id="{FDD87361-FF3A-98B5-71A3-588DFE266BAE}"/>
+                <a16:creationId xmlns:a16="http://schemas.microsoft.com/office/drawing/2014/main" id="{D1B096AC-71AA-73EE-A8CB-8A4DCE69EA04}"/>
               </a:ext>
             </a:extLst>
           </p:cNvPr>
@@ -10540,10 +10551,10 @@
         </p:grpSpPr>
         <p:sp>
           <p:nvSpPr>
-            <p:cNvPr id="12" name="ZoneTexte 11">
+            <p:cNvPr id="5" name="ZoneTexte 4">
               <a:extLst>
                 <a:ext uri="{FF2B5EF4-FFF2-40B4-BE49-F238E27FC236}">
-                  <a16:creationId xmlns:a16="http://schemas.microsoft.com/office/drawing/2014/main" id="{783A41CB-1C8C-0072-318C-9ACDD2D31FCD}"/>
+                  <a16:creationId xmlns:a16="http://schemas.microsoft.com/office/drawing/2014/main" id="{A8E16F1F-20B5-EF5E-4DB3-8C4A87BABC24}"/>
                 </a:ext>
               </a:extLst>
             </p:cNvPr>
@@ -10665,10 +10676,10 @@
         </p:sp>
         <p:grpSp>
           <p:nvGrpSpPr>
-            <p:cNvPr id="13" name="Groupe 12">
+            <p:cNvPr id="6" name="Groupe 5">
               <a:extLst>
                 <a:ext uri="{FF2B5EF4-FFF2-40B4-BE49-F238E27FC236}">
-                  <a16:creationId xmlns:a16="http://schemas.microsoft.com/office/drawing/2014/main" id="{A6FD6413-8259-0B90-009F-CE600DD61D3E}"/>
+                  <a16:creationId xmlns:a16="http://schemas.microsoft.com/office/drawing/2014/main" id="{4B2C5C5F-DB0E-D153-A57D-CA4892DB18C7}"/>
                 </a:ext>
               </a:extLst>
             </p:cNvPr>
@@ -10685,10 +10696,10 @@
           </p:grpSpPr>
           <p:sp>
             <p:nvSpPr>
-              <p:cNvPr id="14" name="Ellipse 13">
+              <p:cNvPr id="7" name="Ellipse 6">
                 <a:extLst>
                   <a:ext uri="{FF2B5EF4-FFF2-40B4-BE49-F238E27FC236}">
-                    <a16:creationId xmlns:a16="http://schemas.microsoft.com/office/drawing/2014/main" id="{56069F0B-CBA9-A19C-CFBF-DF4C6C6CC5E6}"/>
+                    <a16:creationId xmlns:a16="http://schemas.microsoft.com/office/drawing/2014/main" id="{BBF82FE4-3ABD-A08E-1E4F-412647BAA0E6}"/>
                   </a:ext>
                 </a:extLst>
               </p:cNvPr>
@@ -10737,10 +10748,10 @@
           </p:sp>
           <p:sp>
             <p:nvSpPr>
-              <p:cNvPr id="15" name="Ellipse 14">
+              <p:cNvPr id="8" name="Ellipse 7">
                 <a:extLst>
                   <a:ext uri="{FF2B5EF4-FFF2-40B4-BE49-F238E27FC236}">
-                    <a16:creationId xmlns:a16="http://schemas.microsoft.com/office/drawing/2014/main" id="{29C584C1-0821-363D-4E1D-7B8DBC7DE6D6}"/>
+                    <a16:creationId xmlns:a16="http://schemas.microsoft.com/office/drawing/2014/main" id="{8AE9D43A-D4A6-8714-4A5D-ECA58526DE83}"/>
                   </a:ext>
                 </a:extLst>
               </p:cNvPr>
@@ -10789,10 +10800,10 @@
           </p:sp>
           <p:sp>
             <p:nvSpPr>
-              <p:cNvPr id="16" name="Ellipse 15">
+              <p:cNvPr id="9" name="Ellipse 8">
                 <a:extLst>
                   <a:ext uri="{FF2B5EF4-FFF2-40B4-BE49-F238E27FC236}">
-                    <a16:creationId xmlns:a16="http://schemas.microsoft.com/office/drawing/2014/main" id="{79432F0D-D8C5-55B4-D5E3-2B9F312D5960}"/>
+                    <a16:creationId xmlns:a16="http://schemas.microsoft.com/office/drawing/2014/main" id="{099B2D79-0059-37A5-88B7-AD1CB067A7C9}"/>
                   </a:ext>
                 </a:extLst>
               </p:cNvPr>
@@ -10841,10 +10852,10 @@
           </p:sp>
           <p:sp>
             <p:nvSpPr>
-              <p:cNvPr id="17" name="Ellipse 16">
+              <p:cNvPr id="10" name="Ellipse 9">
                 <a:extLst>
                   <a:ext uri="{FF2B5EF4-FFF2-40B4-BE49-F238E27FC236}">
-                    <a16:creationId xmlns:a16="http://schemas.microsoft.com/office/drawing/2014/main" id="{8C887205-8EF4-1FD6-7FFA-6F3DCAD293D4}"/>
+                    <a16:creationId xmlns:a16="http://schemas.microsoft.com/office/drawing/2014/main" id="{E85F8C96-6023-FF04-B3FE-D401F415DC04}"/>
                   </a:ext>
                 </a:extLst>
               </p:cNvPr>
@@ -10893,10 +10904,10 @@
           </p:sp>
           <p:sp>
             <p:nvSpPr>
-              <p:cNvPr id="18" name="Ellipse 17">
+              <p:cNvPr id="11" name="Ellipse 10">
                 <a:extLst>
                   <a:ext uri="{FF2B5EF4-FFF2-40B4-BE49-F238E27FC236}">
-                    <a16:creationId xmlns:a16="http://schemas.microsoft.com/office/drawing/2014/main" id="{0D8E3574-8587-AE31-48BA-BD970A0112E0}"/>
+                    <a16:creationId xmlns:a16="http://schemas.microsoft.com/office/drawing/2014/main" id="{58EACB9F-A3C6-F4F7-51A1-766C0E13D7E4}"/>
                   </a:ext>
                 </a:extLst>
               </p:cNvPr>
@@ -10945,10 +10956,10 @@
           </p:sp>
           <p:sp>
             <p:nvSpPr>
-              <p:cNvPr id="19" name="Ellipse 18">
+              <p:cNvPr id="12" name="Ellipse 11">
                 <a:extLst>
                   <a:ext uri="{FF2B5EF4-FFF2-40B4-BE49-F238E27FC236}">
-                    <a16:creationId xmlns:a16="http://schemas.microsoft.com/office/drawing/2014/main" id="{AACFFDEB-A1B6-4C1E-9C27-6BB97DFD4CF9}"/>
+                    <a16:creationId xmlns:a16="http://schemas.microsoft.com/office/drawing/2014/main" id="{C79B4534-4254-E360-623D-2BAA565B66C9}"/>
                   </a:ext>
                 </a:extLst>
               </p:cNvPr>
@@ -10999,10 +11010,10 @@
       </p:grpSp>
       <p:pic>
         <p:nvPicPr>
-          <p:cNvPr id="4" name="Image 3">
+          <p:cNvPr id="13" name="Image 12">
             <a:extLst>
               <a:ext uri="{FF2B5EF4-FFF2-40B4-BE49-F238E27FC236}">
-                <a16:creationId xmlns:a16="http://schemas.microsoft.com/office/drawing/2014/main" id="{3CED2230-0550-C74D-27AF-7F25427C7A3A}"/>
+                <a16:creationId xmlns:a16="http://schemas.microsoft.com/office/drawing/2014/main" id="{928B1538-7E36-F646-9D1A-D493F92DDC93}"/>
               </a:ext>
             </a:extLst>
           </p:cNvPr>
@@ -11012,7 +11023,7 @@
           <p:nvPr/>
         </p:nvPicPr>
         <p:blipFill>
-          <a:blip r:embed="rId3"/>
+          <a:blip r:embed="rId2"/>
           <a:srcRect l="25506" t="5814" r="18520"/>
           <a:stretch/>
         </p:blipFill>
@@ -11036,7 +11047,7 @@
     </p:spTree>
     <p:extLst>
       <p:ext uri="{BB962C8B-B14F-4D97-AF65-F5344CB8AC3E}">
-        <p14:creationId xmlns:p14="http://schemas.microsoft.com/office/powerpoint/2010/main" val="3201622378"/>
+        <p14:creationId xmlns:p14="http://schemas.microsoft.com/office/powerpoint/2010/main" val="1654938590"/>
       </p:ext>
     </p:extLst>
   </p:cSld>
@@ -11080,7 +11091,7 @@
                                           </p:stCondLst>
                                         </p:cTn>
                                         <p:tgtEl>
-                                          <p:spTgt spid="4"/>
+                                          <p:spTgt spid="13"/>
                                         </p:tgtEl>
                                         <p:attrNameLst>
                                           <p:attrName>style.visibility</p:attrName>
@@ -11094,7 +11105,7 @@
                                       <p:cBhvr>
                                         <p:cTn id="7" dur="500"/>
                                         <p:tgtEl>
-                                          <p:spTgt spid="4"/>
+                                          <p:spTgt spid="13"/>
                                         </p:tgtEl>
                                       </p:cBhvr>
                                     </p:animEffect>

--- a/01_fraud_detection_2_project.pptx
+++ b/01_fraud_detection_2_project.pptx
@@ -5,7 +5,7 @@
     <p:sldMasterId id="2147483660" r:id="rId1"/>
   </p:sldMasterIdLst>
   <p:notesMasterIdLst>
-    <p:notesMasterId r:id="rId10"/>
+    <p:notesMasterId r:id="rId14"/>
   </p:notesMasterIdLst>
   <p:sldIdLst>
     <p:sldId id="256" r:id="rId2"/>
@@ -16,6 +16,10 @@
     <p:sldId id="272" r:id="rId7"/>
     <p:sldId id="278" r:id="rId8"/>
     <p:sldId id="263" r:id="rId9"/>
+    <p:sldId id="259" r:id="rId10"/>
+    <p:sldId id="258" r:id="rId11"/>
+    <p:sldId id="279" r:id="rId12"/>
+    <p:sldId id="280" r:id="rId13"/>
   </p:sldIdLst>
   <p:sldSz cx="12192000" cy="6858000"/>
   <p:notesSz cx="6858000" cy="9144000"/>
@@ -125,7 +129,7 @@
 <file path=ppt/revisionInfo.xml><?xml version="1.0" encoding="utf-8"?>
 <p1510:revInfo xmlns:a="http://schemas.openxmlformats.org/drawingml/2006/main" xmlns:r="http://schemas.openxmlformats.org/officeDocument/2006/relationships" xmlns:p1510="http://schemas.microsoft.com/office/powerpoint/2015/10/main">
   <p1510:revLst>
-    <p1510:client id="{336F8116-C764-4979-A376-3E7AF7BA8383}" v="32" dt="2024-10-31T08:26:12.272"/>
+    <p1510:client id="{336F8116-C764-4979-A376-3E7AF7BA8383}" v="333" dt="2024-11-03T18:43:28.017"/>
   </p1510:revLst>
 </p1510:revInfo>
 </file>
@@ -662,7 +666,7 @@
   <pc:docChgLst>
     <pc:chgData name="Philippe Baucour" userId="5102170ae7533958" providerId="LiveId" clId="{336F8116-C764-4979-A376-3E7AF7BA8383}"/>
     <pc:docChg chg="undo custSel addSld delSld modSld">
-      <pc:chgData name="Philippe Baucour" userId="5102170ae7533958" providerId="LiveId" clId="{336F8116-C764-4979-A376-3E7AF7BA8383}" dt="2024-10-31T08:26:19.274" v="398" actId="47"/>
+      <pc:chgData name="Philippe Baucour" userId="5102170ae7533958" providerId="LiveId" clId="{336F8116-C764-4979-A376-3E7AF7BA8383}" dt="2024-11-03T18:48:44.977" v="4878" actId="1035"/>
       <pc:docMkLst>
         <pc:docMk/>
       </pc:docMkLst>
@@ -773,6 +777,20 @@
         <pc:sldMkLst>
           <pc:docMk/>
           <pc:sldMk cId="246086491" sldId="258"/>
+        </pc:sldMkLst>
+      </pc:sldChg>
+      <pc:sldChg chg="add mod modShow">
+        <pc:chgData name="Philippe Baucour" userId="5102170ae7533958" providerId="LiveId" clId="{336F8116-C764-4979-A376-3E7AF7BA8383}" dt="2024-11-03T15:58:01.498" v="400" actId="729"/>
+        <pc:sldMkLst>
+          <pc:docMk/>
+          <pc:sldMk cId="655326077" sldId="258"/>
+        </pc:sldMkLst>
+      </pc:sldChg>
+      <pc:sldChg chg="add mod modShow">
+        <pc:chgData name="Philippe Baucour" userId="5102170ae7533958" providerId="LiveId" clId="{336F8116-C764-4979-A376-3E7AF7BA8383}" dt="2024-11-03T15:58:01.498" v="400" actId="729"/>
+        <pc:sldMkLst>
+          <pc:docMk/>
+          <pc:sldMk cId="4209746022" sldId="259"/>
         </pc:sldMkLst>
       </pc:sldChg>
       <pc:sldChg chg="del">
@@ -1437,6 +1455,852 @@
             <pc:docMk/>
             <pc:sldMk cId="1654938590" sldId="278"/>
             <ac:picMk id="13" creationId="{928B1538-7E36-F646-9D1A-D493F92DDC93}"/>
+          </ac:picMkLst>
+        </pc:picChg>
+      </pc:sldChg>
+      <pc:sldChg chg="addSp delSp modSp new mod modClrScheme chgLayout">
+        <pc:chgData name="Philippe Baucour" userId="5102170ae7533958" providerId="LiveId" clId="{336F8116-C764-4979-A376-3E7AF7BA8383}" dt="2024-11-03T18:48:44.977" v="4878" actId="1035"/>
+        <pc:sldMkLst>
+          <pc:docMk/>
+          <pc:sldMk cId="1259677183" sldId="279"/>
+        </pc:sldMkLst>
+        <pc:spChg chg="del">
+          <ac:chgData name="Philippe Baucour" userId="5102170ae7533958" providerId="LiveId" clId="{336F8116-C764-4979-A376-3E7AF7BA8383}" dt="2024-11-03T16:04:56.452" v="443" actId="700"/>
+          <ac:spMkLst>
+            <pc:docMk/>
+            <pc:sldMk cId="1259677183" sldId="279"/>
+            <ac:spMk id="2" creationId="{321AFC06-957A-EE44-FD1F-AE5CBA6D551D}"/>
+          </ac:spMkLst>
+        </pc:spChg>
+        <pc:spChg chg="del">
+          <ac:chgData name="Philippe Baucour" userId="5102170ae7533958" providerId="LiveId" clId="{336F8116-C764-4979-A376-3E7AF7BA8383}" dt="2024-11-03T15:58:37.086" v="402"/>
+          <ac:spMkLst>
+            <pc:docMk/>
+            <pc:sldMk cId="1259677183" sldId="279"/>
+            <ac:spMk id="3" creationId="{B67E2883-E593-D869-868C-048D56AD165E}"/>
+          </ac:spMkLst>
+        </pc:spChg>
+        <pc:spChg chg="add mod">
+          <ac:chgData name="Philippe Baucour" userId="5102170ae7533958" providerId="LiveId" clId="{336F8116-C764-4979-A376-3E7AF7BA8383}" dt="2024-11-03T18:41:02.477" v="4538" actId="1035"/>
+          <ac:spMkLst>
+            <pc:docMk/>
+            <pc:sldMk cId="1259677183" sldId="279"/>
+            <ac:spMk id="16" creationId="{F4CA7CDA-FB48-280C-B834-D629ABEEC6B9}"/>
+          </ac:spMkLst>
+        </pc:spChg>
+        <pc:spChg chg="add del mod">
+          <ac:chgData name="Philippe Baucour" userId="5102170ae7533958" providerId="LiveId" clId="{336F8116-C764-4979-A376-3E7AF7BA8383}" dt="2024-11-03T17:40:13.151" v="3131" actId="478"/>
+          <ac:spMkLst>
+            <pc:docMk/>
+            <pc:sldMk cId="1259677183" sldId="279"/>
+            <ac:spMk id="17" creationId="{F7F58155-6F95-3B59-62F7-0C1BC429557C}"/>
+          </ac:spMkLst>
+        </pc:spChg>
+        <pc:spChg chg="add mod">
+          <ac:chgData name="Philippe Baucour" userId="5102170ae7533958" providerId="LiveId" clId="{336F8116-C764-4979-A376-3E7AF7BA8383}" dt="2024-11-03T18:41:02.477" v="4538" actId="1035"/>
+          <ac:spMkLst>
+            <pc:docMk/>
+            <pc:sldMk cId="1259677183" sldId="279"/>
+            <ac:spMk id="18" creationId="{C714098D-1AA6-2233-FDDE-D17F43E7D3B4}"/>
+          </ac:spMkLst>
+        </pc:spChg>
+        <pc:spChg chg="add mod">
+          <ac:chgData name="Philippe Baucour" userId="5102170ae7533958" providerId="LiveId" clId="{336F8116-C764-4979-A376-3E7AF7BA8383}" dt="2024-11-03T18:41:02.477" v="4538" actId="1035"/>
+          <ac:spMkLst>
+            <pc:docMk/>
+            <pc:sldMk cId="1259677183" sldId="279"/>
+            <ac:spMk id="19" creationId="{1E04DACA-543F-3B2D-F2F3-4783ED0C285D}"/>
+          </ac:spMkLst>
+        </pc:spChg>
+        <pc:spChg chg="add del mod">
+          <ac:chgData name="Philippe Baucour" userId="5102170ae7533958" providerId="LiveId" clId="{336F8116-C764-4979-A376-3E7AF7BA8383}" dt="2024-11-03T17:41:12.477" v="3154" actId="478"/>
+          <ac:spMkLst>
+            <pc:docMk/>
+            <pc:sldMk cId="1259677183" sldId="279"/>
+            <ac:spMk id="20" creationId="{FAE92424-95B8-AD39-204E-4095FE1185D4}"/>
+          </ac:spMkLst>
+        </pc:spChg>
+        <pc:spChg chg="add mod">
+          <ac:chgData name="Philippe Baucour" userId="5102170ae7533958" providerId="LiveId" clId="{336F8116-C764-4979-A376-3E7AF7BA8383}" dt="2024-11-03T18:41:02.477" v="4538" actId="1035"/>
+          <ac:spMkLst>
+            <pc:docMk/>
+            <pc:sldMk cId="1259677183" sldId="279"/>
+            <ac:spMk id="22" creationId="{579EC8D7-5C77-6B9B-2FA2-175FEB2950E0}"/>
+          </ac:spMkLst>
+        </pc:spChg>
+        <pc:spChg chg="add mod">
+          <ac:chgData name="Philippe Baucour" userId="5102170ae7533958" providerId="LiveId" clId="{336F8116-C764-4979-A376-3E7AF7BA8383}" dt="2024-11-03T18:45:54.579" v="4771" actId="2085"/>
+          <ac:spMkLst>
+            <pc:docMk/>
+            <pc:sldMk cId="1259677183" sldId="279"/>
+            <ac:spMk id="23" creationId="{85219591-721D-4D06-4E71-FED81DCBAEBA}"/>
+          </ac:spMkLst>
+        </pc:spChg>
+        <pc:spChg chg="add mod">
+          <ac:chgData name="Philippe Baucour" userId="5102170ae7533958" providerId="LiveId" clId="{336F8116-C764-4979-A376-3E7AF7BA8383}" dt="2024-11-03T18:45:27.353" v="4769" actId="1038"/>
+          <ac:spMkLst>
+            <pc:docMk/>
+            <pc:sldMk cId="1259677183" sldId="279"/>
+            <ac:spMk id="88" creationId="{28ADFE5E-43F4-111D-F09A-F7ACDAEF7987}"/>
+          </ac:spMkLst>
+        </pc:spChg>
+        <pc:spChg chg="add mod">
+          <ac:chgData name="Philippe Baucour" userId="5102170ae7533958" providerId="LiveId" clId="{336F8116-C764-4979-A376-3E7AF7BA8383}" dt="2024-11-03T18:45:40.109" v="4770" actId="1076"/>
+          <ac:spMkLst>
+            <pc:docMk/>
+            <pc:sldMk cId="1259677183" sldId="279"/>
+            <ac:spMk id="89" creationId="{0C8050A0-54EA-B378-B16F-15F59DC7B3E4}"/>
+          </ac:spMkLst>
+        </pc:spChg>
+        <pc:spChg chg="add del mod">
+          <ac:chgData name="Philippe Baucour" userId="5102170ae7533958" providerId="LiveId" clId="{336F8116-C764-4979-A376-3E7AF7BA8383}" dt="2024-11-03T16:44:14.534" v="1844" actId="478"/>
+          <ac:spMkLst>
+            <pc:docMk/>
+            <pc:sldMk cId="1259677183" sldId="279"/>
+            <ac:spMk id="90" creationId="{3F176E93-C3D8-03D9-A071-5D237DB54D25}"/>
+          </ac:spMkLst>
+        </pc:spChg>
+        <pc:spChg chg="add mod">
+          <ac:chgData name="Philippe Baucour" userId="5102170ae7533958" providerId="LiveId" clId="{336F8116-C764-4979-A376-3E7AF7BA8383}" dt="2024-11-03T18:44:36.830" v="4668" actId="255"/>
+          <ac:spMkLst>
+            <pc:docMk/>
+            <pc:sldMk cId="1259677183" sldId="279"/>
+            <ac:spMk id="91" creationId="{EF32F2B1-AFE8-0489-0915-298F18F22419}"/>
+          </ac:spMkLst>
+        </pc:spChg>
+        <pc:spChg chg="add mod">
+          <ac:chgData name="Philippe Baucour" userId="5102170ae7533958" providerId="LiveId" clId="{336F8116-C764-4979-A376-3E7AF7BA8383}" dt="2024-11-03T18:44:27.684" v="4667" actId="404"/>
+          <ac:spMkLst>
+            <pc:docMk/>
+            <pc:sldMk cId="1259677183" sldId="279"/>
+            <ac:spMk id="92" creationId="{F9BD2AD4-6549-24ED-BA89-72CFCEAB9BF1}"/>
+          </ac:spMkLst>
+        </pc:spChg>
+        <pc:spChg chg="add del mod">
+          <ac:chgData name="Philippe Baucour" userId="5102170ae7533958" providerId="LiveId" clId="{336F8116-C764-4979-A376-3E7AF7BA8383}" dt="2024-11-03T17:15:13.145" v="2287" actId="478"/>
+          <ac:spMkLst>
+            <pc:docMk/>
+            <pc:sldMk cId="1259677183" sldId="279"/>
+            <ac:spMk id="93" creationId="{0963EBCF-4E5E-1D1E-F719-88275D9B98CF}"/>
+          </ac:spMkLst>
+        </pc:spChg>
+        <pc:spChg chg="add mod">
+          <ac:chgData name="Philippe Baucour" userId="5102170ae7533958" providerId="LiveId" clId="{336F8116-C764-4979-A376-3E7AF7BA8383}" dt="2024-11-03T18:48:44.977" v="4878" actId="1035"/>
+          <ac:spMkLst>
+            <pc:docMk/>
+            <pc:sldMk cId="1259677183" sldId="279"/>
+            <ac:spMk id="105" creationId="{7C3CC13C-8740-021F-43EC-9A4CB1D603E1}"/>
+          </ac:spMkLst>
+        </pc:spChg>
+        <pc:spChg chg="add mod">
+          <ac:chgData name="Philippe Baucour" userId="5102170ae7533958" providerId="LiveId" clId="{336F8116-C764-4979-A376-3E7AF7BA8383}" dt="2024-11-03T18:41:02.477" v="4538" actId="1035"/>
+          <ac:spMkLst>
+            <pc:docMk/>
+            <pc:sldMk cId="1259677183" sldId="279"/>
+            <ac:spMk id="110" creationId="{4DF4CB09-F0B4-1EEE-3BE4-61795D851869}"/>
+          </ac:spMkLst>
+        </pc:spChg>
+        <pc:spChg chg="add mod">
+          <ac:chgData name="Philippe Baucour" userId="5102170ae7533958" providerId="LiveId" clId="{336F8116-C764-4979-A376-3E7AF7BA8383}" dt="2024-11-03T18:41:02.477" v="4538" actId="1035"/>
+          <ac:spMkLst>
+            <pc:docMk/>
+            <pc:sldMk cId="1259677183" sldId="279"/>
+            <ac:spMk id="111" creationId="{C02D23B1-0EF0-92E4-5C23-3DF8AE5E82C5}"/>
+          </ac:spMkLst>
+        </pc:spChg>
+        <pc:spChg chg="add mod">
+          <ac:chgData name="Philippe Baucour" userId="5102170ae7533958" providerId="LiveId" clId="{336F8116-C764-4979-A376-3E7AF7BA8383}" dt="2024-11-03T18:41:02.477" v="4538" actId="1035"/>
+          <ac:spMkLst>
+            <pc:docMk/>
+            <pc:sldMk cId="1259677183" sldId="279"/>
+            <ac:spMk id="112" creationId="{B7EF9AA8-AEF7-0DC0-A41C-279F29A9A7CE}"/>
+          </ac:spMkLst>
+        </pc:spChg>
+        <pc:spChg chg="add mod">
+          <ac:chgData name="Philippe Baucour" userId="5102170ae7533958" providerId="LiveId" clId="{336F8116-C764-4979-A376-3E7AF7BA8383}" dt="2024-11-03T18:41:02.477" v="4538" actId="1035"/>
+          <ac:spMkLst>
+            <pc:docMk/>
+            <pc:sldMk cId="1259677183" sldId="279"/>
+            <ac:spMk id="113" creationId="{2781E758-D724-1AB6-3BC6-FEE439089CA2}"/>
+          </ac:spMkLst>
+        </pc:spChg>
+        <pc:spChg chg="add mod">
+          <ac:chgData name="Philippe Baucour" userId="5102170ae7533958" providerId="LiveId" clId="{336F8116-C764-4979-A376-3E7AF7BA8383}" dt="2024-11-03T18:41:02.477" v="4538" actId="1035"/>
+          <ac:spMkLst>
+            <pc:docMk/>
+            <pc:sldMk cId="1259677183" sldId="279"/>
+            <ac:spMk id="114" creationId="{062AC8B8-593C-E5AC-9DD8-9C1E3D56BF5F}"/>
+          </ac:spMkLst>
+        </pc:spChg>
+        <pc:spChg chg="add mod">
+          <ac:chgData name="Philippe Baucour" userId="5102170ae7533958" providerId="LiveId" clId="{336F8116-C764-4979-A376-3E7AF7BA8383}" dt="2024-11-03T18:41:02.477" v="4538" actId="1035"/>
+          <ac:spMkLst>
+            <pc:docMk/>
+            <pc:sldMk cId="1259677183" sldId="279"/>
+            <ac:spMk id="115" creationId="{E87E2303-FE4A-2E46-70D1-F2BA49E5FC52}"/>
+          </ac:spMkLst>
+        </pc:spChg>
+        <pc:spChg chg="add mod">
+          <ac:chgData name="Philippe Baucour" userId="5102170ae7533958" providerId="LiveId" clId="{336F8116-C764-4979-A376-3E7AF7BA8383}" dt="2024-11-03T18:41:02.477" v="4538" actId="1035"/>
+          <ac:spMkLst>
+            <pc:docMk/>
+            <pc:sldMk cId="1259677183" sldId="279"/>
+            <ac:spMk id="116" creationId="{B4DD2793-C560-90A6-9953-C8FC2C086CAE}"/>
+          </ac:spMkLst>
+        </pc:spChg>
+        <pc:spChg chg="add mod">
+          <ac:chgData name="Philippe Baucour" userId="5102170ae7533958" providerId="LiveId" clId="{336F8116-C764-4979-A376-3E7AF7BA8383}" dt="2024-11-03T18:41:02.477" v="4538" actId="1035"/>
+          <ac:spMkLst>
+            <pc:docMk/>
+            <pc:sldMk cId="1259677183" sldId="279"/>
+            <ac:spMk id="118" creationId="{9D8ED0C0-EE7C-761D-3BC2-435535FCA88C}"/>
+          </ac:spMkLst>
+        </pc:spChg>
+        <pc:spChg chg="add mod">
+          <ac:chgData name="Philippe Baucour" userId="5102170ae7533958" providerId="LiveId" clId="{336F8116-C764-4979-A376-3E7AF7BA8383}" dt="2024-11-03T18:41:02.477" v="4538" actId="1035"/>
+          <ac:spMkLst>
+            <pc:docMk/>
+            <pc:sldMk cId="1259677183" sldId="279"/>
+            <ac:spMk id="119" creationId="{5F8E43D7-FC27-A317-8690-3309A37739B8}"/>
+          </ac:spMkLst>
+        </pc:spChg>
+        <pc:spChg chg="add mod">
+          <ac:chgData name="Philippe Baucour" userId="5102170ae7533958" providerId="LiveId" clId="{336F8116-C764-4979-A376-3E7AF7BA8383}" dt="2024-11-03T18:41:02.477" v="4538" actId="1035"/>
+          <ac:spMkLst>
+            <pc:docMk/>
+            <pc:sldMk cId="1259677183" sldId="279"/>
+            <ac:spMk id="120" creationId="{F372F98C-4B99-B2BD-4816-A34C28626380}"/>
+          </ac:spMkLst>
+        </pc:spChg>
+        <pc:spChg chg="add mod">
+          <ac:chgData name="Philippe Baucour" userId="5102170ae7533958" providerId="LiveId" clId="{336F8116-C764-4979-A376-3E7AF7BA8383}" dt="2024-11-03T18:41:02.477" v="4538" actId="1035"/>
+          <ac:spMkLst>
+            <pc:docMk/>
+            <pc:sldMk cId="1259677183" sldId="279"/>
+            <ac:spMk id="121" creationId="{8E204F89-8F17-3755-2B81-C9180CA364A5}"/>
+          </ac:spMkLst>
+        </pc:spChg>
+        <pc:spChg chg="add mod">
+          <ac:chgData name="Philippe Baucour" userId="5102170ae7533958" providerId="LiveId" clId="{336F8116-C764-4979-A376-3E7AF7BA8383}" dt="2024-11-03T18:41:02.477" v="4538" actId="1035"/>
+          <ac:spMkLst>
+            <pc:docMk/>
+            <pc:sldMk cId="1259677183" sldId="279"/>
+            <ac:spMk id="122" creationId="{109DA0D6-8CA7-B70F-DA4E-7D79420E65E1}"/>
+          </ac:spMkLst>
+        </pc:spChg>
+        <pc:spChg chg="add mod">
+          <ac:chgData name="Philippe Baucour" userId="5102170ae7533958" providerId="LiveId" clId="{336F8116-C764-4979-A376-3E7AF7BA8383}" dt="2024-11-03T18:41:02.477" v="4538" actId="1035"/>
+          <ac:spMkLst>
+            <pc:docMk/>
+            <pc:sldMk cId="1259677183" sldId="279"/>
+            <ac:spMk id="123" creationId="{7744ACCC-E521-AA6B-EEE4-69012276CA6C}"/>
+          </ac:spMkLst>
+        </pc:spChg>
+        <pc:spChg chg="add mod">
+          <ac:chgData name="Philippe Baucour" userId="5102170ae7533958" providerId="LiveId" clId="{336F8116-C764-4979-A376-3E7AF7BA8383}" dt="2024-11-03T18:41:02.477" v="4538" actId="1035"/>
+          <ac:spMkLst>
+            <pc:docMk/>
+            <pc:sldMk cId="1259677183" sldId="279"/>
+            <ac:spMk id="126" creationId="{5160B526-7C7F-C3B1-69D1-98B59674A2DF}"/>
+          </ac:spMkLst>
+        </pc:spChg>
+        <pc:spChg chg="add del mod">
+          <ac:chgData name="Philippe Baucour" userId="5102170ae7533958" providerId="LiveId" clId="{336F8116-C764-4979-A376-3E7AF7BA8383}" dt="2024-11-03T17:51:53.521" v="3505" actId="478"/>
+          <ac:spMkLst>
+            <pc:docMk/>
+            <pc:sldMk cId="1259677183" sldId="279"/>
+            <ac:spMk id="127" creationId="{5888E26C-D2B1-02C3-CCD4-04D16B41630B}"/>
+          </ac:spMkLst>
+        </pc:spChg>
+        <pc:spChg chg="add del mod">
+          <ac:chgData name="Philippe Baucour" userId="5102170ae7533958" providerId="LiveId" clId="{336F8116-C764-4979-A376-3E7AF7BA8383}" dt="2024-11-03T17:55:28.098" v="3651" actId="478"/>
+          <ac:spMkLst>
+            <pc:docMk/>
+            <pc:sldMk cId="1259677183" sldId="279"/>
+            <ac:spMk id="128" creationId="{3235149E-B295-5A63-6EA9-4DB263A0660D}"/>
+          </ac:spMkLst>
+        </pc:spChg>
+        <pc:spChg chg="add del mod">
+          <ac:chgData name="Philippe Baucour" userId="5102170ae7533958" providerId="LiveId" clId="{336F8116-C764-4979-A376-3E7AF7BA8383}" dt="2024-11-03T17:53:05.292" v="3518" actId="478"/>
+          <ac:spMkLst>
+            <pc:docMk/>
+            <pc:sldMk cId="1259677183" sldId="279"/>
+            <ac:spMk id="130" creationId="{F3E6BB57-D627-2FF4-F19A-D5D6B6FF8A7D}"/>
+          </ac:spMkLst>
+        </pc:spChg>
+        <pc:spChg chg="add del mod">
+          <ac:chgData name="Philippe Baucour" userId="5102170ae7533958" providerId="LiveId" clId="{336F8116-C764-4979-A376-3E7AF7BA8383}" dt="2024-11-03T17:53:20.417" v="3528" actId="478"/>
+          <ac:spMkLst>
+            <pc:docMk/>
+            <pc:sldMk cId="1259677183" sldId="279"/>
+            <ac:spMk id="131" creationId="{9E2B9D43-53E9-9487-F30E-13D558F1050A}"/>
+          </ac:spMkLst>
+        </pc:spChg>
+        <pc:spChg chg="add del mod">
+          <ac:chgData name="Philippe Baucour" userId="5102170ae7533958" providerId="LiveId" clId="{336F8116-C764-4979-A376-3E7AF7BA8383}" dt="2024-11-03T17:53:22.659" v="3529" actId="478"/>
+          <ac:spMkLst>
+            <pc:docMk/>
+            <pc:sldMk cId="1259677183" sldId="279"/>
+            <ac:spMk id="132" creationId="{D65BBC78-90E6-0990-6FA5-F5B9D78EAF0D}"/>
+          </ac:spMkLst>
+        </pc:spChg>
+        <pc:spChg chg="add del mod">
+          <ac:chgData name="Philippe Baucour" userId="5102170ae7533958" providerId="LiveId" clId="{336F8116-C764-4979-A376-3E7AF7BA8383}" dt="2024-11-03T17:53:48.139" v="3534" actId="478"/>
+          <ac:spMkLst>
+            <pc:docMk/>
+            <pc:sldMk cId="1259677183" sldId="279"/>
+            <ac:spMk id="133" creationId="{D0F3B252-FF13-D69B-075A-9134294C231D}"/>
+          </ac:spMkLst>
+        </pc:spChg>
+        <pc:spChg chg="add del mod">
+          <ac:chgData name="Philippe Baucour" userId="5102170ae7533958" providerId="LiveId" clId="{336F8116-C764-4979-A376-3E7AF7BA8383}" dt="2024-11-03T17:53:45.472" v="3533" actId="478"/>
+          <ac:spMkLst>
+            <pc:docMk/>
+            <pc:sldMk cId="1259677183" sldId="279"/>
+            <ac:spMk id="134" creationId="{FED4F86F-31D6-1390-E63E-3922F3FBDFFB}"/>
+          </ac:spMkLst>
+        </pc:spChg>
+        <pc:spChg chg="add del mod">
+          <ac:chgData name="Philippe Baucour" userId="5102170ae7533958" providerId="LiveId" clId="{336F8116-C764-4979-A376-3E7AF7BA8383}" dt="2024-11-03T17:59:43.323" v="3828" actId="478"/>
+          <ac:spMkLst>
+            <pc:docMk/>
+            <pc:sldMk cId="1259677183" sldId="279"/>
+            <ac:spMk id="135" creationId="{68A59894-6193-D812-F481-035CBEB30D9C}"/>
+          </ac:spMkLst>
+        </pc:spChg>
+        <pc:spChg chg="add mod">
+          <ac:chgData name="Philippe Baucour" userId="5102170ae7533958" providerId="LiveId" clId="{336F8116-C764-4979-A376-3E7AF7BA8383}" dt="2024-11-03T18:42:43.618" v="4599" actId="1036"/>
+          <ac:spMkLst>
+            <pc:docMk/>
+            <pc:sldMk cId="1259677183" sldId="279"/>
+            <ac:spMk id="148" creationId="{00DC7F9E-B19C-BCF9-C71B-C90118249676}"/>
+          </ac:spMkLst>
+        </pc:spChg>
+        <pc:spChg chg="add mod">
+          <ac:chgData name="Philippe Baucour" userId="5102170ae7533958" providerId="LiveId" clId="{336F8116-C764-4979-A376-3E7AF7BA8383}" dt="2024-11-03T18:42:55.561" v="4625" actId="1038"/>
+          <ac:spMkLst>
+            <pc:docMk/>
+            <pc:sldMk cId="1259677183" sldId="279"/>
+            <ac:spMk id="150" creationId="{4332A384-AF4A-ADE8-4A0B-FFC32213956F}"/>
+          </ac:spMkLst>
+        </pc:spChg>
+        <pc:spChg chg="add del">
+          <ac:chgData name="Philippe Baucour" userId="5102170ae7533958" providerId="LiveId" clId="{336F8116-C764-4979-A376-3E7AF7BA8383}" dt="2024-11-03T17:45:15.911" v="3434" actId="478"/>
+          <ac:spMkLst>
+            <pc:docMk/>
+            <pc:sldMk cId="1259677183" sldId="279"/>
+            <ac:spMk id="151" creationId="{B4466979-9C9F-1FA0-DE89-221C9325933D}"/>
+          </ac:spMkLst>
+        </pc:spChg>
+        <pc:spChg chg="add mod topLvl">
+          <ac:chgData name="Philippe Baucour" userId="5102170ae7533958" providerId="LiveId" clId="{336F8116-C764-4979-A376-3E7AF7BA8383}" dt="2024-11-03T18:41:02.477" v="4538" actId="1035"/>
+          <ac:spMkLst>
+            <pc:docMk/>
+            <pc:sldMk cId="1259677183" sldId="279"/>
+            <ac:spMk id="153" creationId="{24F79AB4-FC98-BE39-1B7C-92D5C60F257F}"/>
+          </ac:spMkLst>
+        </pc:spChg>
+        <pc:spChg chg="mod">
+          <ac:chgData name="Philippe Baucour" userId="5102170ae7533958" providerId="LiveId" clId="{336F8116-C764-4979-A376-3E7AF7BA8383}" dt="2024-11-03T18:41:02.477" v="4538" actId="1035"/>
+          <ac:spMkLst>
+            <pc:docMk/>
+            <pc:sldMk cId="1259677183" sldId="279"/>
+            <ac:spMk id="158" creationId="{9F8D9920-E730-FE46-BD33-6622E5BA7701}"/>
+          </ac:spMkLst>
+        </pc:spChg>
+        <pc:spChg chg="mod">
+          <ac:chgData name="Philippe Baucour" userId="5102170ae7533958" providerId="LiveId" clId="{336F8116-C764-4979-A376-3E7AF7BA8383}" dt="2024-11-03T18:41:02.477" v="4538" actId="1035"/>
+          <ac:spMkLst>
+            <pc:docMk/>
+            <pc:sldMk cId="1259677183" sldId="279"/>
+            <ac:spMk id="161" creationId="{D5CD7F13-746F-133D-937D-94C0CDD5D6EA}"/>
+          </ac:spMkLst>
+        </pc:spChg>
+        <pc:spChg chg="mod">
+          <ac:chgData name="Philippe Baucour" userId="5102170ae7533958" providerId="LiveId" clId="{336F8116-C764-4979-A376-3E7AF7BA8383}" dt="2024-11-03T18:41:02.477" v="4538" actId="1035"/>
+          <ac:spMkLst>
+            <pc:docMk/>
+            <pc:sldMk cId="1259677183" sldId="279"/>
+            <ac:spMk id="164" creationId="{79D57835-DFB1-2C3E-0120-5F40D4A28F3F}"/>
+          </ac:spMkLst>
+        </pc:spChg>
+        <pc:spChg chg="mod">
+          <ac:chgData name="Philippe Baucour" userId="5102170ae7533958" providerId="LiveId" clId="{336F8116-C764-4979-A376-3E7AF7BA8383}" dt="2024-11-03T18:41:02.477" v="4538" actId="1035"/>
+          <ac:spMkLst>
+            <pc:docMk/>
+            <pc:sldMk cId="1259677183" sldId="279"/>
+            <ac:spMk id="167" creationId="{071344E7-9508-6712-EDBD-5AD8BA4462CC}"/>
+          </ac:spMkLst>
+        </pc:spChg>
+        <pc:spChg chg="mod">
+          <ac:chgData name="Philippe Baucour" userId="5102170ae7533958" providerId="LiveId" clId="{336F8116-C764-4979-A376-3E7AF7BA8383}" dt="2024-11-03T18:41:02.477" v="4538" actId="1035"/>
+          <ac:spMkLst>
+            <pc:docMk/>
+            <pc:sldMk cId="1259677183" sldId="279"/>
+            <ac:spMk id="170" creationId="{F36E33B7-5EBC-A7CC-6F7C-BCD6899A7640}"/>
+          </ac:spMkLst>
+        </pc:spChg>
+        <pc:spChg chg="mod">
+          <ac:chgData name="Philippe Baucour" userId="5102170ae7533958" providerId="LiveId" clId="{336F8116-C764-4979-A376-3E7AF7BA8383}" dt="2024-11-03T18:41:02.477" v="4538" actId="1035"/>
+          <ac:spMkLst>
+            <pc:docMk/>
+            <pc:sldMk cId="1259677183" sldId="279"/>
+            <ac:spMk id="173" creationId="{F153340A-F558-DBD9-FEB1-35A1157D0C83}"/>
+          </ac:spMkLst>
+        </pc:spChg>
+        <pc:spChg chg="mod">
+          <ac:chgData name="Philippe Baucour" userId="5102170ae7533958" providerId="LiveId" clId="{336F8116-C764-4979-A376-3E7AF7BA8383}" dt="2024-11-03T18:41:02.477" v="4538" actId="1035"/>
+          <ac:spMkLst>
+            <pc:docMk/>
+            <pc:sldMk cId="1259677183" sldId="279"/>
+            <ac:spMk id="176" creationId="{A7E04373-BD58-A440-6C49-CCD67DF51A02}"/>
+          </ac:spMkLst>
+        </pc:spChg>
+        <pc:spChg chg="add del mod">
+          <ac:chgData name="Philippe Baucour" userId="5102170ae7533958" providerId="LiveId" clId="{336F8116-C764-4979-A376-3E7AF7BA8383}" dt="2024-11-03T18:19:13.631" v="3908" actId="478"/>
+          <ac:spMkLst>
+            <pc:docMk/>
+            <pc:sldMk cId="1259677183" sldId="279"/>
+            <ac:spMk id="179" creationId="{B19CB02F-D060-0D3A-E254-E705CFCD5D35}"/>
+          </ac:spMkLst>
+        </pc:spChg>
+        <pc:spChg chg="mod">
+          <ac:chgData name="Philippe Baucour" userId="5102170ae7533958" providerId="LiveId" clId="{336F8116-C764-4979-A376-3E7AF7BA8383}" dt="2024-11-03T18:43:28.017" v="4626"/>
+          <ac:spMkLst>
+            <pc:docMk/>
+            <pc:sldMk cId="1259677183" sldId="279"/>
+            <ac:spMk id="186" creationId="{9FCD381A-4D61-13F2-86A6-7B15D1EDE4F0}"/>
+          </ac:spMkLst>
+        </pc:spChg>
+        <pc:grpChg chg="add del mod">
+          <ac:chgData name="Philippe Baucour" userId="5102170ae7533958" providerId="LiveId" clId="{336F8116-C764-4979-A376-3E7AF7BA8383}" dt="2024-11-03T17:49:27.310" v="3471" actId="165"/>
+          <ac:grpSpMkLst>
+            <pc:docMk/>
+            <pc:sldMk cId="1259677183" sldId="279"/>
+            <ac:grpSpMk id="154" creationId="{3B7953EA-6645-B25F-FF39-52CFD92BD81A}"/>
+          </ac:grpSpMkLst>
+        </pc:grpChg>
+        <pc:grpChg chg="add mod">
+          <ac:chgData name="Philippe Baucour" userId="5102170ae7533958" providerId="LiveId" clId="{336F8116-C764-4979-A376-3E7AF7BA8383}" dt="2024-11-03T18:41:02.477" v="4538" actId="1035"/>
+          <ac:grpSpMkLst>
+            <pc:docMk/>
+            <pc:sldMk cId="1259677183" sldId="279"/>
+            <ac:grpSpMk id="155" creationId="{6C550BD5-C09B-9F07-A20C-7136651A11CD}"/>
+          </ac:grpSpMkLst>
+        </pc:grpChg>
+        <pc:grpChg chg="add mod">
+          <ac:chgData name="Philippe Baucour" userId="5102170ae7533958" providerId="LiveId" clId="{336F8116-C764-4979-A376-3E7AF7BA8383}" dt="2024-11-03T18:41:02.477" v="4538" actId="1035"/>
+          <ac:grpSpMkLst>
+            <pc:docMk/>
+            <pc:sldMk cId="1259677183" sldId="279"/>
+            <ac:grpSpMk id="156" creationId="{0C77C98D-5E1E-2CE1-B70F-2BC2C03F295B}"/>
+          </ac:grpSpMkLst>
+        </pc:grpChg>
+        <pc:grpChg chg="add mod">
+          <ac:chgData name="Philippe Baucour" userId="5102170ae7533958" providerId="LiveId" clId="{336F8116-C764-4979-A376-3E7AF7BA8383}" dt="2024-11-03T18:41:02.477" v="4538" actId="1035"/>
+          <ac:grpSpMkLst>
+            <pc:docMk/>
+            <pc:sldMk cId="1259677183" sldId="279"/>
+            <ac:grpSpMk id="159" creationId="{B45664BA-7AE1-B13B-03A6-4FFE698EAE99}"/>
+          </ac:grpSpMkLst>
+        </pc:grpChg>
+        <pc:grpChg chg="add mod">
+          <ac:chgData name="Philippe Baucour" userId="5102170ae7533958" providerId="LiveId" clId="{336F8116-C764-4979-A376-3E7AF7BA8383}" dt="2024-11-03T18:41:02.477" v="4538" actId="1035"/>
+          <ac:grpSpMkLst>
+            <pc:docMk/>
+            <pc:sldMk cId="1259677183" sldId="279"/>
+            <ac:grpSpMk id="162" creationId="{FF51F5F5-B9CC-FE1F-F667-9EF52DD4DBD3}"/>
+          </ac:grpSpMkLst>
+        </pc:grpChg>
+        <pc:grpChg chg="add mod">
+          <ac:chgData name="Philippe Baucour" userId="5102170ae7533958" providerId="LiveId" clId="{336F8116-C764-4979-A376-3E7AF7BA8383}" dt="2024-11-03T18:41:02.477" v="4538" actId="1035"/>
+          <ac:grpSpMkLst>
+            <pc:docMk/>
+            <pc:sldMk cId="1259677183" sldId="279"/>
+            <ac:grpSpMk id="165" creationId="{62FE06FC-E755-E5C4-3E68-4073EA304489}"/>
+          </ac:grpSpMkLst>
+        </pc:grpChg>
+        <pc:grpChg chg="add mod">
+          <ac:chgData name="Philippe Baucour" userId="5102170ae7533958" providerId="LiveId" clId="{336F8116-C764-4979-A376-3E7AF7BA8383}" dt="2024-11-03T18:41:02.477" v="4538" actId="1035"/>
+          <ac:grpSpMkLst>
+            <pc:docMk/>
+            <pc:sldMk cId="1259677183" sldId="279"/>
+            <ac:grpSpMk id="168" creationId="{2E9B084E-AEEE-C270-2161-0AEC530952D9}"/>
+          </ac:grpSpMkLst>
+        </pc:grpChg>
+        <pc:grpChg chg="add mod">
+          <ac:chgData name="Philippe Baucour" userId="5102170ae7533958" providerId="LiveId" clId="{336F8116-C764-4979-A376-3E7AF7BA8383}" dt="2024-11-03T18:41:02.477" v="4538" actId="1035"/>
+          <ac:grpSpMkLst>
+            <pc:docMk/>
+            <pc:sldMk cId="1259677183" sldId="279"/>
+            <ac:grpSpMk id="171" creationId="{7D68A29C-58FC-F271-1E27-1C265AF950B2}"/>
+          </ac:grpSpMkLst>
+        </pc:grpChg>
+        <pc:grpChg chg="add mod">
+          <ac:chgData name="Philippe Baucour" userId="5102170ae7533958" providerId="LiveId" clId="{336F8116-C764-4979-A376-3E7AF7BA8383}" dt="2024-11-03T18:41:02.477" v="4538" actId="1035"/>
+          <ac:grpSpMkLst>
+            <pc:docMk/>
+            <pc:sldMk cId="1259677183" sldId="279"/>
+            <ac:grpSpMk id="174" creationId="{1B8BF9F4-E2DF-995E-D07C-EA1AAEAE9A3D}"/>
+          </ac:grpSpMkLst>
+        </pc:grpChg>
+        <pc:grpChg chg="add mod">
+          <ac:chgData name="Philippe Baucour" userId="5102170ae7533958" providerId="LiveId" clId="{336F8116-C764-4979-A376-3E7AF7BA8383}" dt="2024-11-03T18:43:53.787" v="4664" actId="1037"/>
+          <ac:grpSpMkLst>
+            <pc:docMk/>
+            <pc:sldMk cId="1259677183" sldId="279"/>
+            <ac:grpSpMk id="184" creationId="{01962857-8621-9B9F-16CC-7CE6478C7A38}"/>
+          </ac:grpSpMkLst>
+        </pc:grpChg>
+        <pc:picChg chg="add del mod ord">
+          <ac:chgData name="Philippe Baucour" userId="5102170ae7533958" providerId="LiveId" clId="{336F8116-C764-4979-A376-3E7AF7BA8383}" dt="2024-11-03T17:11:22.792" v="2248" actId="21"/>
+          <ac:picMkLst>
+            <pc:docMk/>
+            <pc:sldMk cId="1259677183" sldId="279"/>
+            <ac:picMk id="5" creationId="{31CF9402-85F3-8F79-EF1F-1F1F0F7E1F47}"/>
+          </ac:picMkLst>
+        </pc:picChg>
+        <pc:picChg chg="add mod">
+          <ac:chgData name="Philippe Baucour" userId="5102170ae7533958" providerId="LiveId" clId="{336F8116-C764-4979-A376-3E7AF7BA8383}" dt="2024-11-03T18:41:02.477" v="4538" actId="1035"/>
+          <ac:picMkLst>
+            <pc:docMk/>
+            <pc:sldMk cId="1259677183" sldId="279"/>
+            <ac:picMk id="6" creationId="{908AD767-20A0-B4A1-D97E-2072728C4550}"/>
+          </ac:picMkLst>
+        </pc:picChg>
+        <pc:picChg chg="add del mod">
+          <ac:chgData name="Philippe Baucour" userId="5102170ae7533958" providerId="LiveId" clId="{336F8116-C764-4979-A376-3E7AF7BA8383}" dt="2024-11-03T17:23:25.917" v="2529" actId="478"/>
+          <ac:picMkLst>
+            <pc:docMk/>
+            <pc:sldMk cId="1259677183" sldId="279"/>
+            <ac:picMk id="8" creationId="{BBB7BF3C-4F1D-5257-2AF0-240102304F9E}"/>
+          </ac:picMkLst>
+        </pc:picChg>
+        <pc:picChg chg="add mod">
+          <ac:chgData name="Philippe Baucour" userId="5102170ae7533958" providerId="LiveId" clId="{336F8116-C764-4979-A376-3E7AF7BA8383}" dt="2024-11-03T18:45:27.353" v="4769" actId="1038"/>
+          <ac:picMkLst>
+            <pc:docMk/>
+            <pc:sldMk cId="1259677183" sldId="279"/>
+            <ac:picMk id="10" creationId="{124623B7-85B3-309B-166D-A8462A11E158}"/>
+          </ac:picMkLst>
+        </pc:picChg>
+        <pc:picChg chg="add del mod">
+          <ac:chgData name="Philippe Baucour" userId="5102170ae7533958" providerId="LiveId" clId="{336F8116-C764-4979-A376-3E7AF7BA8383}" dt="2024-11-03T17:11:04.836" v="2246" actId="478"/>
+          <ac:picMkLst>
+            <pc:docMk/>
+            <pc:sldMk cId="1259677183" sldId="279"/>
+            <ac:picMk id="12" creationId="{6BA48CF3-CBF4-B887-71EB-82359C8A4839}"/>
+          </ac:picMkLst>
+        </pc:picChg>
+        <pc:picChg chg="add mod">
+          <ac:chgData name="Philippe Baucour" userId="5102170ae7533958" providerId="LiveId" clId="{336F8116-C764-4979-A376-3E7AF7BA8383}" dt="2024-11-03T18:46:55.720" v="4847" actId="1037"/>
+          <ac:picMkLst>
+            <pc:docMk/>
+            <pc:sldMk cId="1259677183" sldId="279"/>
+            <ac:picMk id="14" creationId="{110D4477-8E99-FFF5-BBD4-067410B30DB2}"/>
+          </ac:picMkLst>
+        </pc:picChg>
+        <pc:picChg chg="add mod">
+          <ac:chgData name="Philippe Baucour" userId="5102170ae7533958" providerId="LiveId" clId="{336F8116-C764-4979-A376-3E7AF7BA8383}" dt="2024-11-03T18:41:02.477" v="4538" actId="1035"/>
+          <ac:picMkLst>
+            <pc:docMk/>
+            <pc:sldMk cId="1259677183" sldId="279"/>
+            <ac:picMk id="15" creationId="{0E7326EA-48A6-F0AD-D0CB-225684EBE9E2}"/>
+          </ac:picMkLst>
+        </pc:picChg>
+        <pc:picChg chg="add mod">
+          <ac:chgData name="Philippe Baucour" userId="5102170ae7533958" providerId="LiveId" clId="{336F8116-C764-4979-A376-3E7AF7BA8383}" dt="2024-11-03T18:41:02.477" v="4538" actId="1035"/>
+          <ac:picMkLst>
+            <pc:docMk/>
+            <pc:sldMk cId="1259677183" sldId="279"/>
+            <ac:picMk id="21" creationId="{DE484BBE-4F21-92AD-1CF7-FC51B336D9F2}"/>
+          </ac:picMkLst>
+        </pc:picChg>
+        <pc:picChg chg="add mod">
+          <ac:chgData name="Philippe Baucour" userId="5102170ae7533958" providerId="LiveId" clId="{336F8116-C764-4979-A376-3E7AF7BA8383}" dt="2024-11-03T18:41:02.477" v="4538" actId="1035"/>
+          <ac:picMkLst>
+            <pc:docMk/>
+            <pc:sldMk cId="1259677183" sldId="279"/>
+            <ac:picMk id="107" creationId="{ED473700-3EFE-1C6A-8EDC-5AFF2360947F}"/>
+          </ac:picMkLst>
+        </pc:picChg>
+        <pc:picChg chg="add mod">
+          <ac:chgData name="Philippe Baucour" userId="5102170ae7533958" providerId="LiveId" clId="{336F8116-C764-4979-A376-3E7AF7BA8383}" dt="2024-11-03T18:41:02.477" v="4538" actId="1035"/>
+          <ac:picMkLst>
+            <pc:docMk/>
+            <pc:sldMk cId="1259677183" sldId="279"/>
+            <ac:picMk id="109" creationId="{A12DE1C5-196C-05BF-DB99-C865EED44B7D}"/>
+          </ac:picMkLst>
+        </pc:picChg>
+        <pc:picChg chg="add del mod">
+          <ac:chgData name="Philippe Baucour" userId="5102170ae7533958" providerId="LiveId" clId="{336F8116-C764-4979-A376-3E7AF7BA8383}" dt="2024-11-03T17:23:23.516" v="2528" actId="478"/>
+          <ac:picMkLst>
+            <pc:docMk/>
+            <pc:sldMk cId="1259677183" sldId="279"/>
+            <ac:picMk id="125" creationId="{939B2FFD-01B6-3EA7-072E-344CFBC71074}"/>
+          </ac:picMkLst>
+        </pc:picChg>
+        <pc:picChg chg="add mod">
+          <ac:chgData name="Philippe Baucour" userId="5102170ae7533958" providerId="LiveId" clId="{336F8116-C764-4979-A376-3E7AF7BA8383}" dt="2024-11-03T18:41:02.477" v="4538" actId="1035"/>
+          <ac:picMkLst>
+            <pc:docMk/>
+            <pc:sldMk cId="1259677183" sldId="279"/>
+            <ac:picMk id="149" creationId="{584B21BB-6EED-723D-A536-52D94941BAF0}"/>
+          </ac:picMkLst>
+        </pc:picChg>
+        <pc:picChg chg="add mod topLvl">
+          <ac:chgData name="Philippe Baucour" userId="5102170ae7533958" providerId="LiveId" clId="{336F8116-C764-4979-A376-3E7AF7BA8383}" dt="2024-11-03T18:41:02.477" v="4538" actId="1035"/>
+          <ac:picMkLst>
+            <pc:docMk/>
+            <pc:sldMk cId="1259677183" sldId="279"/>
+            <ac:picMk id="152" creationId="{ACF1AA5B-1455-EB53-DC5E-430F98ECC6D3}"/>
+          </ac:picMkLst>
+        </pc:picChg>
+        <pc:picChg chg="mod">
+          <ac:chgData name="Philippe Baucour" userId="5102170ae7533958" providerId="LiveId" clId="{336F8116-C764-4979-A376-3E7AF7BA8383}" dt="2024-11-03T18:41:02.477" v="4538" actId="1035"/>
+          <ac:picMkLst>
+            <pc:docMk/>
+            <pc:sldMk cId="1259677183" sldId="279"/>
+            <ac:picMk id="157" creationId="{82404462-12BC-1AA6-D0B1-924DD52C2746}"/>
+          </ac:picMkLst>
+        </pc:picChg>
+        <pc:picChg chg="mod">
+          <ac:chgData name="Philippe Baucour" userId="5102170ae7533958" providerId="LiveId" clId="{336F8116-C764-4979-A376-3E7AF7BA8383}" dt="2024-11-03T18:41:02.477" v="4538" actId="1035"/>
+          <ac:picMkLst>
+            <pc:docMk/>
+            <pc:sldMk cId="1259677183" sldId="279"/>
+            <ac:picMk id="160" creationId="{6E6B89E2-84FE-F4FD-FFE7-19FB5AE4DE49}"/>
+          </ac:picMkLst>
+        </pc:picChg>
+        <pc:picChg chg="mod">
+          <ac:chgData name="Philippe Baucour" userId="5102170ae7533958" providerId="LiveId" clId="{336F8116-C764-4979-A376-3E7AF7BA8383}" dt="2024-11-03T18:41:02.477" v="4538" actId="1035"/>
+          <ac:picMkLst>
+            <pc:docMk/>
+            <pc:sldMk cId="1259677183" sldId="279"/>
+            <ac:picMk id="163" creationId="{7D1C57C7-0877-4E2E-CD76-01E14A02B788}"/>
+          </ac:picMkLst>
+        </pc:picChg>
+        <pc:picChg chg="mod">
+          <ac:chgData name="Philippe Baucour" userId="5102170ae7533958" providerId="LiveId" clId="{336F8116-C764-4979-A376-3E7AF7BA8383}" dt="2024-11-03T18:41:02.477" v="4538" actId="1035"/>
+          <ac:picMkLst>
+            <pc:docMk/>
+            <pc:sldMk cId="1259677183" sldId="279"/>
+            <ac:picMk id="166" creationId="{72BCE967-8F1D-4A5D-C16F-B1F65F81FB27}"/>
+          </ac:picMkLst>
+        </pc:picChg>
+        <pc:picChg chg="mod">
+          <ac:chgData name="Philippe Baucour" userId="5102170ae7533958" providerId="LiveId" clId="{336F8116-C764-4979-A376-3E7AF7BA8383}" dt="2024-11-03T18:41:02.477" v="4538" actId="1035"/>
+          <ac:picMkLst>
+            <pc:docMk/>
+            <pc:sldMk cId="1259677183" sldId="279"/>
+            <ac:picMk id="169" creationId="{76C2F489-FDE4-7454-5A55-FE07541A97DA}"/>
+          </ac:picMkLst>
+        </pc:picChg>
+        <pc:picChg chg="mod">
+          <ac:chgData name="Philippe Baucour" userId="5102170ae7533958" providerId="LiveId" clId="{336F8116-C764-4979-A376-3E7AF7BA8383}" dt="2024-11-03T18:41:02.477" v="4538" actId="1035"/>
+          <ac:picMkLst>
+            <pc:docMk/>
+            <pc:sldMk cId="1259677183" sldId="279"/>
+            <ac:picMk id="172" creationId="{2E392806-D107-A138-F7D9-30FB2380BF71}"/>
+          </ac:picMkLst>
+        </pc:picChg>
+        <pc:picChg chg="mod">
+          <ac:chgData name="Philippe Baucour" userId="5102170ae7533958" providerId="LiveId" clId="{336F8116-C764-4979-A376-3E7AF7BA8383}" dt="2024-11-03T18:41:02.477" v="4538" actId="1035"/>
+          <ac:picMkLst>
+            <pc:docMk/>
+            <pc:sldMk cId="1259677183" sldId="279"/>
+            <ac:picMk id="175" creationId="{472D1F77-779D-888B-4F19-BB898A5FDF28}"/>
+          </ac:picMkLst>
+        </pc:picChg>
+        <pc:picChg chg="add del mod">
+          <ac:chgData name="Philippe Baucour" userId="5102170ae7533958" providerId="LiveId" clId="{336F8116-C764-4979-A376-3E7AF7BA8383}" dt="2024-11-03T18:40:24.635" v="4524" actId="21"/>
+          <ac:picMkLst>
+            <pc:docMk/>
+            <pc:sldMk cId="1259677183" sldId="279"/>
+            <ac:picMk id="178" creationId="{334E64EE-53CB-92AC-42BA-12DE6768924D}"/>
+          </ac:picMkLst>
+        </pc:picChg>
+        <pc:picChg chg="mod">
+          <ac:chgData name="Philippe Baucour" userId="5102170ae7533958" providerId="LiveId" clId="{336F8116-C764-4979-A376-3E7AF7BA8383}" dt="2024-11-03T18:43:28.017" v="4626"/>
+          <ac:picMkLst>
+            <pc:docMk/>
+            <pc:sldMk cId="1259677183" sldId="279"/>
+            <ac:picMk id="185" creationId="{B8A6FF25-E4C0-A72E-6375-1890659E6287}"/>
+          </ac:picMkLst>
+        </pc:picChg>
+        <pc:picChg chg="add mod">
+          <ac:chgData name="Philippe Baucour" userId="5102170ae7533958" providerId="LiveId" clId="{336F8116-C764-4979-A376-3E7AF7BA8383}" dt="2024-11-03T18:41:02.477" v="4538" actId="1035"/>
+          <ac:picMkLst>
+            <pc:docMk/>
+            <pc:sldMk cId="1259677183" sldId="279"/>
+            <ac:picMk id="1026" creationId="{AE53F4A2-C93F-7C01-C386-3FEA6ACCCF27}"/>
+          </ac:picMkLst>
+        </pc:picChg>
+        <pc:picChg chg="add">
+          <ac:chgData name="Philippe Baucour" userId="5102170ae7533958" providerId="LiveId" clId="{336F8116-C764-4979-A376-3E7AF7BA8383}" dt="2024-11-03T17:43:55.619" v="3428"/>
+          <ac:picMkLst>
+            <pc:docMk/>
+            <pc:sldMk cId="1259677183" sldId="279"/>
+            <ac:picMk id="1028" creationId="{DEF53A72-F3BE-C81F-978B-8F56C9E25600}"/>
+          </ac:picMkLst>
+        </pc:picChg>
+        <pc:picChg chg="add del">
+          <ac:chgData name="Philippe Baucour" userId="5102170ae7533958" providerId="LiveId" clId="{336F8116-C764-4979-A376-3E7AF7BA8383}" dt="2024-11-03T17:44:27.736" v="3430" actId="478"/>
+          <ac:picMkLst>
+            <pc:docMk/>
+            <pc:sldMk cId="1259677183" sldId="279"/>
+            <ac:picMk id="1030" creationId="{1A679F6A-8FDE-0E97-59B7-0998B69D7F12}"/>
+          </ac:picMkLst>
+        </pc:picChg>
+        <pc:picChg chg="add del">
+          <ac:chgData name="Philippe Baucour" userId="5102170ae7533958" providerId="LiveId" clId="{336F8116-C764-4979-A376-3E7AF7BA8383}" dt="2024-11-03T17:44:48.489" v="3432" actId="478"/>
+          <ac:picMkLst>
+            <pc:docMk/>
+            <pc:sldMk cId="1259677183" sldId="279"/>
+            <ac:picMk id="1032" creationId="{8E7E5C47-AA1B-5465-58F5-36B355D87E56}"/>
+          </ac:picMkLst>
+        </pc:picChg>
+        <pc:cxnChg chg="add mod">
+          <ac:chgData name="Philippe Baucour" userId="5102170ae7533958" providerId="LiveId" clId="{336F8116-C764-4979-A376-3E7AF7BA8383}" dt="2024-11-03T18:41:02.477" v="4538" actId="1035"/>
+          <ac:cxnSpMkLst>
+            <pc:docMk/>
+            <pc:sldMk cId="1259677183" sldId="279"/>
+            <ac:cxnSpMk id="25" creationId="{E36129EB-1736-E53A-6E04-7045FC688E79}"/>
+          </ac:cxnSpMkLst>
+        </pc:cxnChg>
+        <pc:cxnChg chg="add mod">
+          <ac:chgData name="Philippe Baucour" userId="5102170ae7533958" providerId="LiveId" clId="{336F8116-C764-4979-A376-3E7AF7BA8383}" dt="2024-11-03T18:41:02.477" v="4538" actId="1035"/>
+          <ac:cxnSpMkLst>
+            <pc:docMk/>
+            <pc:sldMk cId="1259677183" sldId="279"/>
+            <ac:cxnSpMk id="28" creationId="{8F23BEFC-7553-DFC6-47B6-9508CF268099}"/>
+          </ac:cxnSpMkLst>
+        </pc:cxnChg>
+        <pc:cxnChg chg="add mod">
+          <ac:chgData name="Philippe Baucour" userId="5102170ae7533958" providerId="LiveId" clId="{336F8116-C764-4979-A376-3E7AF7BA8383}" dt="2024-11-03T18:41:02.477" v="4538" actId="1035"/>
+          <ac:cxnSpMkLst>
+            <pc:docMk/>
+            <pc:sldMk cId="1259677183" sldId="279"/>
+            <ac:cxnSpMk id="36" creationId="{F204E68A-A833-628D-DECA-81C77D4B17F8}"/>
+          </ac:cxnSpMkLst>
+        </pc:cxnChg>
+        <pc:cxnChg chg="add mod">
+          <ac:chgData name="Philippe Baucour" userId="5102170ae7533958" providerId="LiveId" clId="{336F8116-C764-4979-A376-3E7AF7BA8383}" dt="2024-11-03T18:41:02.477" v="4538" actId="1035"/>
+          <ac:cxnSpMkLst>
+            <pc:docMk/>
+            <pc:sldMk cId="1259677183" sldId="279"/>
+            <ac:cxnSpMk id="37" creationId="{650DFD26-94A4-67A9-5F47-134436EB8264}"/>
+          </ac:cxnSpMkLst>
+        </pc:cxnChg>
+        <pc:cxnChg chg="add del mod">
+          <ac:chgData name="Philippe Baucour" userId="5102170ae7533958" providerId="LiveId" clId="{336F8116-C764-4979-A376-3E7AF7BA8383}" dt="2024-11-03T16:24:52.959" v="1326" actId="478"/>
+          <ac:cxnSpMkLst>
+            <pc:docMk/>
+            <pc:sldMk cId="1259677183" sldId="279"/>
+            <ac:cxnSpMk id="39" creationId="{5E254418-42D8-B86B-A18A-E8DDE9D0C1B1}"/>
+          </ac:cxnSpMkLst>
+        </pc:cxnChg>
+        <pc:cxnChg chg="add mod">
+          <ac:chgData name="Philippe Baucour" userId="5102170ae7533958" providerId="LiveId" clId="{336F8116-C764-4979-A376-3E7AF7BA8383}" dt="2024-11-03T18:41:02.477" v="4538" actId="1035"/>
+          <ac:cxnSpMkLst>
+            <pc:docMk/>
+            <pc:sldMk cId="1259677183" sldId="279"/>
+            <ac:cxnSpMk id="65" creationId="{F1DEB93B-1067-5756-012E-A4993C6B6648}"/>
+          </ac:cxnSpMkLst>
+        </pc:cxnChg>
+        <pc:cxnChg chg="add mod">
+          <ac:chgData name="Philippe Baucour" userId="5102170ae7533958" providerId="LiveId" clId="{336F8116-C764-4979-A376-3E7AF7BA8383}" dt="2024-11-03T18:41:02.477" v="4538" actId="1035"/>
+          <ac:cxnSpMkLst>
+            <pc:docMk/>
+            <pc:sldMk cId="1259677183" sldId="279"/>
+            <ac:cxnSpMk id="70" creationId="{262BCD3C-DB12-3A36-F283-378E6AF82F1A}"/>
+          </ac:cxnSpMkLst>
+        </pc:cxnChg>
+        <pc:cxnChg chg="add mod">
+          <ac:chgData name="Philippe Baucour" userId="5102170ae7533958" providerId="LiveId" clId="{336F8116-C764-4979-A376-3E7AF7BA8383}" dt="2024-11-03T18:41:02.477" v="4538" actId="1035"/>
+          <ac:cxnSpMkLst>
+            <pc:docMk/>
+            <pc:sldMk cId="1259677183" sldId="279"/>
+            <ac:cxnSpMk id="72" creationId="{1436D184-BAB5-7F8D-2548-7057FFF23A72}"/>
+          </ac:cxnSpMkLst>
+        </pc:cxnChg>
+        <pc:cxnChg chg="add mod">
+          <ac:chgData name="Philippe Baucour" userId="5102170ae7533958" providerId="LiveId" clId="{336F8116-C764-4979-A376-3E7AF7BA8383}" dt="2024-11-03T18:41:02.477" v="4538" actId="1035"/>
+          <ac:cxnSpMkLst>
+            <pc:docMk/>
+            <pc:sldMk cId="1259677183" sldId="279"/>
+            <ac:cxnSpMk id="77" creationId="{B87906E8-D241-736E-077F-F51E11DA6371}"/>
+          </ac:cxnSpMkLst>
+        </pc:cxnChg>
+        <pc:cxnChg chg="add mod">
+          <ac:chgData name="Philippe Baucour" userId="5102170ae7533958" providerId="LiveId" clId="{336F8116-C764-4979-A376-3E7AF7BA8383}" dt="2024-11-03T18:41:02.477" v="4538" actId="1035"/>
+          <ac:cxnSpMkLst>
+            <pc:docMk/>
+            <pc:sldMk cId="1259677183" sldId="279"/>
+            <ac:cxnSpMk id="79" creationId="{8BDA5627-27DD-13E6-6BC7-6BBE53861D43}"/>
+          </ac:cxnSpMkLst>
+        </pc:cxnChg>
+        <pc:cxnChg chg="add mod">
+          <ac:chgData name="Philippe Baucour" userId="5102170ae7533958" providerId="LiveId" clId="{336F8116-C764-4979-A376-3E7AF7BA8383}" dt="2024-11-03T18:41:02.477" v="4538" actId="1035"/>
+          <ac:cxnSpMkLst>
+            <pc:docMk/>
+            <pc:sldMk cId="1259677183" sldId="279"/>
+            <ac:cxnSpMk id="82" creationId="{589D4BDA-F75B-072B-3E64-3915FB2968F1}"/>
+          </ac:cxnSpMkLst>
+        </pc:cxnChg>
+        <pc:cxnChg chg="add mod">
+          <ac:chgData name="Philippe Baucour" userId="5102170ae7533958" providerId="LiveId" clId="{336F8116-C764-4979-A376-3E7AF7BA8383}" dt="2024-11-03T18:41:02.477" v="4538" actId="1035"/>
+          <ac:cxnSpMkLst>
+            <pc:docMk/>
+            <pc:sldMk cId="1259677183" sldId="279"/>
+            <ac:cxnSpMk id="86" creationId="{97741F2E-BB7A-08FA-FAB3-476CBB8331EF}"/>
+          </ac:cxnSpMkLst>
+        </pc:cxnChg>
+        <pc:cxnChg chg="add mod">
+          <ac:chgData name="Philippe Baucour" userId="5102170ae7533958" providerId="LiveId" clId="{336F8116-C764-4979-A376-3E7AF7BA8383}" dt="2024-11-03T18:41:02.477" v="4538" actId="1035"/>
+          <ac:cxnSpMkLst>
+            <pc:docMk/>
+            <pc:sldMk cId="1259677183" sldId="279"/>
+            <ac:cxnSpMk id="94" creationId="{5AF9B872-8AE7-0EDA-E7B9-6A0FEBD15A1E}"/>
+          </ac:cxnSpMkLst>
+        </pc:cxnChg>
+        <pc:cxnChg chg="add mod">
+          <ac:chgData name="Philippe Baucour" userId="5102170ae7533958" providerId="LiveId" clId="{336F8116-C764-4979-A376-3E7AF7BA8383}" dt="2024-11-03T18:41:02.477" v="4538" actId="1035"/>
+          <ac:cxnSpMkLst>
+            <pc:docMk/>
+            <pc:sldMk cId="1259677183" sldId="279"/>
+            <ac:cxnSpMk id="96" creationId="{F54A1397-0A03-1F27-46F4-A41114807578}"/>
+          </ac:cxnSpMkLst>
+        </pc:cxnChg>
+        <pc:cxnChg chg="add mod">
+          <ac:chgData name="Philippe Baucour" userId="5102170ae7533958" providerId="LiveId" clId="{336F8116-C764-4979-A376-3E7AF7BA8383}" dt="2024-11-03T18:41:02.477" v="4538" actId="1035"/>
+          <ac:cxnSpMkLst>
+            <pc:docMk/>
+            <pc:sldMk cId="1259677183" sldId="279"/>
+            <ac:cxnSpMk id="100" creationId="{C3648A16-1AD4-0325-8132-376C30E31533}"/>
+          </ac:cxnSpMkLst>
+        </pc:cxnChg>
+      </pc:sldChg>
+      <pc:sldChg chg="addSp modSp new mod">
+        <pc:chgData name="Philippe Baucour" userId="5102170ae7533958" providerId="LiveId" clId="{336F8116-C764-4979-A376-3E7AF7BA8383}" dt="2024-11-03T18:40:36.907" v="4527" actId="1076"/>
+        <pc:sldMkLst>
+          <pc:docMk/>
+          <pc:sldMk cId="1540432292" sldId="280"/>
+        </pc:sldMkLst>
+        <pc:picChg chg="add mod">
+          <ac:chgData name="Philippe Baucour" userId="5102170ae7533958" providerId="LiveId" clId="{336F8116-C764-4979-A376-3E7AF7BA8383}" dt="2024-11-03T18:40:36.907" v="4527" actId="1076"/>
+          <ac:picMkLst>
+            <pc:docMk/>
+            <pc:sldMk cId="1540432292" sldId="280"/>
+            <ac:picMk id="5" creationId="{31CF9402-85F3-8F79-EF1F-1F1F0F7E1F47}"/>
+          </ac:picMkLst>
+        </pc:picChg>
+        <pc:picChg chg="add mod">
+          <ac:chgData name="Philippe Baucour" userId="5102170ae7533958" providerId="LiveId" clId="{336F8116-C764-4979-A376-3E7AF7BA8383}" dt="2024-11-03T18:40:33.192" v="4526" actId="1076"/>
+          <ac:picMkLst>
+            <pc:docMk/>
+            <pc:sldMk cId="1540432292" sldId="280"/>
+            <ac:picMk id="178" creationId="{334E64EE-53CB-92AC-42BA-12DE6768924D}"/>
           </ac:picMkLst>
         </pc:picChg>
       </pc:sldChg>
@@ -3904,7 +4768,7 @@
           <a:p>
             <a:fld id="{FD1752CD-A7D2-4825-BC26-9DAEFBD0A5FF}" type="datetimeFigureOut">
               <a:rPr lang="fr-FR" smtClean="0"/>
-              <a:t>31/10/2024</a:t>
+              <a:t>03/11/2024</a:t>
             </a:fld>
             <a:endParaRPr lang="fr-FR"/>
           </a:p>
@@ -5160,7 +6024,7 @@
           <a:p>
             <a:fld id="{7ECB9D5A-E5E4-41FE-AF39-634902D6D5D2}" type="datetimeFigureOut">
               <a:rPr lang="fr-FR" smtClean="0"/>
-              <a:t>31/10/2024</a:t>
+              <a:t>03/11/2024</a:t>
             </a:fld>
             <a:endParaRPr lang="fr-FR"/>
           </a:p>
@@ -5358,7 +6222,7 @@
           <a:p>
             <a:fld id="{7ECB9D5A-E5E4-41FE-AF39-634902D6D5D2}" type="datetimeFigureOut">
               <a:rPr lang="fr-FR" smtClean="0"/>
-              <a:t>31/10/2024</a:t>
+              <a:t>03/11/2024</a:t>
             </a:fld>
             <a:endParaRPr lang="fr-FR"/>
           </a:p>
@@ -5566,7 +6430,7 @@
           <a:p>
             <a:fld id="{7ECB9D5A-E5E4-41FE-AF39-634902D6D5D2}" type="datetimeFigureOut">
               <a:rPr lang="fr-FR" smtClean="0"/>
-              <a:t>31/10/2024</a:t>
+              <a:t>03/11/2024</a:t>
             </a:fld>
             <a:endParaRPr lang="fr-FR"/>
           </a:p>
@@ -5764,7 +6628,7 @@
           <a:p>
             <a:fld id="{7ECB9D5A-E5E4-41FE-AF39-634902D6D5D2}" type="datetimeFigureOut">
               <a:rPr lang="fr-FR" smtClean="0"/>
-              <a:t>31/10/2024</a:t>
+              <a:t>03/11/2024</a:t>
             </a:fld>
             <a:endParaRPr lang="fr-FR"/>
           </a:p>
@@ -6039,7 +6903,7 @@
           <a:p>
             <a:fld id="{7ECB9D5A-E5E4-41FE-AF39-634902D6D5D2}" type="datetimeFigureOut">
               <a:rPr lang="fr-FR" smtClean="0"/>
-              <a:t>31/10/2024</a:t>
+              <a:t>03/11/2024</a:t>
             </a:fld>
             <a:endParaRPr lang="fr-FR"/>
           </a:p>
@@ -6304,7 +7168,7 @@
           <a:p>
             <a:fld id="{7ECB9D5A-E5E4-41FE-AF39-634902D6D5D2}" type="datetimeFigureOut">
               <a:rPr lang="fr-FR" smtClean="0"/>
-              <a:t>31/10/2024</a:t>
+              <a:t>03/11/2024</a:t>
             </a:fld>
             <a:endParaRPr lang="fr-FR"/>
           </a:p>
@@ -6716,7 +7580,7 @@
           <a:p>
             <a:fld id="{7ECB9D5A-E5E4-41FE-AF39-634902D6D5D2}" type="datetimeFigureOut">
               <a:rPr lang="fr-FR" smtClean="0"/>
-              <a:t>31/10/2024</a:t>
+              <a:t>03/11/2024</a:t>
             </a:fld>
             <a:endParaRPr lang="fr-FR"/>
           </a:p>
@@ -6857,7 +7721,7 @@
           <a:p>
             <a:fld id="{7ECB9D5A-E5E4-41FE-AF39-634902D6D5D2}" type="datetimeFigureOut">
               <a:rPr lang="fr-FR" smtClean="0"/>
-              <a:t>31/10/2024</a:t>
+              <a:t>03/11/2024</a:t>
             </a:fld>
             <a:endParaRPr lang="fr-FR"/>
           </a:p>
@@ -6970,7 +7834,7 @@
           <a:p>
             <a:fld id="{7ECB9D5A-E5E4-41FE-AF39-634902D6D5D2}" type="datetimeFigureOut">
               <a:rPr lang="fr-FR" smtClean="0"/>
-              <a:t>31/10/2024</a:t>
+              <a:t>03/11/2024</a:t>
             </a:fld>
             <a:endParaRPr lang="fr-FR"/>
           </a:p>
@@ -7281,7 +8145,7 @@
           <a:p>
             <a:fld id="{7ECB9D5A-E5E4-41FE-AF39-634902D6D5D2}" type="datetimeFigureOut">
               <a:rPr lang="fr-FR" smtClean="0"/>
-              <a:t>31/10/2024</a:t>
+              <a:t>03/11/2024</a:t>
             </a:fld>
             <a:endParaRPr lang="fr-FR"/>
           </a:p>
@@ -7572,7 +8436,7 @@
           <a:p>
             <a:fld id="{7ECB9D5A-E5E4-41FE-AF39-634902D6D5D2}" type="datetimeFigureOut">
               <a:rPr lang="fr-FR" smtClean="0"/>
-              <a:t>31/10/2024</a:t>
+              <a:t>03/11/2024</a:t>
             </a:fld>
             <a:endParaRPr lang="fr-FR"/>
           </a:p>
@@ -7813,7 +8677,7 @@
           <a:p>
             <a:fld id="{7ECB9D5A-E5E4-41FE-AF39-634902D6D5D2}" type="datetimeFigureOut">
               <a:rPr lang="fr-FR" smtClean="0"/>
-              <a:t>31/10/2024</a:t>
+              <a:t>03/11/2024</a:t>
             </a:fld>
             <a:endParaRPr lang="fr-FR"/>
           </a:p>
@@ -8637,6 +9501,4408 @@
     <p:extLst>
       <p:ext uri="{BB962C8B-B14F-4D97-AF65-F5344CB8AC3E}">
         <p14:creationId xmlns:p14="http://schemas.microsoft.com/office/powerpoint/2010/main" val="1392602265"/>
+      </p:ext>
+    </p:extLst>
+  </p:cSld>
+  <p:clrMapOvr>
+    <a:masterClrMapping/>
+  </p:clrMapOvr>
+</p:sld>
+</file>
+
+<file path=ppt/slides/slide10.xml><?xml version="1.0" encoding="utf-8"?>
+<p:sld xmlns:a="http://schemas.openxmlformats.org/drawingml/2006/main" xmlns:r="http://schemas.openxmlformats.org/officeDocument/2006/relationships" xmlns:p="http://schemas.openxmlformats.org/presentationml/2006/main" show="0">
+  <p:cSld>
+    <p:spTree>
+      <p:nvGrpSpPr>
+        <p:cNvPr id="1" name=""/>
+        <p:cNvGrpSpPr/>
+        <p:nvPr/>
+      </p:nvGrpSpPr>
+      <p:grpSpPr>
+        <a:xfrm>
+          <a:off x="0" y="0"/>
+          <a:ext cx="0" cy="0"/>
+          <a:chOff x="0" y="0"/>
+          <a:chExt cx="0" cy="0"/>
+        </a:xfrm>
+      </p:grpSpPr>
+      <p:sp>
+        <p:nvSpPr>
+          <p:cNvPr id="5" name="Rectangle 4">
+            <a:extLst>
+              <a:ext uri="{FF2B5EF4-FFF2-40B4-BE49-F238E27FC236}">
+                <a16:creationId xmlns:a16="http://schemas.microsoft.com/office/drawing/2014/main" id="{4C0B12C1-EB00-388D-85B0-5D99890703EE}"/>
+              </a:ext>
+            </a:extLst>
+          </p:cNvPr>
+          <p:cNvSpPr/>
+          <p:nvPr/>
+        </p:nvSpPr>
+        <p:spPr>
+          <a:xfrm>
+            <a:off x="2536305" y="1688422"/>
+            <a:ext cx="8125719" cy="3224237"/>
+          </a:xfrm>
+          <a:prstGeom prst="rect">
+            <a:avLst/>
+          </a:prstGeom>
+          <a:solidFill>
+            <a:srgbClr val="FFF5D9"/>
+          </a:solidFill>
+          <a:ln>
+            <a:noFill/>
+          </a:ln>
+        </p:spPr>
+        <p:style>
+          <a:lnRef idx="2">
+            <a:schemeClr val="accent1">
+              <a:shade val="15000"/>
+            </a:schemeClr>
+          </a:lnRef>
+          <a:fillRef idx="1">
+            <a:schemeClr val="accent1"/>
+          </a:fillRef>
+          <a:effectRef idx="0">
+            <a:schemeClr val="accent1"/>
+          </a:effectRef>
+          <a:fontRef idx="minor">
+            <a:schemeClr val="lt1"/>
+          </a:fontRef>
+        </p:style>
+        <p:txBody>
+          <a:bodyPr rtlCol="0" anchor="ctr"/>
+          <a:lstStyle/>
+          <a:p>
+            <a:pPr algn="ctr"/>
+            <a:endParaRPr lang="fr-FR"/>
+          </a:p>
+        </p:txBody>
+      </p:sp>
+      <p:sp>
+        <p:nvSpPr>
+          <p:cNvPr id="4" name="Rectangle 3">
+            <a:extLst>
+              <a:ext uri="{FF2B5EF4-FFF2-40B4-BE49-F238E27FC236}">
+                <a16:creationId xmlns:a16="http://schemas.microsoft.com/office/drawing/2014/main" id="{F2BF3D44-7489-D86E-F92A-72019F762E73}"/>
+              </a:ext>
+            </a:extLst>
+          </p:cNvPr>
+          <p:cNvSpPr/>
+          <p:nvPr/>
+        </p:nvSpPr>
+        <p:spPr>
+          <a:xfrm>
+            <a:off x="219716" y="1688421"/>
+            <a:ext cx="1736871" cy="3224237"/>
+          </a:xfrm>
+          <a:prstGeom prst="rect">
+            <a:avLst/>
+          </a:prstGeom>
+          <a:solidFill>
+            <a:srgbClr val="E6FFED"/>
+          </a:solidFill>
+          <a:ln>
+            <a:noFill/>
+          </a:ln>
+        </p:spPr>
+        <p:style>
+          <a:lnRef idx="2">
+            <a:schemeClr val="accent1">
+              <a:shade val="15000"/>
+            </a:schemeClr>
+          </a:lnRef>
+          <a:fillRef idx="1">
+            <a:schemeClr val="accent1"/>
+          </a:fillRef>
+          <a:effectRef idx="0">
+            <a:schemeClr val="accent1"/>
+          </a:effectRef>
+          <a:fontRef idx="minor">
+            <a:schemeClr val="lt1"/>
+          </a:fontRef>
+        </p:style>
+        <p:txBody>
+          <a:bodyPr rtlCol="0" anchor="ctr"/>
+          <a:lstStyle/>
+          <a:p>
+            <a:pPr algn="ctr"/>
+            <a:endParaRPr lang="fr-FR"/>
+          </a:p>
+        </p:txBody>
+      </p:sp>
+      <p:pic>
+        <p:nvPicPr>
+          <p:cNvPr id="7" name="Image 6">
+            <a:extLst>
+              <a:ext uri="{FF2B5EF4-FFF2-40B4-BE49-F238E27FC236}">
+                <a16:creationId xmlns:a16="http://schemas.microsoft.com/office/drawing/2014/main" id="{08D08A52-862E-7411-004A-ABEAE6CF0F5E}"/>
+              </a:ext>
+            </a:extLst>
+          </p:cNvPr>
+          <p:cNvPicPr>
+            <a:picLocks noChangeAspect="1"/>
+          </p:cNvPicPr>
+          <p:nvPr/>
+        </p:nvPicPr>
+        <p:blipFill>
+          <a:blip r:embed="rId2"/>
+          <a:stretch>
+            <a:fillRect/>
+          </a:stretch>
+        </p:blipFill>
+        <p:spPr>
+          <a:xfrm>
+            <a:off x="10927728" y="2615410"/>
+            <a:ext cx="1150719" cy="880186"/>
+          </a:xfrm>
+          <a:prstGeom prst="rect">
+            <a:avLst/>
+          </a:prstGeom>
+        </p:spPr>
+      </p:pic>
+      <p:pic>
+        <p:nvPicPr>
+          <p:cNvPr id="9" name="Graphique 8" descr="Base de données contour">
+            <a:extLst>
+              <a:ext uri="{FF2B5EF4-FFF2-40B4-BE49-F238E27FC236}">
+                <a16:creationId xmlns:a16="http://schemas.microsoft.com/office/drawing/2014/main" id="{D0DF13A7-9F90-348C-5A37-07AA701B38E2}"/>
+              </a:ext>
+            </a:extLst>
+          </p:cNvPr>
+          <p:cNvPicPr>
+            <a:picLocks noChangeAspect="1"/>
+          </p:cNvPicPr>
+          <p:nvPr/>
+        </p:nvPicPr>
+        <p:blipFill>
+          <a:blip r:embed="rId3">
+            <a:extLst>
+              <a:ext uri="{96DAC541-7B7A-43D3-8B79-37D633B846F1}">
+                <asvg:svgBlip xmlns:asvg="http://schemas.microsoft.com/office/drawing/2016/SVG/main" r:embed="rId4"/>
+              </a:ext>
+            </a:extLst>
+          </a:blip>
+          <a:stretch>
+            <a:fillRect/>
+          </a:stretch>
+        </p:blipFill>
+        <p:spPr>
+          <a:xfrm>
+            <a:off x="8397061" y="3288347"/>
+            <a:ext cx="914400" cy="914400"/>
+          </a:xfrm>
+          <a:prstGeom prst="rect">
+            <a:avLst/>
+          </a:prstGeom>
+        </p:spPr>
+      </p:pic>
+      <p:pic>
+        <p:nvPicPr>
+          <p:cNvPr id="11" name="Image 10">
+            <a:extLst>
+              <a:ext uri="{FF2B5EF4-FFF2-40B4-BE49-F238E27FC236}">
+                <a16:creationId xmlns:a16="http://schemas.microsoft.com/office/drawing/2014/main" id="{2890084B-FED6-48AC-2CDA-1AF68992C054}"/>
+              </a:ext>
+            </a:extLst>
+          </p:cNvPr>
+          <p:cNvPicPr>
+            <a:picLocks noChangeAspect="1"/>
+          </p:cNvPicPr>
+          <p:nvPr/>
+        </p:nvPicPr>
+        <p:blipFill>
+          <a:blip r:embed="rId5"/>
+          <a:stretch>
+            <a:fillRect/>
+          </a:stretch>
+        </p:blipFill>
+        <p:spPr>
+          <a:xfrm>
+            <a:off x="306369" y="1757707"/>
+            <a:ext cx="1189697" cy="436956"/>
+          </a:xfrm>
+          <a:prstGeom prst="rect">
+            <a:avLst/>
+          </a:prstGeom>
+        </p:spPr>
+      </p:pic>
+      <p:pic>
+        <p:nvPicPr>
+          <p:cNvPr id="13" name="Image 12">
+            <a:extLst>
+              <a:ext uri="{FF2B5EF4-FFF2-40B4-BE49-F238E27FC236}">
+                <a16:creationId xmlns:a16="http://schemas.microsoft.com/office/drawing/2014/main" id="{0D627424-D20D-F17B-282A-2022746C79D6}"/>
+              </a:ext>
+            </a:extLst>
+          </p:cNvPr>
+          <p:cNvPicPr>
+            <a:picLocks noChangeAspect="1"/>
+          </p:cNvPicPr>
+          <p:nvPr/>
+        </p:nvPicPr>
+        <p:blipFill>
+          <a:blip r:embed="rId6"/>
+          <a:stretch>
+            <a:fillRect/>
+          </a:stretch>
+        </p:blipFill>
+        <p:spPr>
+          <a:xfrm>
+            <a:off x="9991724" y="1757707"/>
+            <a:ext cx="535435" cy="720778"/>
+          </a:xfrm>
+          <a:prstGeom prst="rect">
+            <a:avLst/>
+          </a:prstGeom>
+        </p:spPr>
+      </p:pic>
+      <p:pic>
+        <p:nvPicPr>
+          <p:cNvPr id="16" name="Graphique 15" descr="Base de données contour">
+            <a:extLst>
+              <a:ext uri="{FF2B5EF4-FFF2-40B4-BE49-F238E27FC236}">
+                <a16:creationId xmlns:a16="http://schemas.microsoft.com/office/drawing/2014/main" id="{F89097A5-3953-3397-1C06-5359B5D85F2D}"/>
+              </a:ext>
+            </a:extLst>
+          </p:cNvPr>
+          <p:cNvPicPr>
+            <a:picLocks noChangeAspect="1"/>
+          </p:cNvPicPr>
+          <p:nvPr/>
+        </p:nvPicPr>
+        <p:blipFill>
+          <a:blip r:embed="rId7">
+            <a:extLst>
+              <a:ext uri="{96DAC541-7B7A-43D3-8B79-37D633B846F1}">
+                <asvg:svgBlip xmlns:asvg="http://schemas.microsoft.com/office/drawing/2016/SVG/main" r:embed="rId8"/>
+              </a:ext>
+            </a:extLst>
+          </a:blip>
+          <a:stretch>
+            <a:fillRect/>
+          </a:stretch>
+        </p:blipFill>
+        <p:spPr>
+          <a:xfrm>
+            <a:off x="3597239" y="3300539"/>
+            <a:ext cx="914400" cy="914400"/>
+          </a:xfrm>
+          <a:prstGeom prst="rect">
+            <a:avLst/>
+          </a:prstGeom>
+        </p:spPr>
+      </p:pic>
+      <p:cxnSp>
+        <p:nvCxnSpPr>
+          <p:cNvPr id="18" name="Connecteur : en angle 17">
+            <a:extLst>
+              <a:ext uri="{FF2B5EF4-FFF2-40B4-BE49-F238E27FC236}">
+                <a16:creationId xmlns:a16="http://schemas.microsoft.com/office/drawing/2014/main" id="{D7E0B5D7-E25E-36FB-9CB5-0955B90E2D63}"/>
+              </a:ext>
+            </a:extLst>
+          </p:cNvPr>
+          <p:cNvCxnSpPr>
+            <a:stCxn id="7" idx="1"/>
+          </p:cNvCxnSpPr>
+          <p:nvPr/>
+        </p:nvCxnSpPr>
+        <p:spPr>
+          <a:xfrm rot="10800000" flipV="1">
+            <a:off x="8970086" y="3055502"/>
+            <a:ext cx="1957643" cy="291321"/>
+          </a:xfrm>
+          <a:prstGeom prst="bentConnector3">
+            <a:avLst>
+              <a:gd name="adj1" fmla="val 100373"/>
+            </a:avLst>
+          </a:prstGeom>
+          <a:ln>
+            <a:tailEnd type="triangle"/>
+          </a:ln>
+        </p:spPr>
+        <p:style>
+          <a:lnRef idx="2">
+            <a:schemeClr val="accent1"/>
+          </a:lnRef>
+          <a:fillRef idx="0">
+            <a:schemeClr val="accent1"/>
+          </a:fillRef>
+          <a:effectRef idx="1">
+            <a:schemeClr val="accent1"/>
+          </a:effectRef>
+          <a:fontRef idx="minor">
+            <a:schemeClr val="tx1"/>
+          </a:fontRef>
+        </p:style>
+      </p:cxnSp>
+      <p:cxnSp>
+        <p:nvCxnSpPr>
+          <p:cNvPr id="21" name="Connecteur : en angle 20">
+            <a:extLst>
+              <a:ext uri="{FF2B5EF4-FFF2-40B4-BE49-F238E27FC236}">
+                <a16:creationId xmlns:a16="http://schemas.microsoft.com/office/drawing/2014/main" id="{63E4AE85-6D80-BCF0-1132-D33693D918BB}"/>
+              </a:ext>
+            </a:extLst>
+          </p:cNvPr>
+          <p:cNvCxnSpPr/>
+          <p:nvPr/>
+        </p:nvCxnSpPr>
+        <p:spPr>
+          <a:xfrm rot="10800000">
+            <a:off x="1715248" y="2194663"/>
+            <a:ext cx="7052235" cy="1105876"/>
+          </a:xfrm>
+          <a:prstGeom prst="bentConnector3">
+            <a:avLst>
+              <a:gd name="adj1" fmla="val 0"/>
+            </a:avLst>
+          </a:prstGeom>
+          <a:ln>
+            <a:tailEnd type="triangle"/>
+          </a:ln>
+        </p:spPr>
+        <p:style>
+          <a:lnRef idx="2">
+            <a:schemeClr val="accent1"/>
+          </a:lnRef>
+          <a:fillRef idx="0">
+            <a:schemeClr val="accent1"/>
+          </a:fillRef>
+          <a:effectRef idx="1">
+            <a:schemeClr val="accent1"/>
+          </a:effectRef>
+          <a:fontRef idx="minor">
+            <a:schemeClr val="tx1"/>
+          </a:fontRef>
+        </p:style>
+      </p:cxnSp>
+      <p:cxnSp>
+        <p:nvCxnSpPr>
+          <p:cNvPr id="24" name="Connecteur : en angle 23">
+            <a:extLst>
+              <a:ext uri="{FF2B5EF4-FFF2-40B4-BE49-F238E27FC236}">
+                <a16:creationId xmlns:a16="http://schemas.microsoft.com/office/drawing/2014/main" id="{663E7747-1761-E217-799F-E019D1D16E1B}"/>
+              </a:ext>
+            </a:extLst>
+          </p:cNvPr>
+          <p:cNvCxnSpPr/>
+          <p:nvPr/>
+        </p:nvCxnSpPr>
+        <p:spPr>
+          <a:xfrm>
+            <a:off x="1716259" y="2808941"/>
+            <a:ext cx="2240165" cy="537882"/>
+          </a:xfrm>
+          <a:prstGeom prst="bentConnector3">
+            <a:avLst>
+              <a:gd name="adj1" fmla="val 99889"/>
+            </a:avLst>
+          </a:prstGeom>
+          <a:ln>
+            <a:tailEnd type="triangle"/>
+          </a:ln>
+        </p:spPr>
+        <p:style>
+          <a:lnRef idx="2">
+            <a:schemeClr val="accent1"/>
+          </a:lnRef>
+          <a:fillRef idx="0">
+            <a:schemeClr val="accent1"/>
+          </a:fillRef>
+          <a:effectRef idx="1">
+            <a:schemeClr val="accent1"/>
+          </a:effectRef>
+          <a:fontRef idx="minor">
+            <a:schemeClr val="tx1"/>
+          </a:fontRef>
+        </p:style>
+      </p:cxnSp>
+      <p:cxnSp>
+        <p:nvCxnSpPr>
+          <p:cNvPr id="27" name="Connecteur : en angle 26">
+            <a:extLst>
+              <a:ext uri="{FF2B5EF4-FFF2-40B4-BE49-F238E27FC236}">
+                <a16:creationId xmlns:a16="http://schemas.microsoft.com/office/drawing/2014/main" id="{CC5B5B29-A61F-080D-1E1C-F056635D3546}"/>
+              </a:ext>
+            </a:extLst>
+          </p:cNvPr>
+          <p:cNvCxnSpPr>
+            <a:cxnSpLocks/>
+          </p:cNvCxnSpPr>
+          <p:nvPr/>
+        </p:nvCxnSpPr>
+        <p:spPr>
+          <a:xfrm>
+            <a:off x="4222129" y="2808943"/>
+            <a:ext cx="2607479" cy="2427521"/>
+          </a:xfrm>
+          <a:prstGeom prst="bentConnector3">
+            <a:avLst>
+              <a:gd name="adj1" fmla="val 100031"/>
+            </a:avLst>
+          </a:prstGeom>
+          <a:ln>
+            <a:tailEnd type="triangle"/>
+          </a:ln>
+        </p:spPr>
+        <p:style>
+          <a:lnRef idx="2">
+            <a:schemeClr val="accent1"/>
+          </a:lnRef>
+          <a:fillRef idx="0">
+            <a:schemeClr val="accent1"/>
+          </a:fillRef>
+          <a:effectRef idx="1">
+            <a:schemeClr val="accent1"/>
+          </a:effectRef>
+          <a:fontRef idx="minor">
+            <a:schemeClr val="tx1"/>
+          </a:fontRef>
+        </p:style>
+      </p:cxnSp>
+      <p:cxnSp>
+        <p:nvCxnSpPr>
+          <p:cNvPr id="32" name="Connecteur droit 31">
+            <a:extLst>
+              <a:ext uri="{FF2B5EF4-FFF2-40B4-BE49-F238E27FC236}">
+                <a16:creationId xmlns:a16="http://schemas.microsoft.com/office/drawing/2014/main" id="{7E37BB66-D7E7-5D68-8C7D-B3F37CB60C8E}"/>
+              </a:ext>
+            </a:extLst>
+          </p:cNvPr>
+          <p:cNvCxnSpPr/>
+          <p:nvPr/>
+        </p:nvCxnSpPr>
+        <p:spPr>
+          <a:xfrm>
+            <a:off x="4222128" y="2808941"/>
+            <a:ext cx="0" cy="537882"/>
+          </a:xfrm>
+          <a:prstGeom prst="line">
+            <a:avLst/>
+          </a:prstGeom>
+        </p:spPr>
+        <p:style>
+          <a:lnRef idx="2">
+            <a:schemeClr val="accent1"/>
+          </a:lnRef>
+          <a:fillRef idx="0">
+            <a:schemeClr val="accent1"/>
+          </a:fillRef>
+          <a:effectRef idx="1">
+            <a:schemeClr val="accent1"/>
+          </a:effectRef>
+          <a:fontRef idx="minor">
+            <a:schemeClr val="tx1"/>
+          </a:fontRef>
+        </p:style>
+      </p:cxnSp>
+      <p:pic>
+        <p:nvPicPr>
+          <p:cNvPr id="36" name="Image 35">
+            <a:extLst>
+              <a:ext uri="{FF2B5EF4-FFF2-40B4-BE49-F238E27FC236}">
+                <a16:creationId xmlns:a16="http://schemas.microsoft.com/office/drawing/2014/main" id="{C0E88518-4FFA-7811-42C6-2A0B4B8CE1FA}"/>
+              </a:ext>
+            </a:extLst>
+          </p:cNvPr>
+          <p:cNvPicPr>
+            <a:picLocks noChangeAspect="1"/>
+          </p:cNvPicPr>
+          <p:nvPr/>
+        </p:nvPicPr>
+        <p:blipFill>
+          <a:blip r:embed="rId9"/>
+          <a:stretch>
+            <a:fillRect/>
+          </a:stretch>
+        </p:blipFill>
+        <p:spPr>
+          <a:xfrm>
+            <a:off x="6522721" y="5404457"/>
+            <a:ext cx="613774" cy="626174"/>
+          </a:xfrm>
+          <a:prstGeom prst="rect">
+            <a:avLst/>
+          </a:prstGeom>
+        </p:spPr>
+      </p:pic>
+      <p:sp>
+        <p:nvSpPr>
+          <p:cNvPr id="39" name="ZoneTexte 38">
+            <a:extLst>
+              <a:ext uri="{FF2B5EF4-FFF2-40B4-BE49-F238E27FC236}">
+                <a16:creationId xmlns:a16="http://schemas.microsoft.com/office/drawing/2014/main" id="{AA657646-6134-7516-6765-A95D84029C18}"/>
+              </a:ext>
+            </a:extLst>
+          </p:cNvPr>
+          <p:cNvSpPr txBox="1"/>
+          <p:nvPr/>
+        </p:nvSpPr>
+        <p:spPr>
+          <a:xfrm>
+            <a:off x="9131352" y="3572169"/>
+            <a:ext cx="1048685" cy="338554"/>
+          </a:xfrm>
+          <a:prstGeom prst="rect">
+            <a:avLst/>
+          </a:prstGeom>
+          <a:noFill/>
+        </p:spPr>
+        <p:txBody>
+          <a:bodyPr wrap="none" rtlCol="0">
+            <a:spAutoFit/>
+          </a:bodyPr>
+          <a:lstStyle/>
+          <a:p>
+            <a:r>
+              <a:rPr lang="fr-FR" sz="1600" dirty="0">
+                <a:latin typeface="Courier New" panose="02070309020205020404" pitchFamily="49" charset="0"/>
+                <a:cs typeface="Courier New" panose="02070309020205020404" pitchFamily="49" charset="0"/>
+              </a:rPr>
+              <a:t>Topic 1</a:t>
+            </a:r>
+          </a:p>
+        </p:txBody>
+      </p:sp>
+      <p:sp>
+        <p:nvSpPr>
+          <p:cNvPr id="40" name="ZoneTexte 39">
+            <a:extLst>
+              <a:ext uri="{FF2B5EF4-FFF2-40B4-BE49-F238E27FC236}">
+                <a16:creationId xmlns:a16="http://schemas.microsoft.com/office/drawing/2014/main" id="{6E18830C-A06B-2E59-3155-E21C8F882574}"/>
+              </a:ext>
+            </a:extLst>
+          </p:cNvPr>
+          <p:cNvSpPr txBox="1"/>
+          <p:nvPr/>
+        </p:nvSpPr>
+        <p:spPr>
+          <a:xfrm>
+            <a:off x="4421585" y="3598768"/>
+            <a:ext cx="1048685" cy="338554"/>
+          </a:xfrm>
+          <a:prstGeom prst="rect">
+            <a:avLst/>
+          </a:prstGeom>
+          <a:noFill/>
+        </p:spPr>
+        <p:txBody>
+          <a:bodyPr wrap="none" rtlCol="0">
+            <a:spAutoFit/>
+          </a:bodyPr>
+          <a:lstStyle/>
+          <a:p>
+            <a:r>
+              <a:rPr lang="fr-FR" sz="1600" dirty="0">
+                <a:latin typeface="Courier New" panose="02070309020205020404" pitchFamily="49" charset="0"/>
+                <a:cs typeface="Courier New" panose="02070309020205020404" pitchFamily="49" charset="0"/>
+              </a:rPr>
+              <a:t>Topic 2</a:t>
+            </a:r>
+          </a:p>
+        </p:txBody>
+      </p:sp>
+      <p:sp>
+        <p:nvSpPr>
+          <p:cNvPr id="41" name="ZoneTexte 40">
+            <a:extLst>
+              <a:ext uri="{FF2B5EF4-FFF2-40B4-BE49-F238E27FC236}">
+                <a16:creationId xmlns:a16="http://schemas.microsoft.com/office/drawing/2014/main" id="{5F1CCAD6-FC64-5830-AAF7-564B7C6A54BC}"/>
+              </a:ext>
+            </a:extLst>
+          </p:cNvPr>
+          <p:cNvSpPr txBox="1"/>
+          <p:nvPr/>
+        </p:nvSpPr>
+        <p:spPr>
+          <a:xfrm>
+            <a:off x="8856403" y="2816652"/>
+            <a:ext cx="1858201" cy="276999"/>
+          </a:xfrm>
+          <a:prstGeom prst="rect">
+            <a:avLst/>
+          </a:prstGeom>
+          <a:noFill/>
+        </p:spPr>
+        <p:txBody>
+          <a:bodyPr wrap="none" rtlCol="0">
+            <a:spAutoFit/>
+          </a:bodyPr>
+          <a:lstStyle/>
+          <a:p>
+            <a:r>
+              <a:rPr lang="fr-FR" sz="1200" dirty="0" err="1">
+                <a:latin typeface="Courier New" panose="02070309020205020404" pitchFamily="49" charset="0"/>
+                <a:cs typeface="Courier New" panose="02070309020205020404" pitchFamily="49" charset="0"/>
+              </a:rPr>
+              <a:t>subcribe</a:t>
+            </a:r>
+            <a:r>
+              <a:rPr lang="fr-FR" sz="1200" dirty="0">
+                <a:latin typeface="Courier New" panose="02070309020205020404" pitchFamily="49" charset="0"/>
+                <a:cs typeface="Courier New" panose="02070309020205020404" pitchFamily="49" charset="0"/>
+              </a:rPr>
+              <a:t> - speed 1</a:t>
+            </a:r>
+          </a:p>
+        </p:txBody>
+      </p:sp>
+      <p:sp>
+        <p:nvSpPr>
+          <p:cNvPr id="42" name="ZoneTexte 41">
+            <a:extLst>
+              <a:ext uri="{FF2B5EF4-FFF2-40B4-BE49-F238E27FC236}">
+                <a16:creationId xmlns:a16="http://schemas.microsoft.com/office/drawing/2014/main" id="{5C360675-8566-28CD-6662-E5FDD6B6C8C3}"/>
+              </a:ext>
+            </a:extLst>
+          </p:cNvPr>
+          <p:cNvSpPr txBox="1"/>
+          <p:nvPr/>
+        </p:nvSpPr>
+        <p:spPr>
+          <a:xfrm>
+            <a:off x="4405813" y="1947340"/>
+            <a:ext cx="2787943" cy="276999"/>
+          </a:xfrm>
+          <a:prstGeom prst="rect">
+            <a:avLst/>
+          </a:prstGeom>
+          <a:noFill/>
+        </p:spPr>
+        <p:txBody>
+          <a:bodyPr wrap="none" rtlCol="0">
+            <a:spAutoFit/>
+          </a:bodyPr>
+          <a:lstStyle/>
+          <a:p>
+            <a:r>
+              <a:rPr lang="fr-FR" sz="1200" dirty="0" err="1">
+                <a:latin typeface="Courier New" panose="02070309020205020404" pitchFamily="49" charset="0"/>
+                <a:cs typeface="Courier New" panose="02070309020205020404" pitchFamily="49" charset="0"/>
+              </a:rPr>
+              <a:t>request</a:t>
+            </a:r>
+            <a:r>
+              <a:rPr lang="fr-FR" sz="1200" dirty="0">
+                <a:latin typeface="Courier New" panose="02070309020205020404" pitchFamily="49" charset="0"/>
+                <a:cs typeface="Courier New" panose="02070309020205020404" pitchFamily="49" charset="0"/>
+              </a:rPr>
+              <a:t> </a:t>
+            </a:r>
+            <a:r>
+              <a:rPr lang="fr-FR" sz="1200" dirty="0" err="1">
+                <a:latin typeface="Courier New" panose="02070309020205020404" pitchFamily="49" charset="0"/>
+                <a:cs typeface="Courier New" panose="02070309020205020404" pitchFamily="49" charset="0"/>
+              </a:rPr>
+              <a:t>prediction</a:t>
+            </a:r>
+            <a:r>
+              <a:rPr lang="fr-FR" sz="1200" dirty="0">
+                <a:latin typeface="Courier New" panose="02070309020205020404" pitchFamily="49" charset="0"/>
+                <a:cs typeface="Courier New" panose="02070309020205020404" pitchFamily="49" charset="0"/>
+              </a:rPr>
+              <a:t> - speed 2</a:t>
+            </a:r>
+          </a:p>
+        </p:txBody>
+      </p:sp>
+      <p:sp>
+        <p:nvSpPr>
+          <p:cNvPr id="43" name="ZoneTexte 42">
+            <a:extLst>
+              <a:ext uri="{FF2B5EF4-FFF2-40B4-BE49-F238E27FC236}">
+                <a16:creationId xmlns:a16="http://schemas.microsoft.com/office/drawing/2014/main" id="{329BDCA3-BF29-61A6-09FA-C58EA1D22BB1}"/>
+              </a:ext>
+            </a:extLst>
+          </p:cNvPr>
+          <p:cNvSpPr txBox="1"/>
+          <p:nvPr/>
+        </p:nvSpPr>
+        <p:spPr>
+          <a:xfrm>
+            <a:off x="5250331" y="2568723"/>
+            <a:ext cx="1579278" cy="276999"/>
+          </a:xfrm>
+          <a:prstGeom prst="rect">
+            <a:avLst/>
+          </a:prstGeom>
+          <a:noFill/>
+        </p:spPr>
+        <p:txBody>
+          <a:bodyPr wrap="none" rtlCol="0">
+            <a:spAutoFit/>
+          </a:bodyPr>
+          <a:lstStyle/>
+          <a:p>
+            <a:r>
+              <a:rPr lang="fr-FR" sz="1200" dirty="0">
+                <a:latin typeface="Courier New" panose="02070309020205020404" pitchFamily="49" charset="0"/>
+                <a:cs typeface="Courier New" panose="02070309020205020404" pitchFamily="49" charset="0"/>
+              </a:rPr>
+              <a:t>store - speed 3</a:t>
+            </a:r>
+          </a:p>
+        </p:txBody>
+      </p:sp>
+      <p:sp>
+        <p:nvSpPr>
+          <p:cNvPr id="44" name="ZoneTexte 43">
+            <a:extLst>
+              <a:ext uri="{FF2B5EF4-FFF2-40B4-BE49-F238E27FC236}">
+                <a16:creationId xmlns:a16="http://schemas.microsoft.com/office/drawing/2014/main" id="{FD1DC89B-83F3-EB3F-59DB-781D1932EDB9}"/>
+              </a:ext>
+            </a:extLst>
+          </p:cNvPr>
+          <p:cNvSpPr txBox="1"/>
+          <p:nvPr/>
+        </p:nvSpPr>
+        <p:spPr>
+          <a:xfrm>
+            <a:off x="1558733" y="2568723"/>
+            <a:ext cx="2416046" cy="276999"/>
+          </a:xfrm>
+          <a:prstGeom prst="rect">
+            <a:avLst/>
+          </a:prstGeom>
+          <a:noFill/>
+        </p:spPr>
+        <p:txBody>
+          <a:bodyPr wrap="none" rtlCol="0">
+            <a:spAutoFit/>
+          </a:bodyPr>
+          <a:lstStyle/>
+          <a:p>
+            <a:r>
+              <a:rPr lang="fr-FR" sz="1200" dirty="0">
+                <a:latin typeface="Courier New" panose="02070309020205020404" pitchFamily="49" charset="0"/>
+                <a:cs typeface="Courier New" panose="02070309020205020404" pitchFamily="49" charset="0"/>
+              </a:rPr>
+              <a:t>get </a:t>
+            </a:r>
+            <a:r>
+              <a:rPr lang="fr-FR" sz="1200" dirty="0" err="1">
+                <a:latin typeface="Courier New" panose="02070309020205020404" pitchFamily="49" charset="0"/>
+                <a:cs typeface="Courier New" panose="02070309020205020404" pitchFamily="49" charset="0"/>
+              </a:rPr>
+              <a:t>prediction</a:t>
+            </a:r>
+            <a:r>
+              <a:rPr lang="fr-FR" sz="1200" dirty="0">
+                <a:latin typeface="Courier New" panose="02070309020205020404" pitchFamily="49" charset="0"/>
+                <a:cs typeface="Courier New" panose="02070309020205020404" pitchFamily="49" charset="0"/>
+              </a:rPr>
+              <a:t> - speed 2</a:t>
+            </a:r>
+          </a:p>
+        </p:txBody>
+      </p:sp>
+      <p:sp>
+        <p:nvSpPr>
+          <p:cNvPr id="2" name="Rectangle 1">
+            <a:extLst>
+              <a:ext uri="{FF2B5EF4-FFF2-40B4-BE49-F238E27FC236}">
+                <a16:creationId xmlns:a16="http://schemas.microsoft.com/office/drawing/2014/main" id="{A70C038D-8DA7-2F03-9DBF-2B87C07F478C}"/>
+              </a:ext>
+            </a:extLst>
+          </p:cNvPr>
+          <p:cNvSpPr/>
+          <p:nvPr/>
+        </p:nvSpPr>
+        <p:spPr>
+          <a:xfrm>
+            <a:off x="3508188" y="3006165"/>
+            <a:ext cx="2134052" cy="1535953"/>
+          </a:xfrm>
+          <a:prstGeom prst="rect">
+            <a:avLst/>
+          </a:prstGeom>
+          <a:solidFill>
+            <a:srgbClr val="156082">
+              <a:alpha val="49000"/>
+            </a:srgbClr>
+          </a:solidFill>
+          <a:ln>
+            <a:noFill/>
+          </a:ln>
+          <a:effectLst>
+            <a:outerShdw blurRad="50800" dist="38100" dir="2700000" algn="tl" rotWithShape="0">
+              <a:prstClr val="black">
+                <a:alpha val="40000"/>
+              </a:prstClr>
+            </a:outerShdw>
+          </a:effectLst>
+        </p:spPr>
+        <p:style>
+          <a:lnRef idx="2">
+            <a:schemeClr val="accent1">
+              <a:shade val="15000"/>
+            </a:schemeClr>
+          </a:lnRef>
+          <a:fillRef idx="1">
+            <a:schemeClr val="accent1"/>
+          </a:fillRef>
+          <a:effectRef idx="0">
+            <a:schemeClr val="accent1"/>
+          </a:effectRef>
+          <a:fontRef idx="minor">
+            <a:schemeClr val="lt1"/>
+          </a:fontRef>
+        </p:style>
+        <p:txBody>
+          <a:bodyPr rtlCol="0" anchor="ctr"/>
+          <a:lstStyle/>
+          <a:p>
+            <a:pPr algn="ctr"/>
+            <a:endParaRPr lang="fr-FR" b="1" dirty="0"/>
+          </a:p>
+        </p:txBody>
+      </p:sp>
+      <p:sp>
+        <p:nvSpPr>
+          <p:cNvPr id="3" name="Rectangle 2">
+            <a:extLst>
+              <a:ext uri="{FF2B5EF4-FFF2-40B4-BE49-F238E27FC236}">
+                <a16:creationId xmlns:a16="http://schemas.microsoft.com/office/drawing/2014/main" id="{91BC0C1E-5907-59A0-BA02-D5D18020C7B2}"/>
+              </a:ext>
+            </a:extLst>
+          </p:cNvPr>
+          <p:cNvSpPr/>
+          <p:nvPr/>
+        </p:nvSpPr>
+        <p:spPr>
+          <a:xfrm>
+            <a:off x="8214558" y="3093651"/>
+            <a:ext cx="2134052" cy="1535953"/>
+          </a:xfrm>
+          <a:prstGeom prst="rect">
+            <a:avLst/>
+          </a:prstGeom>
+          <a:solidFill>
+            <a:srgbClr val="E97132">
+              <a:alpha val="65000"/>
+            </a:srgbClr>
+          </a:solidFill>
+          <a:ln>
+            <a:noFill/>
+          </a:ln>
+          <a:effectLst>
+            <a:outerShdw blurRad="50800" dist="38100" dir="2700000" algn="tl" rotWithShape="0">
+              <a:prstClr val="black">
+                <a:alpha val="40000"/>
+              </a:prstClr>
+            </a:outerShdw>
+          </a:effectLst>
+        </p:spPr>
+        <p:style>
+          <a:lnRef idx="2">
+            <a:schemeClr val="accent1">
+              <a:shade val="15000"/>
+            </a:schemeClr>
+          </a:lnRef>
+          <a:fillRef idx="1">
+            <a:schemeClr val="accent1"/>
+          </a:fillRef>
+          <a:effectRef idx="0">
+            <a:schemeClr val="accent1"/>
+          </a:effectRef>
+          <a:fontRef idx="minor">
+            <a:schemeClr val="lt1"/>
+          </a:fontRef>
+        </p:style>
+        <p:txBody>
+          <a:bodyPr rtlCol="0" anchor="ctr"/>
+          <a:lstStyle/>
+          <a:p>
+            <a:pPr algn="ctr"/>
+            <a:endParaRPr lang="fr-FR"/>
+          </a:p>
+        </p:txBody>
+      </p:sp>
+      <p:sp>
+        <p:nvSpPr>
+          <p:cNvPr id="6" name="Rectangle 5">
+            <a:extLst>
+              <a:ext uri="{FF2B5EF4-FFF2-40B4-BE49-F238E27FC236}">
+                <a16:creationId xmlns:a16="http://schemas.microsoft.com/office/drawing/2014/main" id="{C39B0E60-B35D-0C08-B671-0A88AB7BB7E1}"/>
+              </a:ext>
+            </a:extLst>
+          </p:cNvPr>
+          <p:cNvSpPr/>
+          <p:nvPr/>
+        </p:nvSpPr>
+        <p:spPr>
+          <a:xfrm>
+            <a:off x="5758239" y="4957367"/>
+            <a:ext cx="2134052" cy="1535953"/>
+          </a:xfrm>
+          <a:prstGeom prst="rect">
+            <a:avLst/>
+          </a:prstGeom>
+          <a:solidFill>
+            <a:srgbClr val="E9FFFE">
+              <a:alpha val="65000"/>
+            </a:srgbClr>
+          </a:solidFill>
+          <a:ln>
+            <a:noFill/>
+          </a:ln>
+          <a:effectLst>
+            <a:outerShdw blurRad="50800" dist="38100" dir="2700000" algn="tl" rotWithShape="0">
+              <a:prstClr val="black">
+                <a:alpha val="40000"/>
+              </a:prstClr>
+            </a:outerShdw>
+          </a:effectLst>
+        </p:spPr>
+        <p:style>
+          <a:lnRef idx="2">
+            <a:schemeClr val="accent1">
+              <a:shade val="15000"/>
+            </a:schemeClr>
+          </a:lnRef>
+          <a:fillRef idx="1">
+            <a:schemeClr val="accent1"/>
+          </a:fillRef>
+          <a:effectRef idx="0">
+            <a:schemeClr val="accent1"/>
+          </a:effectRef>
+          <a:fontRef idx="minor">
+            <a:schemeClr val="lt1"/>
+          </a:fontRef>
+        </p:style>
+        <p:txBody>
+          <a:bodyPr rtlCol="0" anchor="ctr"/>
+          <a:lstStyle/>
+          <a:p>
+            <a:pPr algn="ctr"/>
+            <a:endParaRPr lang="fr-FR"/>
+          </a:p>
+        </p:txBody>
+      </p:sp>
+    </p:spTree>
+    <p:extLst>
+      <p:ext uri="{BB962C8B-B14F-4D97-AF65-F5344CB8AC3E}">
+        <p14:creationId xmlns:p14="http://schemas.microsoft.com/office/powerpoint/2010/main" val="655326077"/>
+      </p:ext>
+    </p:extLst>
+  </p:cSld>
+  <p:clrMapOvr>
+    <a:masterClrMapping/>
+  </p:clrMapOvr>
+</p:sld>
+</file>
+
+<file path=ppt/slides/slide11.xml><?xml version="1.0" encoding="utf-8"?>
+<p:sld xmlns:a="http://schemas.openxmlformats.org/drawingml/2006/main" xmlns:r="http://schemas.openxmlformats.org/officeDocument/2006/relationships" xmlns:p="http://schemas.openxmlformats.org/presentationml/2006/main">
+  <p:cSld>
+    <p:spTree>
+      <p:nvGrpSpPr>
+        <p:cNvPr id="1" name=""/>
+        <p:cNvGrpSpPr/>
+        <p:nvPr/>
+      </p:nvGrpSpPr>
+      <p:grpSpPr>
+        <a:xfrm>
+          <a:off x="0" y="0"/>
+          <a:ext cx="0" cy="0"/>
+          <a:chOff x="0" y="0"/>
+          <a:chExt cx="0" cy="0"/>
+        </a:xfrm>
+      </p:grpSpPr>
+      <p:pic>
+        <p:nvPicPr>
+          <p:cNvPr id="6" name="Image 5">
+            <a:extLst>
+              <a:ext uri="{FF2B5EF4-FFF2-40B4-BE49-F238E27FC236}">
+                <a16:creationId xmlns:a16="http://schemas.microsoft.com/office/drawing/2014/main" id="{908AD767-20A0-B4A1-D97E-2072728C4550}"/>
+              </a:ext>
+            </a:extLst>
+          </p:cNvPr>
+          <p:cNvPicPr>
+            <a:picLocks noChangeAspect="1"/>
+          </p:cNvPicPr>
+          <p:nvPr/>
+        </p:nvPicPr>
+        <p:blipFill>
+          <a:blip r:embed="rId2"/>
+          <a:stretch>
+            <a:fillRect/>
+          </a:stretch>
+        </p:blipFill>
+        <p:spPr>
+          <a:xfrm>
+            <a:off x="3252579" y="465604"/>
+            <a:ext cx="655419" cy="738859"/>
+          </a:xfrm>
+          <a:prstGeom prst="rect">
+            <a:avLst/>
+          </a:prstGeom>
+        </p:spPr>
+      </p:pic>
+      <p:pic>
+        <p:nvPicPr>
+          <p:cNvPr id="10" name="Graphique 9" descr="Nuage avec un remplissage uni">
+            <a:extLst>
+              <a:ext uri="{FF2B5EF4-FFF2-40B4-BE49-F238E27FC236}">
+                <a16:creationId xmlns:a16="http://schemas.microsoft.com/office/drawing/2014/main" id="{124623B7-85B3-309B-166D-A8462A11E158}"/>
+              </a:ext>
+            </a:extLst>
+          </p:cNvPr>
+          <p:cNvPicPr>
+            <a:picLocks noChangeAspect="1"/>
+          </p:cNvPicPr>
+          <p:nvPr/>
+        </p:nvPicPr>
+        <p:blipFill>
+          <a:blip r:embed="rId3">
+            <a:extLst>
+              <a:ext uri="{96DAC541-7B7A-43D3-8B79-37D633B846F1}">
+                <asvg:svgBlip xmlns:asvg="http://schemas.microsoft.com/office/drawing/2016/SVG/main" r:embed="rId4"/>
+              </a:ext>
+            </a:extLst>
+          </a:blip>
+          <a:stretch>
+            <a:fillRect/>
+          </a:stretch>
+        </p:blipFill>
+        <p:spPr>
+          <a:xfrm>
+            <a:off x="452789" y="3468902"/>
+            <a:ext cx="914400" cy="914400"/>
+          </a:xfrm>
+          <a:prstGeom prst="rect">
+            <a:avLst/>
+          </a:prstGeom>
+        </p:spPr>
+      </p:pic>
+      <p:pic>
+        <p:nvPicPr>
+          <p:cNvPr id="14" name="Graphique 13" descr="Base de données avec un remplissage uni">
+            <a:extLst>
+              <a:ext uri="{FF2B5EF4-FFF2-40B4-BE49-F238E27FC236}">
+                <a16:creationId xmlns:a16="http://schemas.microsoft.com/office/drawing/2014/main" id="{110D4477-8E99-FFF5-BBD4-067410B30DB2}"/>
+              </a:ext>
+            </a:extLst>
+          </p:cNvPr>
+          <p:cNvPicPr>
+            <a:picLocks noChangeAspect="1"/>
+          </p:cNvPicPr>
+          <p:nvPr/>
+        </p:nvPicPr>
+        <p:blipFill>
+          <a:blip r:embed="rId5">
+            <a:extLst>
+              <a:ext uri="{96DAC541-7B7A-43D3-8B79-37D633B846F1}">
+                <asvg:svgBlip xmlns:asvg="http://schemas.microsoft.com/office/drawing/2016/SVG/main" r:embed="rId6"/>
+              </a:ext>
+            </a:extLst>
+          </a:blip>
+          <a:stretch>
+            <a:fillRect/>
+          </a:stretch>
+        </p:blipFill>
+        <p:spPr>
+          <a:xfrm>
+            <a:off x="9670574" y="4893717"/>
+            <a:ext cx="914400" cy="914400"/>
+          </a:xfrm>
+          <a:prstGeom prst="rect">
+            <a:avLst/>
+          </a:prstGeom>
+        </p:spPr>
+      </p:pic>
+      <p:pic>
+        <p:nvPicPr>
+          <p:cNvPr id="15" name="Image 14">
+            <a:extLst>
+              <a:ext uri="{FF2B5EF4-FFF2-40B4-BE49-F238E27FC236}">
+                <a16:creationId xmlns:a16="http://schemas.microsoft.com/office/drawing/2014/main" id="{0E7326EA-48A6-F0AD-D0CB-225684EBE9E2}"/>
+              </a:ext>
+            </a:extLst>
+          </p:cNvPr>
+          <p:cNvPicPr>
+            <a:picLocks noChangeAspect="1"/>
+          </p:cNvPicPr>
+          <p:nvPr/>
+        </p:nvPicPr>
+        <p:blipFill>
+          <a:blip r:embed="rId2"/>
+          <a:stretch>
+            <a:fillRect/>
+          </a:stretch>
+        </p:blipFill>
+        <p:spPr>
+          <a:xfrm>
+            <a:off x="7047339" y="465604"/>
+            <a:ext cx="655419" cy="738859"/>
+          </a:xfrm>
+          <a:prstGeom prst="rect">
+            <a:avLst/>
+          </a:prstGeom>
+          <a:solidFill>
+            <a:srgbClr val="4B339D"/>
+          </a:solidFill>
+        </p:spPr>
+      </p:pic>
+      <p:sp>
+        <p:nvSpPr>
+          <p:cNvPr id="16" name="Rectangle 15">
+            <a:extLst>
+              <a:ext uri="{FF2B5EF4-FFF2-40B4-BE49-F238E27FC236}">
+                <a16:creationId xmlns:a16="http://schemas.microsoft.com/office/drawing/2014/main" id="{F4CA7CDA-FB48-280C-B834-D629ABEEC6B9}"/>
+              </a:ext>
+            </a:extLst>
+          </p:cNvPr>
+          <p:cNvSpPr/>
+          <p:nvPr/>
+        </p:nvSpPr>
+        <p:spPr>
+          <a:xfrm>
+            <a:off x="2564792" y="3457634"/>
+            <a:ext cx="914400" cy="914400"/>
+          </a:xfrm>
+          <a:prstGeom prst="rect">
+            <a:avLst/>
+          </a:prstGeom>
+          <a:solidFill>
+            <a:srgbClr val="FDC871"/>
+          </a:solidFill>
+          <a:ln w="28575">
+            <a:solidFill>
+              <a:srgbClr val="1C191A"/>
+            </a:solidFill>
+          </a:ln>
+        </p:spPr>
+        <p:style>
+          <a:lnRef idx="2">
+            <a:schemeClr val="accent1">
+              <a:shade val="15000"/>
+            </a:schemeClr>
+          </a:lnRef>
+          <a:fillRef idx="1">
+            <a:schemeClr val="accent1"/>
+          </a:fillRef>
+          <a:effectRef idx="0">
+            <a:schemeClr val="accent1"/>
+          </a:effectRef>
+          <a:fontRef idx="minor">
+            <a:schemeClr val="lt1"/>
+          </a:fontRef>
+        </p:style>
+        <p:txBody>
+          <a:bodyPr rtlCol="0" anchor="ctr"/>
+          <a:lstStyle/>
+          <a:p>
+            <a:pPr algn="ctr"/>
+            <a:r>
+              <a:rPr lang="fr-FR" sz="1100" dirty="0">
+                <a:solidFill>
+                  <a:schemeClr val="tx1"/>
+                </a:solidFill>
+                <a:latin typeface="Courier New" panose="02070309020205020404" pitchFamily="49" charset="0"/>
+                <a:cs typeface="Courier New" panose="02070309020205020404" pitchFamily="49" charset="0"/>
+              </a:rPr>
+              <a:t>Producer</a:t>
+            </a:r>
+          </a:p>
+        </p:txBody>
+      </p:sp>
+      <p:sp>
+        <p:nvSpPr>
+          <p:cNvPr id="18" name="Rectangle 17">
+            <a:extLst>
+              <a:ext uri="{FF2B5EF4-FFF2-40B4-BE49-F238E27FC236}">
+                <a16:creationId xmlns:a16="http://schemas.microsoft.com/office/drawing/2014/main" id="{C714098D-1AA6-2233-FDDE-D17F43E7D3B4}"/>
+              </a:ext>
+            </a:extLst>
+          </p:cNvPr>
+          <p:cNvSpPr/>
+          <p:nvPr/>
+        </p:nvSpPr>
+        <p:spPr>
+          <a:xfrm>
+            <a:off x="5217595" y="3457634"/>
+            <a:ext cx="914400" cy="914400"/>
+          </a:xfrm>
+          <a:prstGeom prst="rect">
+            <a:avLst/>
+          </a:prstGeom>
+          <a:solidFill>
+            <a:srgbClr val="FDC871"/>
+          </a:solidFill>
+          <a:ln w="28575"/>
+        </p:spPr>
+        <p:style>
+          <a:lnRef idx="2">
+            <a:schemeClr val="accent1">
+              <a:shade val="15000"/>
+            </a:schemeClr>
+          </a:lnRef>
+          <a:fillRef idx="1">
+            <a:schemeClr val="accent1"/>
+          </a:fillRef>
+          <a:effectRef idx="0">
+            <a:schemeClr val="accent1"/>
+          </a:effectRef>
+          <a:fontRef idx="minor">
+            <a:schemeClr val="lt1"/>
+          </a:fontRef>
+        </p:style>
+        <p:txBody>
+          <a:bodyPr rtlCol="0" anchor="ctr"/>
+          <a:lstStyle/>
+          <a:p>
+            <a:pPr algn="ctr"/>
+            <a:r>
+              <a:rPr lang="fr-FR" sz="1100" dirty="0">
+                <a:solidFill>
+                  <a:schemeClr val="tx1"/>
+                </a:solidFill>
+                <a:latin typeface="Courier New" panose="02070309020205020404" pitchFamily="49" charset="0"/>
+                <a:cs typeface="Courier New" panose="02070309020205020404" pitchFamily="49" charset="0"/>
+              </a:rPr>
+              <a:t>Consumer</a:t>
+            </a:r>
+          </a:p>
+        </p:txBody>
+      </p:sp>
+      <p:sp>
+        <p:nvSpPr>
+          <p:cNvPr id="19" name="Rectangle 18">
+            <a:extLst>
+              <a:ext uri="{FF2B5EF4-FFF2-40B4-BE49-F238E27FC236}">
+                <a16:creationId xmlns:a16="http://schemas.microsoft.com/office/drawing/2014/main" id="{1E04DACA-543F-3B2D-F2F3-4783ED0C285D}"/>
+              </a:ext>
+            </a:extLst>
+          </p:cNvPr>
+          <p:cNvSpPr/>
+          <p:nvPr/>
+        </p:nvSpPr>
+        <p:spPr>
+          <a:xfrm>
+            <a:off x="8073953" y="3457634"/>
+            <a:ext cx="914400" cy="914400"/>
+          </a:xfrm>
+          <a:prstGeom prst="rect">
+            <a:avLst/>
+          </a:prstGeom>
+          <a:solidFill>
+            <a:srgbClr val="FDC871"/>
+          </a:solidFill>
+          <a:ln w="28575"/>
+        </p:spPr>
+        <p:style>
+          <a:lnRef idx="2">
+            <a:schemeClr val="accent1">
+              <a:shade val="15000"/>
+            </a:schemeClr>
+          </a:lnRef>
+          <a:fillRef idx="1">
+            <a:schemeClr val="accent1"/>
+          </a:fillRef>
+          <a:effectRef idx="0">
+            <a:schemeClr val="accent1"/>
+          </a:effectRef>
+          <a:fontRef idx="minor">
+            <a:schemeClr val="lt1"/>
+          </a:fontRef>
+        </p:style>
+        <p:txBody>
+          <a:bodyPr rtlCol="0" anchor="ctr"/>
+          <a:lstStyle/>
+          <a:p>
+            <a:pPr algn="ctr"/>
+            <a:r>
+              <a:rPr lang="fr-FR" sz="1100" dirty="0">
+                <a:solidFill>
+                  <a:schemeClr val="tx1"/>
+                </a:solidFill>
+                <a:latin typeface="Courier New" panose="02070309020205020404" pitchFamily="49" charset="0"/>
+                <a:cs typeface="Courier New" panose="02070309020205020404" pitchFamily="49" charset="0"/>
+              </a:rPr>
+              <a:t>Logger</a:t>
+            </a:r>
+            <a:br>
+              <a:rPr lang="fr-FR" sz="1100" dirty="0">
+                <a:solidFill>
+                  <a:schemeClr val="tx1"/>
+                </a:solidFill>
+                <a:latin typeface="Courier New" panose="02070309020205020404" pitchFamily="49" charset="0"/>
+                <a:cs typeface="Courier New" panose="02070309020205020404" pitchFamily="49" charset="0"/>
+              </a:rPr>
+            </a:br>
+            <a:r>
+              <a:rPr lang="fr-FR" sz="1100" dirty="0">
+                <a:solidFill>
+                  <a:schemeClr val="tx1"/>
+                </a:solidFill>
+                <a:latin typeface="Courier New" panose="02070309020205020404" pitchFamily="49" charset="0"/>
+                <a:cs typeface="Courier New" panose="02070309020205020404" pitchFamily="49" charset="0"/>
+              </a:rPr>
+              <a:t>SQL</a:t>
+            </a:r>
+          </a:p>
+        </p:txBody>
+      </p:sp>
+      <p:pic>
+        <p:nvPicPr>
+          <p:cNvPr id="21" name="Graphique 20" descr="Base de données avec un remplissage uni">
+            <a:extLst>
+              <a:ext uri="{FF2B5EF4-FFF2-40B4-BE49-F238E27FC236}">
+                <a16:creationId xmlns:a16="http://schemas.microsoft.com/office/drawing/2014/main" id="{DE484BBE-4F21-92AD-1CF7-FC51B336D9F2}"/>
+              </a:ext>
+            </a:extLst>
+          </p:cNvPr>
+          <p:cNvPicPr>
+            <a:picLocks noChangeAspect="1"/>
+          </p:cNvPicPr>
+          <p:nvPr/>
+        </p:nvPicPr>
+        <p:blipFill>
+          <a:blip r:embed="rId5">
+            <a:extLst>
+              <a:ext uri="{96DAC541-7B7A-43D3-8B79-37D633B846F1}">
+                <asvg:svgBlip xmlns:asvg="http://schemas.microsoft.com/office/drawing/2016/SVG/main" r:embed="rId6"/>
+              </a:ext>
+            </a:extLst>
+          </a:blip>
+          <a:stretch>
+            <a:fillRect/>
+          </a:stretch>
+        </p:blipFill>
+        <p:spPr>
+          <a:xfrm>
+            <a:off x="6014562" y="1941998"/>
+            <a:ext cx="914400" cy="914400"/>
+          </a:xfrm>
+          <a:prstGeom prst="rect">
+            <a:avLst/>
+          </a:prstGeom>
+        </p:spPr>
+      </p:pic>
+      <p:sp>
+        <p:nvSpPr>
+          <p:cNvPr id="22" name="Rectangle 21">
+            <a:extLst>
+              <a:ext uri="{FF2B5EF4-FFF2-40B4-BE49-F238E27FC236}">
+                <a16:creationId xmlns:a16="http://schemas.microsoft.com/office/drawing/2014/main" id="{579EC8D7-5C77-6B9B-2FA2-175FEB2950E0}"/>
+              </a:ext>
+            </a:extLst>
+          </p:cNvPr>
+          <p:cNvSpPr/>
+          <p:nvPr/>
+        </p:nvSpPr>
+        <p:spPr>
+          <a:xfrm>
+            <a:off x="9709182" y="1945142"/>
+            <a:ext cx="914400" cy="914400"/>
+          </a:xfrm>
+          <a:prstGeom prst="rect">
+            <a:avLst/>
+          </a:prstGeom>
+          <a:solidFill>
+            <a:srgbClr val="FDC871"/>
+          </a:solidFill>
+          <a:ln w="28575"/>
+        </p:spPr>
+        <p:style>
+          <a:lnRef idx="2">
+            <a:schemeClr val="accent1">
+              <a:shade val="15000"/>
+            </a:schemeClr>
+          </a:lnRef>
+          <a:fillRef idx="1">
+            <a:schemeClr val="accent1"/>
+          </a:fillRef>
+          <a:effectRef idx="0">
+            <a:schemeClr val="accent1"/>
+          </a:effectRef>
+          <a:fontRef idx="minor">
+            <a:schemeClr val="lt1"/>
+          </a:fontRef>
+        </p:style>
+        <p:txBody>
+          <a:bodyPr rtlCol="0" anchor="ctr"/>
+          <a:lstStyle/>
+          <a:p>
+            <a:pPr algn="ctr"/>
+            <a:r>
+              <a:rPr lang="fr-FR" sz="1050" dirty="0" err="1">
+                <a:solidFill>
+                  <a:schemeClr val="tx1"/>
+                </a:solidFill>
+                <a:latin typeface="Courier New" panose="02070309020205020404" pitchFamily="49" charset="0"/>
+                <a:cs typeface="Courier New" panose="02070309020205020404" pitchFamily="49" charset="0"/>
+              </a:rPr>
+              <a:t>Extractor</a:t>
+            </a:r>
+            <a:br>
+              <a:rPr lang="fr-FR" sz="1100" dirty="0">
+                <a:solidFill>
+                  <a:schemeClr val="tx1"/>
+                </a:solidFill>
+                <a:latin typeface="Courier New" panose="02070309020205020404" pitchFamily="49" charset="0"/>
+                <a:cs typeface="Courier New" panose="02070309020205020404" pitchFamily="49" charset="0"/>
+              </a:rPr>
+            </a:br>
+            <a:r>
+              <a:rPr lang="fr-FR" sz="1100" dirty="0">
+                <a:solidFill>
+                  <a:schemeClr val="tx1"/>
+                </a:solidFill>
+                <a:latin typeface="Courier New" panose="02070309020205020404" pitchFamily="49" charset="0"/>
+                <a:cs typeface="Courier New" panose="02070309020205020404" pitchFamily="49" charset="0"/>
+              </a:rPr>
+              <a:t>SQL</a:t>
+            </a:r>
+          </a:p>
+        </p:txBody>
+      </p:sp>
+      <p:sp>
+        <p:nvSpPr>
+          <p:cNvPr id="23" name="Rectangle 22">
+            <a:extLst>
+              <a:ext uri="{FF2B5EF4-FFF2-40B4-BE49-F238E27FC236}">
+                <a16:creationId xmlns:a16="http://schemas.microsoft.com/office/drawing/2014/main" id="{85219591-721D-4D06-4E71-FED81DCBAEBA}"/>
+              </a:ext>
+            </a:extLst>
+          </p:cNvPr>
+          <p:cNvSpPr/>
+          <p:nvPr/>
+        </p:nvSpPr>
+        <p:spPr>
+          <a:xfrm>
+            <a:off x="10935113" y="5630317"/>
+            <a:ext cx="914400" cy="914400"/>
+          </a:xfrm>
+          <a:prstGeom prst="rect">
+            <a:avLst/>
+          </a:prstGeom>
+          <a:solidFill>
+            <a:srgbClr val="67DDB7"/>
+          </a:solidFill>
+          <a:ln w="28575">
+            <a:noFill/>
+          </a:ln>
+        </p:spPr>
+        <p:style>
+          <a:lnRef idx="2">
+            <a:schemeClr val="accent1">
+              <a:shade val="15000"/>
+            </a:schemeClr>
+          </a:lnRef>
+          <a:fillRef idx="1">
+            <a:schemeClr val="accent1"/>
+          </a:fillRef>
+          <a:effectRef idx="0">
+            <a:schemeClr val="accent1"/>
+          </a:effectRef>
+          <a:fontRef idx="minor">
+            <a:schemeClr val="lt1"/>
+          </a:fontRef>
+        </p:style>
+        <p:txBody>
+          <a:bodyPr rtlCol="0" anchor="ctr"/>
+          <a:lstStyle/>
+          <a:p>
+            <a:pPr algn="ctr"/>
+            <a:r>
+              <a:rPr lang="fr-FR" sz="1100" dirty="0">
+                <a:solidFill>
+                  <a:schemeClr val="tx1"/>
+                </a:solidFill>
+                <a:latin typeface="Courier New" panose="02070309020205020404" pitchFamily="49" charset="0"/>
+                <a:cs typeface="Courier New" panose="02070309020205020404" pitchFamily="49" charset="0"/>
+              </a:rPr>
+              <a:t>End</a:t>
+            </a:r>
+            <a:br>
+              <a:rPr lang="fr-FR" sz="1100" dirty="0">
+                <a:solidFill>
+                  <a:schemeClr val="tx1"/>
+                </a:solidFill>
+                <a:latin typeface="Courier New" panose="02070309020205020404" pitchFamily="49" charset="0"/>
+                <a:cs typeface="Courier New" panose="02070309020205020404" pitchFamily="49" charset="0"/>
+              </a:rPr>
+            </a:br>
+            <a:r>
+              <a:rPr lang="fr-FR" sz="1100" dirty="0">
+                <a:solidFill>
+                  <a:schemeClr val="tx1"/>
+                </a:solidFill>
+                <a:latin typeface="Courier New" panose="02070309020205020404" pitchFamily="49" charset="0"/>
+                <a:cs typeface="Courier New" panose="02070309020205020404" pitchFamily="49" charset="0"/>
+              </a:rPr>
+              <a:t>User</a:t>
+            </a:r>
+          </a:p>
+        </p:txBody>
+      </p:sp>
+      <p:cxnSp>
+        <p:nvCxnSpPr>
+          <p:cNvPr id="25" name="Connecteur droit avec flèche 24">
+            <a:extLst>
+              <a:ext uri="{FF2B5EF4-FFF2-40B4-BE49-F238E27FC236}">
+                <a16:creationId xmlns:a16="http://schemas.microsoft.com/office/drawing/2014/main" id="{E36129EB-1736-E53A-6E04-7045FC688E79}"/>
+              </a:ext>
+            </a:extLst>
+          </p:cNvPr>
+          <p:cNvCxnSpPr>
+            <a:cxnSpLocks/>
+          </p:cNvCxnSpPr>
+          <p:nvPr/>
+        </p:nvCxnSpPr>
+        <p:spPr>
+          <a:xfrm>
+            <a:off x="1504709" y="3922454"/>
+            <a:ext cx="971791" cy="0"/>
+          </a:xfrm>
+          <a:prstGeom prst="straightConnector1">
+            <a:avLst/>
+          </a:prstGeom>
+          <a:ln w="57150">
+            <a:solidFill>
+              <a:srgbClr val="1E3851"/>
+            </a:solidFill>
+            <a:tailEnd type="triangle"/>
+          </a:ln>
+        </p:spPr>
+        <p:style>
+          <a:lnRef idx="1">
+            <a:schemeClr val="accent1"/>
+          </a:lnRef>
+          <a:fillRef idx="0">
+            <a:schemeClr val="accent1"/>
+          </a:fillRef>
+          <a:effectRef idx="0">
+            <a:schemeClr val="accent1"/>
+          </a:effectRef>
+          <a:fontRef idx="minor">
+            <a:schemeClr val="tx1"/>
+          </a:fontRef>
+        </p:style>
+      </p:cxnSp>
+      <p:cxnSp>
+        <p:nvCxnSpPr>
+          <p:cNvPr id="28" name="Connecteur : en angle 27">
+            <a:extLst>
+              <a:ext uri="{FF2B5EF4-FFF2-40B4-BE49-F238E27FC236}">
+                <a16:creationId xmlns:a16="http://schemas.microsoft.com/office/drawing/2014/main" id="{8F23BEFC-7553-DFC6-47B6-9508CF268099}"/>
+              </a:ext>
+            </a:extLst>
+          </p:cNvPr>
+          <p:cNvCxnSpPr>
+            <a:cxnSpLocks/>
+          </p:cNvCxnSpPr>
+          <p:nvPr/>
+        </p:nvCxnSpPr>
+        <p:spPr>
+          <a:xfrm rot="16200000" flipH="1">
+            <a:off x="3445978" y="4071812"/>
+            <a:ext cx="821802" cy="439838"/>
+          </a:xfrm>
+          <a:prstGeom prst="bentConnector3">
+            <a:avLst>
+              <a:gd name="adj1" fmla="val 3295"/>
+            </a:avLst>
+          </a:prstGeom>
+          <a:ln w="57150">
+            <a:solidFill>
+              <a:srgbClr val="1E3851"/>
+            </a:solidFill>
+            <a:tailEnd type="triangle"/>
+          </a:ln>
+        </p:spPr>
+        <p:style>
+          <a:lnRef idx="1">
+            <a:schemeClr val="accent1"/>
+          </a:lnRef>
+          <a:fillRef idx="0">
+            <a:schemeClr val="accent1"/>
+          </a:fillRef>
+          <a:effectRef idx="0">
+            <a:schemeClr val="accent1"/>
+          </a:effectRef>
+          <a:fontRef idx="minor">
+            <a:schemeClr val="tx1"/>
+          </a:fontRef>
+        </p:style>
+      </p:cxnSp>
+      <p:cxnSp>
+        <p:nvCxnSpPr>
+          <p:cNvPr id="36" name="Connecteur : en angle 35">
+            <a:extLst>
+              <a:ext uri="{FF2B5EF4-FFF2-40B4-BE49-F238E27FC236}">
+                <a16:creationId xmlns:a16="http://schemas.microsoft.com/office/drawing/2014/main" id="{F204E68A-A833-628D-DECA-81C77D4B17F8}"/>
+              </a:ext>
+            </a:extLst>
+          </p:cNvPr>
+          <p:cNvCxnSpPr>
+            <a:cxnSpLocks/>
+          </p:cNvCxnSpPr>
+          <p:nvPr/>
+        </p:nvCxnSpPr>
+        <p:spPr>
+          <a:xfrm rot="16200000" flipH="1">
+            <a:off x="6291455" y="4071813"/>
+            <a:ext cx="821802" cy="439838"/>
+          </a:xfrm>
+          <a:prstGeom prst="bentConnector3">
+            <a:avLst>
+              <a:gd name="adj1" fmla="val 3295"/>
+            </a:avLst>
+          </a:prstGeom>
+          <a:ln w="57150">
+            <a:solidFill>
+              <a:schemeClr val="tx1"/>
+            </a:solidFill>
+            <a:tailEnd type="triangle"/>
+          </a:ln>
+        </p:spPr>
+        <p:style>
+          <a:lnRef idx="1">
+            <a:schemeClr val="accent1"/>
+          </a:lnRef>
+          <a:fillRef idx="0">
+            <a:schemeClr val="accent1"/>
+          </a:fillRef>
+          <a:effectRef idx="0">
+            <a:schemeClr val="accent1"/>
+          </a:effectRef>
+          <a:fontRef idx="minor">
+            <a:schemeClr val="tx1"/>
+          </a:fontRef>
+        </p:style>
+      </p:cxnSp>
+      <p:cxnSp>
+        <p:nvCxnSpPr>
+          <p:cNvPr id="37" name="Connecteur : en angle 36">
+            <a:extLst>
+              <a:ext uri="{FF2B5EF4-FFF2-40B4-BE49-F238E27FC236}">
+                <a16:creationId xmlns:a16="http://schemas.microsoft.com/office/drawing/2014/main" id="{650DFD26-94A4-67A9-5F47-134436EB8264}"/>
+              </a:ext>
+            </a:extLst>
+          </p:cNvPr>
+          <p:cNvCxnSpPr>
+            <a:cxnSpLocks/>
+          </p:cNvCxnSpPr>
+          <p:nvPr/>
+        </p:nvCxnSpPr>
+        <p:spPr>
+          <a:xfrm>
+            <a:off x="9091346" y="3909812"/>
+            <a:ext cx="911548" cy="799032"/>
+          </a:xfrm>
+          <a:prstGeom prst="bentConnector3">
+            <a:avLst>
+              <a:gd name="adj1" fmla="val 100156"/>
+            </a:avLst>
+          </a:prstGeom>
+          <a:ln w="57150">
+            <a:solidFill>
+              <a:schemeClr val="tx1"/>
+            </a:solidFill>
+            <a:tailEnd type="triangle"/>
+          </a:ln>
+        </p:spPr>
+        <p:style>
+          <a:lnRef idx="1">
+            <a:schemeClr val="accent1"/>
+          </a:lnRef>
+          <a:fillRef idx="0">
+            <a:schemeClr val="accent1"/>
+          </a:fillRef>
+          <a:effectRef idx="0">
+            <a:schemeClr val="accent1"/>
+          </a:effectRef>
+          <a:fontRef idx="minor">
+            <a:schemeClr val="tx1"/>
+          </a:fontRef>
+        </p:style>
+      </p:cxnSp>
+      <p:cxnSp>
+        <p:nvCxnSpPr>
+          <p:cNvPr id="65" name="Connecteur : en angle 64">
+            <a:extLst>
+              <a:ext uri="{FF2B5EF4-FFF2-40B4-BE49-F238E27FC236}">
+                <a16:creationId xmlns:a16="http://schemas.microsoft.com/office/drawing/2014/main" id="{F1DEB93B-1067-5756-012E-A4993C6B6648}"/>
+              </a:ext>
+            </a:extLst>
+          </p:cNvPr>
+          <p:cNvCxnSpPr>
+            <a:cxnSpLocks/>
+          </p:cNvCxnSpPr>
+          <p:nvPr/>
+        </p:nvCxnSpPr>
+        <p:spPr>
+          <a:xfrm rot="5400000">
+            <a:off x="4368797" y="4053812"/>
+            <a:ext cx="792000" cy="504000"/>
+          </a:xfrm>
+          <a:prstGeom prst="bentConnector3">
+            <a:avLst>
+              <a:gd name="adj1" fmla="val -293"/>
+            </a:avLst>
+          </a:prstGeom>
+          <a:ln w="57150">
+            <a:solidFill>
+              <a:schemeClr val="tx1"/>
+            </a:solidFill>
+            <a:headEnd type="triangle"/>
+            <a:tailEnd type="none"/>
+          </a:ln>
+        </p:spPr>
+        <p:style>
+          <a:lnRef idx="1">
+            <a:schemeClr val="accent1"/>
+          </a:lnRef>
+          <a:fillRef idx="0">
+            <a:schemeClr val="accent1"/>
+          </a:fillRef>
+          <a:effectRef idx="0">
+            <a:schemeClr val="accent1"/>
+          </a:effectRef>
+          <a:fontRef idx="minor">
+            <a:schemeClr val="tx1"/>
+          </a:fontRef>
+        </p:style>
+      </p:cxnSp>
+      <p:cxnSp>
+        <p:nvCxnSpPr>
+          <p:cNvPr id="70" name="Connecteur : en angle 69">
+            <a:extLst>
+              <a:ext uri="{FF2B5EF4-FFF2-40B4-BE49-F238E27FC236}">
+                <a16:creationId xmlns:a16="http://schemas.microsoft.com/office/drawing/2014/main" id="{262BCD3C-DB12-3A36-F283-378E6AF82F1A}"/>
+              </a:ext>
+            </a:extLst>
+          </p:cNvPr>
+          <p:cNvCxnSpPr>
+            <a:cxnSpLocks/>
+          </p:cNvCxnSpPr>
+          <p:nvPr/>
+        </p:nvCxnSpPr>
+        <p:spPr>
+          <a:xfrm rot="5400000">
+            <a:off x="7177445" y="4048626"/>
+            <a:ext cx="792000" cy="504000"/>
+          </a:xfrm>
+          <a:prstGeom prst="bentConnector3">
+            <a:avLst>
+              <a:gd name="adj1" fmla="val -293"/>
+            </a:avLst>
+          </a:prstGeom>
+          <a:ln w="57150">
+            <a:solidFill>
+              <a:schemeClr val="tx1"/>
+            </a:solidFill>
+            <a:headEnd type="triangle"/>
+            <a:tailEnd type="none"/>
+          </a:ln>
+        </p:spPr>
+        <p:style>
+          <a:lnRef idx="1">
+            <a:schemeClr val="accent1"/>
+          </a:lnRef>
+          <a:fillRef idx="0">
+            <a:schemeClr val="accent1"/>
+          </a:fillRef>
+          <a:effectRef idx="0">
+            <a:schemeClr val="accent1"/>
+          </a:effectRef>
+          <a:fontRef idx="minor">
+            <a:schemeClr val="tx1"/>
+          </a:fontRef>
+        </p:style>
+      </p:cxnSp>
+      <p:cxnSp>
+        <p:nvCxnSpPr>
+          <p:cNvPr id="72" name="Connecteur : en angle 71">
+            <a:extLst>
+              <a:ext uri="{FF2B5EF4-FFF2-40B4-BE49-F238E27FC236}">
+                <a16:creationId xmlns:a16="http://schemas.microsoft.com/office/drawing/2014/main" id="{1436D184-BAB5-7F8D-2548-7057FFF23A72}"/>
+              </a:ext>
+            </a:extLst>
+          </p:cNvPr>
+          <p:cNvCxnSpPr>
+            <a:cxnSpLocks/>
+          </p:cNvCxnSpPr>
+          <p:nvPr/>
+        </p:nvCxnSpPr>
+        <p:spPr>
+          <a:xfrm>
+            <a:off x="10143585" y="5902036"/>
+            <a:ext cx="664845" cy="404414"/>
+          </a:xfrm>
+          <a:prstGeom prst="bentConnector3">
+            <a:avLst>
+              <a:gd name="adj1" fmla="val 4441"/>
+            </a:avLst>
+          </a:prstGeom>
+          <a:ln w="57150">
+            <a:solidFill>
+              <a:schemeClr val="tx1"/>
+            </a:solidFill>
+            <a:tailEnd type="triangle"/>
+          </a:ln>
+        </p:spPr>
+        <p:style>
+          <a:lnRef idx="1">
+            <a:schemeClr val="accent1"/>
+          </a:lnRef>
+          <a:fillRef idx="0">
+            <a:schemeClr val="accent1"/>
+          </a:fillRef>
+          <a:effectRef idx="0">
+            <a:schemeClr val="accent1"/>
+          </a:effectRef>
+          <a:fontRef idx="minor">
+            <a:schemeClr val="tx1"/>
+          </a:fontRef>
+        </p:style>
+      </p:cxnSp>
+      <p:cxnSp>
+        <p:nvCxnSpPr>
+          <p:cNvPr id="77" name="Connecteur droit avec flèche 76">
+            <a:extLst>
+              <a:ext uri="{FF2B5EF4-FFF2-40B4-BE49-F238E27FC236}">
+                <a16:creationId xmlns:a16="http://schemas.microsoft.com/office/drawing/2014/main" id="{B87906E8-D241-736E-077F-F51E11DA6371}"/>
+              </a:ext>
+            </a:extLst>
+          </p:cNvPr>
+          <p:cNvCxnSpPr>
+            <a:cxnSpLocks/>
+          </p:cNvCxnSpPr>
+          <p:nvPr/>
+        </p:nvCxnSpPr>
+        <p:spPr>
+          <a:xfrm flipV="1">
+            <a:off x="10173793" y="3275041"/>
+            <a:ext cx="0" cy="1433803"/>
+          </a:xfrm>
+          <a:prstGeom prst="straightConnector1">
+            <a:avLst/>
+          </a:prstGeom>
+          <a:ln w="57150">
+            <a:solidFill>
+              <a:schemeClr val="tx1"/>
+            </a:solidFill>
+            <a:tailEnd type="triangle"/>
+          </a:ln>
+        </p:spPr>
+        <p:style>
+          <a:lnRef idx="1">
+            <a:schemeClr val="accent1"/>
+          </a:lnRef>
+          <a:fillRef idx="0">
+            <a:schemeClr val="accent1"/>
+          </a:fillRef>
+          <a:effectRef idx="0">
+            <a:schemeClr val="accent1"/>
+          </a:effectRef>
+          <a:fontRef idx="minor">
+            <a:schemeClr val="tx1"/>
+          </a:fontRef>
+        </p:style>
+      </p:cxnSp>
+      <p:cxnSp>
+        <p:nvCxnSpPr>
+          <p:cNvPr id="79" name="Connecteur droit avec flèche 78">
+            <a:extLst>
+              <a:ext uri="{FF2B5EF4-FFF2-40B4-BE49-F238E27FC236}">
+                <a16:creationId xmlns:a16="http://schemas.microsoft.com/office/drawing/2014/main" id="{8BDA5627-27DD-13E6-6BC7-6BBE53861D43}"/>
+              </a:ext>
+            </a:extLst>
+          </p:cNvPr>
+          <p:cNvCxnSpPr>
+            <a:cxnSpLocks/>
+          </p:cNvCxnSpPr>
+          <p:nvPr/>
+        </p:nvCxnSpPr>
+        <p:spPr>
+          <a:xfrm flipH="1">
+            <a:off x="6186426" y="835033"/>
+            <a:ext cx="718104" cy="0"/>
+          </a:xfrm>
+          <a:prstGeom prst="straightConnector1">
+            <a:avLst/>
+          </a:prstGeom>
+          <a:ln w="57150">
+            <a:solidFill>
+              <a:schemeClr val="tx1"/>
+            </a:solidFill>
+            <a:tailEnd type="triangle"/>
+          </a:ln>
+        </p:spPr>
+        <p:style>
+          <a:lnRef idx="1">
+            <a:schemeClr val="accent1"/>
+          </a:lnRef>
+          <a:fillRef idx="0">
+            <a:schemeClr val="accent1"/>
+          </a:fillRef>
+          <a:effectRef idx="0">
+            <a:schemeClr val="accent1"/>
+          </a:effectRef>
+          <a:fontRef idx="minor">
+            <a:schemeClr val="tx1"/>
+          </a:fontRef>
+        </p:style>
+      </p:cxnSp>
+      <p:cxnSp>
+        <p:nvCxnSpPr>
+          <p:cNvPr id="82" name="Connecteur droit avec flèche 81">
+            <a:extLst>
+              <a:ext uri="{FF2B5EF4-FFF2-40B4-BE49-F238E27FC236}">
+                <a16:creationId xmlns:a16="http://schemas.microsoft.com/office/drawing/2014/main" id="{589D4BDA-F75B-072B-3E64-3915FB2968F1}"/>
+              </a:ext>
+            </a:extLst>
+          </p:cNvPr>
+          <p:cNvCxnSpPr>
+            <a:cxnSpLocks/>
+          </p:cNvCxnSpPr>
+          <p:nvPr/>
+        </p:nvCxnSpPr>
+        <p:spPr>
+          <a:xfrm>
+            <a:off x="4016172" y="835033"/>
+            <a:ext cx="1058044" cy="0"/>
+          </a:xfrm>
+          <a:prstGeom prst="straightConnector1">
+            <a:avLst/>
+          </a:prstGeom>
+          <a:ln w="57150">
+            <a:solidFill>
+              <a:schemeClr val="tx1"/>
+            </a:solidFill>
+            <a:tailEnd type="triangle"/>
+          </a:ln>
+        </p:spPr>
+        <p:style>
+          <a:lnRef idx="1">
+            <a:schemeClr val="accent1"/>
+          </a:lnRef>
+          <a:fillRef idx="0">
+            <a:schemeClr val="accent1"/>
+          </a:fillRef>
+          <a:effectRef idx="0">
+            <a:schemeClr val="accent1"/>
+          </a:effectRef>
+          <a:fontRef idx="minor">
+            <a:schemeClr val="tx1"/>
+          </a:fontRef>
+        </p:style>
+      </p:cxnSp>
+      <p:cxnSp>
+        <p:nvCxnSpPr>
+          <p:cNvPr id="86" name="Connecteur droit avec flèche 85">
+            <a:extLst>
+              <a:ext uri="{FF2B5EF4-FFF2-40B4-BE49-F238E27FC236}">
+                <a16:creationId xmlns:a16="http://schemas.microsoft.com/office/drawing/2014/main" id="{97741F2E-BB7A-08FA-FAB3-476CBB8331EF}"/>
+              </a:ext>
+            </a:extLst>
+          </p:cNvPr>
+          <p:cNvCxnSpPr>
+            <a:cxnSpLocks/>
+          </p:cNvCxnSpPr>
+          <p:nvPr/>
+        </p:nvCxnSpPr>
+        <p:spPr>
+          <a:xfrm>
+            <a:off x="5689035" y="1377748"/>
+            <a:ext cx="0" cy="464771"/>
+          </a:xfrm>
+          <a:prstGeom prst="straightConnector1">
+            <a:avLst/>
+          </a:prstGeom>
+          <a:ln w="57150">
+            <a:solidFill>
+              <a:schemeClr val="tx1"/>
+            </a:solidFill>
+            <a:tailEnd type="triangle"/>
+          </a:ln>
+        </p:spPr>
+        <p:style>
+          <a:lnRef idx="1">
+            <a:schemeClr val="accent1"/>
+          </a:lnRef>
+          <a:fillRef idx="0">
+            <a:schemeClr val="accent1"/>
+          </a:fillRef>
+          <a:effectRef idx="0">
+            <a:schemeClr val="accent1"/>
+          </a:effectRef>
+          <a:fontRef idx="minor">
+            <a:schemeClr val="tx1"/>
+          </a:fontRef>
+        </p:style>
+      </p:cxnSp>
+      <p:sp>
+        <p:nvSpPr>
+          <p:cNvPr id="88" name="ZoneTexte 87">
+            <a:extLst>
+              <a:ext uri="{FF2B5EF4-FFF2-40B4-BE49-F238E27FC236}">
+                <a16:creationId xmlns:a16="http://schemas.microsoft.com/office/drawing/2014/main" id="{28ADFE5E-43F4-111D-F09A-F7ACDAEF7987}"/>
+              </a:ext>
+            </a:extLst>
+          </p:cNvPr>
+          <p:cNvSpPr txBox="1"/>
+          <p:nvPr/>
+        </p:nvSpPr>
+        <p:spPr>
+          <a:xfrm>
+            <a:off x="359271" y="4108275"/>
+            <a:ext cx="1107996" cy="246221"/>
+          </a:xfrm>
+          <a:prstGeom prst="rect">
+            <a:avLst/>
+          </a:prstGeom>
+          <a:noFill/>
+        </p:spPr>
+        <p:txBody>
+          <a:bodyPr wrap="none" rtlCol="0">
+            <a:spAutoFit/>
+          </a:bodyPr>
+          <a:lstStyle/>
+          <a:p>
+            <a:r>
+              <a:rPr lang="fr-FR" sz="1000" dirty="0">
+                <a:latin typeface="Courier New" panose="02070309020205020404" pitchFamily="49" charset="0"/>
+                <a:cs typeface="Courier New" panose="02070309020205020404" pitchFamily="49" charset="0"/>
+              </a:rPr>
+              <a:t>Transactions</a:t>
+            </a:r>
+          </a:p>
+        </p:txBody>
+      </p:sp>
+      <p:sp>
+        <p:nvSpPr>
+          <p:cNvPr id="89" name="ZoneTexte 88">
+            <a:extLst>
+              <a:ext uri="{FF2B5EF4-FFF2-40B4-BE49-F238E27FC236}">
+                <a16:creationId xmlns:a16="http://schemas.microsoft.com/office/drawing/2014/main" id="{0C8050A0-54EA-B378-B16F-15F59DC7B3E4}"/>
+              </a:ext>
+            </a:extLst>
+          </p:cNvPr>
+          <p:cNvSpPr txBox="1"/>
+          <p:nvPr/>
+        </p:nvSpPr>
+        <p:spPr>
+          <a:xfrm>
+            <a:off x="1144189" y="4434593"/>
+            <a:ext cx="415498" cy="246221"/>
+          </a:xfrm>
+          <a:prstGeom prst="rect">
+            <a:avLst/>
+          </a:prstGeom>
+          <a:solidFill>
+            <a:srgbClr val="01A687"/>
+          </a:solidFill>
+        </p:spPr>
+        <p:txBody>
+          <a:bodyPr wrap="none" rtlCol="0">
+            <a:spAutoFit/>
+          </a:bodyPr>
+          <a:lstStyle>
+            <a:defPPr>
+              <a:defRPr lang="fr-FR"/>
+            </a:defPPr>
+            <a:lvl1pPr algn="r">
+              <a:defRPr sz="1000">
+                <a:solidFill>
+                  <a:schemeClr val="bg1"/>
+                </a:solidFill>
+                <a:latin typeface="Courier New" panose="02070309020205020404" pitchFamily="49" charset="0"/>
+                <a:cs typeface="Courier New" panose="02070309020205020404" pitchFamily="49" charset="0"/>
+              </a:defRPr>
+            </a:lvl1pPr>
+          </a:lstStyle>
+          <a:p>
+            <a:r>
+              <a:rPr lang="fr-FR" dirty="0"/>
+              <a:t>API</a:t>
+            </a:r>
+          </a:p>
+        </p:txBody>
+      </p:sp>
+      <p:sp>
+        <p:nvSpPr>
+          <p:cNvPr id="91" name="ZoneTexte 90">
+            <a:extLst>
+              <a:ext uri="{FF2B5EF4-FFF2-40B4-BE49-F238E27FC236}">
+                <a16:creationId xmlns:a16="http://schemas.microsoft.com/office/drawing/2014/main" id="{EF32F2B1-AFE8-0489-0915-298F18F22419}"/>
+              </a:ext>
+            </a:extLst>
+          </p:cNvPr>
+          <p:cNvSpPr txBox="1"/>
+          <p:nvPr/>
+        </p:nvSpPr>
+        <p:spPr>
+          <a:xfrm>
+            <a:off x="6624006" y="234912"/>
+            <a:ext cx="1261884" cy="246221"/>
+          </a:xfrm>
+          <a:prstGeom prst="rect">
+            <a:avLst/>
+          </a:prstGeom>
+          <a:noFill/>
+        </p:spPr>
+        <p:txBody>
+          <a:bodyPr wrap="none" rtlCol="0">
+            <a:spAutoFit/>
+          </a:bodyPr>
+          <a:lstStyle/>
+          <a:p>
+            <a:r>
+              <a:rPr lang="fr-FR" sz="1000" dirty="0" err="1">
+                <a:latin typeface="Courier New" panose="02070309020205020404" pitchFamily="49" charset="0"/>
+                <a:cs typeface="Courier New" panose="02070309020205020404" pitchFamily="49" charset="0"/>
+              </a:rPr>
+              <a:t>Validated</a:t>
+            </a:r>
+            <a:r>
+              <a:rPr lang="fr-FR" sz="1000" dirty="0">
+                <a:latin typeface="Courier New" panose="02070309020205020404" pitchFamily="49" charset="0"/>
+                <a:cs typeface="Courier New" panose="02070309020205020404" pitchFamily="49" charset="0"/>
+              </a:rPr>
+              <a:t> Data</a:t>
+            </a:r>
+            <a:endParaRPr lang="fr-FR" sz="1000" baseline="30000" dirty="0">
+              <a:latin typeface="Courier New" panose="02070309020205020404" pitchFamily="49" charset="0"/>
+              <a:cs typeface="Courier New" panose="02070309020205020404" pitchFamily="49" charset="0"/>
+            </a:endParaRPr>
+          </a:p>
+        </p:txBody>
+      </p:sp>
+      <p:sp>
+        <p:nvSpPr>
+          <p:cNvPr id="92" name="ZoneTexte 91">
+            <a:extLst>
+              <a:ext uri="{FF2B5EF4-FFF2-40B4-BE49-F238E27FC236}">
+                <a16:creationId xmlns:a16="http://schemas.microsoft.com/office/drawing/2014/main" id="{F9BD2AD4-6549-24ED-BA89-72CFCEAB9BF1}"/>
+              </a:ext>
+            </a:extLst>
+          </p:cNvPr>
+          <p:cNvSpPr txBox="1"/>
+          <p:nvPr/>
+        </p:nvSpPr>
+        <p:spPr>
+          <a:xfrm>
+            <a:off x="2766091" y="239481"/>
+            <a:ext cx="1547218" cy="253916"/>
+          </a:xfrm>
+          <a:prstGeom prst="rect">
+            <a:avLst/>
+          </a:prstGeom>
+          <a:noFill/>
+        </p:spPr>
+        <p:txBody>
+          <a:bodyPr wrap="none" rtlCol="0">
+            <a:spAutoFit/>
+          </a:bodyPr>
+          <a:lstStyle/>
+          <a:p>
+            <a:r>
+              <a:rPr lang="fr-FR" sz="1000" dirty="0">
+                <a:latin typeface="Courier New" panose="02070309020205020404" pitchFamily="49" charset="0"/>
+                <a:cs typeface="Courier New" panose="02070309020205020404" pitchFamily="49" charset="0"/>
+              </a:rPr>
+              <a:t>Training Data Set</a:t>
+            </a:r>
+            <a:endParaRPr lang="fr-FR" sz="1000" baseline="30000" dirty="0">
+              <a:latin typeface="Courier New" panose="02070309020205020404" pitchFamily="49" charset="0"/>
+              <a:cs typeface="Courier New" panose="02070309020205020404" pitchFamily="49" charset="0"/>
+            </a:endParaRPr>
+          </a:p>
+        </p:txBody>
+      </p:sp>
+      <p:cxnSp>
+        <p:nvCxnSpPr>
+          <p:cNvPr id="94" name="Connecteur droit avec flèche 93">
+            <a:extLst>
+              <a:ext uri="{FF2B5EF4-FFF2-40B4-BE49-F238E27FC236}">
+                <a16:creationId xmlns:a16="http://schemas.microsoft.com/office/drawing/2014/main" id="{5AF9B872-8AE7-0EDA-E7B9-6A0FEBD15A1E}"/>
+              </a:ext>
+            </a:extLst>
+          </p:cNvPr>
+          <p:cNvCxnSpPr>
+            <a:cxnSpLocks/>
+          </p:cNvCxnSpPr>
+          <p:nvPr/>
+        </p:nvCxnSpPr>
+        <p:spPr>
+          <a:xfrm>
+            <a:off x="5837494" y="2962654"/>
+            <a:ext cx="0" cy="360000"/>
+          </a:xfrm>
+          <a:prstGeom prst="straightConnector1">
+            <a:avLst/>
+          </a:prstGeom>
+          <a:ln w="57150">
+            <a:solidFill>
+              <a:schemeClr val="tx1"/>
+            </a:solidFill>
+            <a:tailEnd type="triangle"/>
+          </a:ln>
+        </p:spPr>
+        <p:style>
+          <a:lnRef idx="1">
+            <a:schemeClr val="accent1"/>
+          </a:lnRef>
+          <a:fillRef idx="0">
+            <a:schemeClr val="accent1"/>
+          </a:fillRef>
+          <a:effectRef idx="0">
+            <a:schemeClr val="accent1"/>
+          </a:effectRef>
+          <a:fontRef idx="minor">
+            <a:schemeClr val="tx1"/>
+          </a:fontRef>
+        </p:style>
+      </p:cxnSp>
+      <p:cxnSp>
+        <p:nvCxnSpPr>
+          <p:cNvPr id="96" name="Connecteur droit avec flèche 95">
+            <a:extLst>
+              <a:ext uri="{FF2B5EF4-FFF2-40B4-BE49-F238E27FC236}">
+                <a16:creationId xmlns:a16="http://schemas.microsoft.com/office/drawing/2014/main" id="{F54A1397-0A03-1F27-46F4-A41114807578}"/>
+              </a:ext>
+            </a:extLst>
+          </p:cNvPr>
+          <p:cNvCxnSpPr>
+            <a:cxnSpLocks/>
+          </p:cNvCxnSpPr>
+          <p:nvPr/>
+        </p:nvCxnSpPr>
+        <p:spPr>
+          <a:xfrm flipV="1">
+            <a:off x="5504615" y="2962654"/>
+            <a:ext cx="0" cy="360000"/>
+          </a:xfrm>
+          <a:prstGeom prst="straightConnector1">
+            <a:avLst/>
+          </a:prstGeom>
+          <a:ln w="57150">
+            <a:solidFill>
+              <a:schemeClr val="tx1"/>
+            </a:solidFill>
+            <a:tailEnd type="triangle"/>
+          </a:ln>
+        </p:spPr>
+        <p:style>
+          <a:lnRef idx="1">
+            <a:schemeClr val="accent1"/>
+          </a:lnRef>
+          <a:fillRef idx="0">
+            <a:schemeClr val="accent1"/>
+          </a:fillRef>
+          <a:effectRef idx="0">
+            <a:schemeClr val="accent1"/>
+          </a:effectRef>
+          <a:fontRef idx="minor">
+            <a:schemeClr val="tx1"/>
+          </a:fontRef>
+        </p:style>
+      </p:cxnSp>
+      <p:cxnSp>
+        <p:nvCxnSpPr>
+          <p:cNvPr id="100" name="Connecteur : en angle 99">
+            <a:extLst>
+              <a:ext uri="{FF2B5EF4-FFF2-40B4-BE49-F238E27FC236}">
+                <a16:creationId xmlns:a16="http://schemas.microsoft.com/office/drawing/2014/main" id="{C3648A16-1AD4-0325-8132-376C30E31533}"/>
+              </a:ext>
+            </a:extLst>
+          </p:cNvPr>
+          <p:cNvCxnSpPr>
+            <a:cxnSpLocks/>
+          </p:cNvCxnSpPr>
+          <p:nvPr/>
+        </p:nvCxnSpPr>
+        <p:spPr>
+          <a:xfrm rot="10800000">
+            <a:off x="7962730" y="841722"/>
+            <a:ext cx="2203655" cy="991662"/>
+          </a:xfrm>
+          <a:prstGeom prst="bentConnector3">
+            <a:avLst>
+              <a:gd name="adj1" fmla="val -1276"/>
+            </a:avLst>
+          </a:prstGeom>
+          <a:ln w="57150">
+            <a:solidFill>
+              <a:schemeClr val="tx1"/>
+            </a:solidFill>
+            <a:tailEnd type="triangle"/>
+          </a:ln>
+        </p:spPr>
+        <p:style>
+          <a:lnRef idx="1">
+            <a:schemeClr val="accent1"/>
+          </a:lnRef>
+          <a:fillRef idx="0">
+            <a:schemeClr val="accent1"/>
+          </a:fillRef>
+          <a:effectRef idx="0">
+            <a:schemeClr val="accent1"/>
+          </a:effectRef>
+          <a:fontRef idx="minor">
+            <a:schemeClr val="tx1"/>
+          </a:fontRef>
+        </p:style>
+      </p:cxnSp>
+      <p:sp>
+        <p:nvSpPr>
+          <p:cNvPr id="105" name="ZoneTexte 104">
+            <a:extLst>
+              <a:ext uri="{FF2B5EF4-FFF2-40B4-BE49-F238E27FC236}">
+                <a16:creationId xmlns:a16="http://schemas.microsoft.com/office/drawing/2014/main" id="{7C3CC13C-8740-021F-43EC-9A4CB1D603E1}"/>
+              </a:ext>
+            </a:extLst>
+          </p:cNvPr>
+          <p:cNvSpPr txBox="1"/>
+          <p:nvPr/>
+        </p:nvSpPr>
+        <p:spPr>
+          <a:xfrm>
+            <a:off x="5506036" y="6478410"/>
+            <a:ext cx="569387" cy="246221"/>
+          </a:xfrm>
+          <a:prstGeom prst="rect">
+            <a:avLst/>
+          </a:prstGeom>
+          <a:noFill/>
+        </p:spPr>
+        <p:txBody>
+          <a:bodyPr wrap="none" rtlCol="0">
+            <a:spAutoFit/>
+          </a:bodyPr>
+          <a:lstStyle/>
+          <a:p>
+            <a:r>
+              <a:rPr lang="fr-FR" sz="1000" dirty="0" err="1">
+                <a:latin typeface="Courier New" panose="02070309020205020404" pitchFamily="49" charset="0"/>
+                <a:cs typeface="Courier New" panose="02070309020205020404" pitchFamily="49" charset="0"/>
+              </a:rPr>
+              <a:t>Alert</a:t>
+            </a:r>
+            <a:endParaRPr lang="fr-FR" sz="1000" baseline="30000" dirty="0">
+              <a:latin typeface="Courier New" panose="02070309020205020404" pitchFamily="49" charset="0"/>
+              <a:cs typeface="Courier New" panose="02070309020205020404" pitchFamily="49" charset="0"/>
+            </a:endParaRPr>
+          </a:p>
+        </p:txBody>
+      </p:sp>
+      <p:pic>
+        <p:nvPicPr>
+          <p:cNvPr id="107" name="Graphique 106" descr="Adresse de courrier avec un remplissage uni">
+            <a:extLst>
+              <a:ext uri="{FF2B5EF4-FFF2-40B4-BE49-F238E27FC236}">
+                <a16:creationId xmlns:a16="http://schemas.microsoft.com/office/drawing/2014/main" id="{ED473700-3EFE-1C6A-8EDC-5AFF2360947F}"/>
+              </a:ext>
+            </a:extLst>
+          </p:cNvPr>
+          <p:cNvPicPr>
+            <a:picLocks noChangeAspect="1"/>
+          </p:cNvPicPr>
+          <p:nvPr/>
+        </p:nvPicPr>
+        <p:blipFill>
+          <a:blip r:embed="rId7">
+            <a:extLst>
+              <a:ext uri="{96DAC541-7B7A-43D3-8B79-37D633B846F1}">
+                <asvg:svgBlip xmlns:asvg="http://schemas.microsoft.com/office/drawing/2016/SVG/main" r:embed="rId8"/>
+              </a:ext>
+            </a:extLst>
+          </a:blip>
+          <a:stretch>
+            <a:fillRect/>
+          </a:stretch>
+        </p:blipFill>
+        <p:spPr>
+          <a:xfrm>
+            <a:off x="5324275" y="5630317"/>
+            <a:ext cx="914400" cy="914400"/>
+          </a:xfrm>
+          <a:prstGeom prst="rect">
+            <a:avLst/>
+          </a:prstGeom>
+        </p:spPr>
+      </p:pic>
+      <p:pic>
+        <p:nvPicPr>
+          <p:cNvPr id="109" name="Graphique 108" descr="Éclair avec un remplissage uni">
+            <a:extLst>
+              <a:ext uri="{FF2B5EF4-FFF2-40B4-BE49-F238E27FC236}">
+                <a16:creationId xmlns:a16="http://schemas.microsoft.com/office/drawing/2014/main" id="{A12DE1C5-196C-05BF-DB99-C865EED44B7D}"/>
+              </a:ext>
+            </a:extLst>
+          </p:cNvPr>
+          <p:cNvPicPr>
+            <a:picLocks noChangeAspect="1"/>
+          </p:cNvPicPr>
+          <p:nvPr/>
+        </p:nvPicPr>
+        <p:blipFill>
+          <a:blip r:embed="rId9">
+            <a:extLst>
+              <a:ext uri="{96DAC541-7B7A-43D3-8B79-37D633B846F1}">
+                <asvg:svgBlip xmlns:asvg="http://schemas.microsoft.com/office/drawing/2016/SVG/main" r:embed="rId10"/>
+              </a:ext>
+            </a:extLst>
+          </a:blip>
+          <a:stretch>
+            <a:fillRect/>
+          </a:stretch>
+        </p:blipFill>
+        <p:spPr>
+          <a:xfrm>
+            <a:off x="5230221" y="4819634"/>
+            <a:ext cx="914400" cy="914400"/>
+          </a:xfrm>
+          <a:prstGeom prst="rect">
+            <a:avLst/>
+          </a:prstGeom>
+        </p:spPr>
+      </p:pic>
+      <p:sp>
+        <p:nvSpPr>
+          <p:cNvPr id="110" name="ZoneTexte 109">
+            <a:extLst>
+              <a:ext uri="{FF2B5EF4-FFF2-40B4-BE49-F238E27FC236}">
+                <a16:creationId xmlns:a16="http://schemas.microsoft.com/office/drawing/2014/main" id="{4DF4CB09-F0B4-1EEE-3BE4-61795D851869}"/>
+              </a:ext>
+            </a:extLst>
+          </p:cNvPr>
+          <p:cNvSpPr txBox="1"/>
+          <p:nvPr/>
+        </p:nvSpPr>
+        <p:spPr>
+          <a:xfrm>
+            <a:off x="2246177" y="4434921"/>
+            <a:ext cx="825867" cy="253916"/>
+          </a:xfrm>
+          <a:prstGeom prst="rect">
+            <a:avLst/>
+          </a:prstGeom>
+          <a:solidFill>
+            <a:srgbClr val="FDA145"/>
+          </a:solidFill>
+        </p:spPr>
+        <p:txBody>
+          <a:bodyPr wrap="none" rtlCol="0">
+            <a:spAutoFit/>
+          </a:bodyPr>
+          <a:lstStyle/>
+          <a:p>
+            <a:r>
+              <a:rPr lang="fr-FR" sz="1000" dirty="0">
+                <a:solidFill>
+                  <a:schemeClr val="bg1"/>
+                </a:solidFill>
+                <a:latin typeface="Courier New" panose="02070309020205020404" pitchFamily="49" charset="0"/>
+                <a:cs typeface="Courier New" panose="02070309020205020404" pitchFamily="49" charset="0"/>
+              </a:rPr>
+              <a:t>Docker 1</a:t>
+            </a:r>
+            <a:endParaRPr lang="fr-FR" sz="1000" baseline="30000" dirty="0">
+              <a:solidFill>
+                <a:schemeClr val="bg1"/>
+              </a:solidFill>
+              <a:latin typeface="Courier New" panose="02070309020205020404" pitchFamily="49" charset="0"/>
+              <a:cs typeface="Courier New" panose="02070309020205020404" pitchFamily="49" charset="0"/>
+            </a:endParaRPr>
+          </a:p>
+        </p:txBody>
+      </p:sp>
+      <p:sp>
+        <p:nvSpPr>
+          <p:cNvPr id="111" name="ZoneTexte 110">
+            <a:extLst>
+              <a:ext uri="{FF2B5EF4-FFF2-40B4-BE49-F238E27FC236}">
+                <a16:creationId xmlns:a16="http://schemas.microsoft.com/office/drawing/2014/main" id="{C02D23B1-0EF0-92E4-5C23-3DF8AE5E82C5}"/>
+              </a:ext>
+            </a:extLst>
+          </p:cNvPr>
+          <p:cNvSpPr txBox="1"/>
+          <p:nvPr/>
+        </p:nvSpPr>
+        <p:spPr>
+          <a:xfrm>
+            <a:off x="4916362" y="4434921"/>
+            <a:ext cx="800219" cy="246221"/>
+          </a:xfrm>
+          <a:prstGeom prst="rect">
+            <a:avLst/>
+          </a:prstGeom>
+          <a:solidFill>
+            <a:srgbClr val="FDA145"/>
+          </a:solidFill>
+        </p:spPr>
+        <p:txBody>
+          <a:bodyPr wrap="none" rtlCol="0">
+            <a:spAutoFit/>
+          </a:bodyPr>
+          <a:lstStyle>
+            <a:defPPr>
+              <a:defRPr lang="fr-FR"/>
+            </a:defPPr>
+            <a:lvl1pPr>
+              <a:defRPr sz="1000">
+                <a:solidFill>
+                  <a:schemeClr val="bg1"/>
+                </a:solidFill>
+                <a:latin typeface="Courier New" panose="02070309020205020404" pitchFamily="49" charset="0"/>
+                <a:cs typeface="Courier New" panose="02070309020205020404" pitchFamily="49" charset="0"/>
+              </a:defRPr>
+            </a:lvl1pPr>
+          </a:lstStyle>
+          <a:p>
+            <a:r>
+              <a:rPr lang="fr-FR" dirty="0"/>
+              <a:t>Docker 2</a:t>
+            </a:r>
+          </a:p>
+        </p:txBody>
+      </p:sp>
+      <p:sp>
+        <p:nvSpPr>
+          <p:cNvPr id="112" name="ZoneTexte 111">
+            <a:extLst>
+              <a:ext uri="{FF2B5EF4-FFF2-40B4-BE49-F238E27FC236}">
+                <a16:creationId xmlns:a16="http://schemas.microsoft.com/office/drawing/2014/main" id="{B7EF9AA8-AEF7-0DC0-A41C-279F29A9A7CE}"/>
+              </a:ext>
+            </a:extLst>
+          </p:cNvPr>
+          <p:cNvSpPr txBox="1"/>
+          <p:nvPr/>
+        </p:nvSpPr>
+        <p:spPr>
+          <a:xfrm>
+            <a:off x="7771097" y="4434921"/>
+            <a:ext cx="800219" cy="246221"/>
+          </a:xfrm>
+          <a:prstGeom prst="rect">
+            <a:avLst/>
+          </a:prstGeom>
+          <a:solidFill>
+            <a:srgbClr val="FDA145"/>
+          </a:solidFill>
+        </p:spPr>
+        <p:txBody>
+          <a:bodyPr wrap="none" rtlCol="0">
+            <a:spAutoFit/>
+          </a:bodyPr>
+          <a:lstStyle>
+            <a:defPPr>
+              <a:defRPr lang="fr-FR"/>
+            </a:defPPr>
+            <a:lvl1pPr>
+              <a:defRPr sz="1000">
+                <a:solidFill>
+                  <a:schemeClr val="bg1"/>
+                </a:solidFill>
+                <a:latin typeface="Courier New" panose="02070309020205020404" pitchFamily="49" charset="0"/>
+                <a:cs typeface="Courier New" panose="02070309020205020404" pitchFamily="49" charset="0"/>
+              </a:defRPr>
+            </a:lvl1pPr>
+          </a:lstStyle>
+          <a:p>
+            <a:r>
+              <a:rPr lang="fr-FR" dirty="0"/>
+              <a:t>Docker 3</a:t>
+            </a:r>
+          </a:p>
+        </p:txBody>
+      </p:sp>
+      <p:sp>
+        <p:nvSpPr>
+          <p:cNvPr id="113" name="ZoneTexte 112">
+            <a:extLst>
+              <a:ext uri="{FF2B5EF4-FFF2-40B4-BE49-F238E27FC236}">
+                <a16:creationId xmlns:a16="http://schemas.microsoft.com/office/drawing/2014/main" id="{2781E758-D724-1AB6-3BC6-FEE439089CA2}"/>
+              </a:ext>
+            </a:extLst>
+          </p:cNvPr>
+          <p:cNvSpPr txBox="1"/>
+          <p:nvPr/>
+        </p:nvSpPr>
+        <p:spPr>
+          <a:xfrm>
+            <a:off x="10326186" y="2917313"/>
+            <a:ext cx="800219" cy="246221"/>
+          </a:xfrm>
+          <a:prstGeom prst="rect">
+            <a:avLst/>
+          </a:prstGeom>
+          <a:solidFill>
+            <a:srgbClr val="FDA145"/>
+          </a:solidFill>
+        </p:spPr>
+        <p:txBody>
+          <a:bodyPr wrap="none" rtlCol="0">
+            <a:spAutoFit/>
+          </a:bodyPr>
+          <a:lstStyle>
+            <a:defPPr>
+              <a:defRPr lang="fr-FR"/>
+            </a:defPPr>
+            <a:lvl1pPr>
+              <a:defRPr sz="1000">
+                <a:solidFill>
+                  <a:schemeClr val="bg1"/>
+                </a:solidFill>
+                <a:latin typeface="Courier New" panose="02070309020205020404" pitchFamily="49" charset="0"/>
+                <a:cs typeface="Courier New" panose="02070309020205020404" pitchFamily="49" charset="0"/>
+              </a:defRPr>
+            </a:lvl1pPr>
+          </a:lstStyle>
+          <a:p>
+            <a:r>
+              <a:rPr lang="fr-FR" dirty="0"/>
+              <a:t>Docker 4</a:t>
+            </a:r>
+          </a:p>
+        </p:txBody>
+      </p:sp>
+      <p:sp>
+        <p:nvSpPr>
+          <p:cNvPr id="114" name="ZoneTexte 113">
+            <a:extLst>
+              <a:ext uri="{FF2B5EF4-FFF2-40B4-BE49-F238E27FC236}">
+                <a16:creationId xmlns:a16="http://schemas.microsoft.com/office/drawing/2014/main" id="{062AC8B8-593C-E5AC-9DD8-9C1E3D56BF5F}"/>
+              </a:ext>
+            </a:extLst>
+          </p:cNvPr>
+          <p:cNvSpPr txBox="1"/>
+          <p:nvPr/>
+        </p:nvSpPr>
+        <p:spPr>
+          <a:xfrm>
+            <a:off x="7311031" y="1255061"/>
+            <a:ext cx="800219" cy="246221"/>
+          </a:xfrm>
+          <a:prstGeom prst="rect">
+            <a:avLst/>
+          </a:prstGeom>
+          <a:solidFill>
+            <a:srgbClr val="01A687"/>
+          </a:solidFill>
+        </p:spPr>
+        <p:txBody>
+          <a:bodyPr wrap="none" rtlCol="0">
+            <a:spAutoFit/>
+          </a:bodyPr>
+          <a:lstStyle>
+            <a:defPPr>
+              <a:defRPr lang="fr-FR"/>
+            </a:defPPr>
+            <a:lvl1pPr algn="r">
+              <a:defRPr sz="1000">
+                <a:solidFill>
+                  <a:schemeClr val="bg1"/>
+                </a:solidFill>
+                <a:latin typeface="Courier New" panose="02070309020205020404" pitchFamily="49" charset="0"/>
+                <a:cs typeface="Courier New" panose="02070309020205020404" pitchFamily="49" charset="0"/>
+              </a:defRPr>
+            </a:lvl1pPr>
+          </a:lstStyle>
+          <a:p>
+            <a:r>
+              <a:rPr lang="fr-FR" dirty="0"/>
+              <a:t>AWS S3 2</a:t>
+            </a:r>
+          </a:p>
+        </p:txBody>
+      </p:sp>
+      <p:sp>
+        <p:nvSpPr>
+          <p:cNvPr id="115" name="ZoneTexte 114">
+            <a:extLst>
+              <a:ext uri="{FF2B5EF4-FFF2-40B4-BE49-F238E27FC236}">
+                <a16:creationId xmlns:a16="http://schemas.microsoft.com/office/drawing/2014/main" id="{E87E2303-FE4A-2E46-70D1-F2BA49E5FC52}"/>
+              </a:ext>
+            </a:extLst>
+          </p:cNvPr>
+          <p:cNvSpPr txBox="1"/>
+          <p:nvPr/>
+        </p:nvSpPr>
+        <p:spPr>
+          <a:xfrm>
+            <a:off x="3520507" y="1246397"/>
+            <a:ext cx="800219" cy="246221"/>
+          </a:xfrm>
+          <a:prstGeom prst="rect">
+            <a:avLst/>
+          </a:prstGeom>
+          <a:solidFill>
+            <a:srgbClr val="01A687"/>
+          </a:solidFill>
+        </p:spPr>
+        <p:txBody>
+          <a:bodyPr wrap="none" rtlCol="0">
+            <a:spAutoFit/>
+          </a:bodyPr>
+          <a:lstStyle>
+            <a:defPPr>
+              <a:defRPr lang="fr-FR"/>
+            </a:defPPr>
+            <a:lvl1pPr algn="r">
+              <a:defRPr sz="1000">
+                <a:solidFill>
+                  <a:schemeClr val="bg1"/>
+                </a:solidFill>
+                <a:latin typeface="Courier New" panose="02070309020205020404" pitchFamily="49" charset="0"/>
+                <a:cs typeface="Courier New" panose="02070309020205020404" pitchFamily="49" charset="0"/>
+              </a:defRPr>
+            </a:lvl1pPr>
+          </a:lstStyle>
+          <a:p>
+            <a:r>
+              <a:rPr lang="fr-FR" dirty="0"/>
+              <a:t>AWS S3 1</a:t>
+            </a:r>
+          </a:p>
+        </p:txBody>
+      </p:sp>
+      <p:sp>
+        <p:nvSpPr>
+          <p:cNvPr id="116" name="Rectangle 115">
+            <a:extLst>
+              <a:ext uri="{FF2B5EF4-FFF2-40B4-BE49-F238E27FC236}">
+                <a16:creationId xmlns:a16="http://schemas.microsoft.com/office/drawing/2014/main" id="{B4DD2793-C560-90A6-9953-C8FC2C086CAE}"/>
+              </a:ext>
+            </a:extLst>
+          </p:cNvPr>
+          <p:cNvSpPr/>
+          <p:nvPr/>
+        </p:nvSpPr>
+        <p:spPr>
+          <a:xfrm>
+            <a:off x="5196903" y="1945142"/>
+            <a:ext cx="914400" cy="914400"/>
+          </a:xfrm>
+          <a:prstGeom prst="rect">
+            <a:avLst/>
+          </a:prstGeom>
+          <a:solidFill>
+            <a:srgbClr val="FDC871"/>
+          </a:solidFill>
+          <a:ln w="28575"/>
+        </p:spPr>
+        <p:style>
+          <a:lnRef idx="2">
+            <a:schemeClr val="accent1">
+              <a:shade val="15000"/>
+            </a:schemeClr>
+          </a:lnRef>
+          <a:fillRef idx="1">
+            <a:schemeClr val="accent1"/>
+          </a:fillRef>
+          <a:effectRef idx="0">
+            <a:schemeClr val="accent1"/>
+          </a:effectRef>
+          <a:fontRef idx="minor">
+            <a:schemeClr val="lt1"/>
+          </a:fontRef>
+        </p:style>
+        <p:txBody>
+          <a:bodyPr rtlCol="0" anchor="ctr"/>
+          <a:lstStyle/>
+          <a:p>
+            <a:pPr algn="ctr"/>
+            <a:r>
+              <a:rPr lang="fr-FR" sz="1100" dirty="0">
+                <a:solidFill>
+                  <a:schemeClr val="tx1"/>
+                </a:solidFill>
+                <a:latin typeface="Courier New" panose="02070309020205020404" pitchFamily="49" charset="0"/>
+                <a:cs typeface="Courier New" panose="02070309020205020404" pitchFamily="49" charset="0"/>
+              </a:rPr>
+              <a:t>Model</a:t>
+            </a:r>
+          </a:p>
+        </p:txBody>
+      </p:sp>
+      <p:sp>
+        <p:nvSpPr>
+          <p:cNvPr id="118" name="ZoneTexte 117">
+            <a:extLst>
+              <a:ext uri="{FF2B5EF4-FFF2-40B4-BE49-F238E27FC236}">
+                <a16:creationId xmlns:a16="http://schemas.microsoft.com/office/drawing/2014/main" id="{9D8ED0C0-EE7C-761D-3BC2-435535FCA88C}"/>
+              </a:ext>
+            </a:extLst>
+          </p:cNvPr>
+          <p:cNvSpPr txBox="1"/>
+          <p:nvPr/>
+        </p:nvSpPr>
+        <p:spPr>
+          <a:xfrm>
+            <a:off x="5824250" y="1330273"/>
+            <a:ext cx="800219" cy="246221"/>
+          </a:xfrm>
+          <a:prstGeom prst="rect">
+            <a:avLst/>
+          </a:prstGeom>
+          <a:solidFill>
+            <a:srgbClr val="FDA145"/>
+          </a:solidFill>
+        </p:spPr>
+        <p:txBody>
+          <a:bodyPr wrap="none" rtlCol="0">
+            <a:spAutoFit/>
+          </a:bodyPr>
+          <a:lstStyle>
+            <a:defPPr>
+              <a:defRPr lang="fr-FR"/>
+            </a:defPPr>
+            <a:lvl1pPr>
+              <a:defRPr sz="1000">
+                <a:solidFill>
+                  <a:schemeClr val="bg1"/>
+                </a:solidFill>
+                <a:latin typeface="Courier New" panose="02070309020205020404" pitchFamily="49" charset="0"/>
+                <a:cs typeface="Courier New" panose="02070309020205020404" pitchFamily="49" charset="0"/>
+              </a:defRPr>
+            </a:lvl1pPr>
+          </a:lstStyle>
+          <a:p>
+            <a:r>
+              <a:rPr lang="fr-FR" dirty="0"/>
+              <a:t>Docker 5</a:t>
+            </a:r>
+          </a:p>
+        </p:txBody>
+      </p:sp>
+      <p:sp>
+        <p:nvSpPr>
+          <p:cNvPr id="119" name="ZoneTexte 118">
+            <a:extLst>
+              <a:ext uri="{FF2B5EF4-FFF2-40B4-BE49-F238E27FC236}">
+                <a16:creationId xmlns:a16="http://schemas.microsoft.com/office/drawing/2014/main" id="{5F8E43D7-FC27-A317-8690-3309A37739B8}"/>
+              </a:ext>
+            </a:extLst>
+          </p:cNvPr>
+          <p:cNvSpPr txBox="1"/>
+          <p:nvPr/>
+        </p:nvSpPr>
+        <p:spPr>
+          <a:xfrm>
+            <a:off x="4332776" y="2118191"/>
+            <a:ext cx="800219" cy="553998"/>
+          </a:xfrm>
+          <a:prstGeom prst="rect">
+            <a:avLst/>
+          </a:prstGeom>
+          <a:solidFill>
+            <a:srgbClr val="FDA145"/>
+          </a:solidFill>
+        </p:spPr>
+        <p:txBody>
+          <a:bodyPr wrap="none" rtlCol="0">
+            <a:spAutoFit/>
+          </a:bodyPr>
+          <a:lstStyle>
+            <a:defPPr>
+              <a:defRPr lang="fr-FR"/>
+            </a:defPPr>
+            <a:lvl1pPr>
+              <a:defRPr sz="1000">
+                <a:solidFill>
+                  <a:schemeClr val="bg1"/>
+                </a:solidFill>
+                <a:latin typeface="Courier New" panose="02070309020205020404" pitchFamily="49" charset="0"/>
+                <a:cs typeface="Courier New" panose="02070309020205020404" pitchFamily="49" charset="0"/>
+              </a:defRPr>
+            </a:lvl1pPr>
+          </a:lstStyle>
+          <a:p>
+            <a:r>
+              <a:rPr lang="fr-FR" dirty="0" err="1"/>
+              <a:t>Mlflow</a:t>
+            </a:r>
+            <a:endParaRPr lang="fr-FR" dirty="0"/>
+          </a:p>
+          <a:p>
+            <a:r>
+              <a:rPr lang="fr-FR" dirty="0" err="1"/>
+              <a:t>Heroku</a:t>
+            </a:r>
+            <a:br>
+              <a:rPr lang="fr-FR" dirty="0"/>
+            </a:br>
+            <a:r>
+              <a:rPr lang="fr-FR" dirty="0"/>
+              <a:t>AWS S3 2</a:t>
+            </a:r>
+          </a:p>
+        </p:txBody>
+      </p:sp>
+      <p:sp>
+        <p:nvSpPr>
+          <p:cNvPr id="120" name="ZoneTexte 119">
+            <a:extLst>
+              <a:ext uri="{FF2B5EF4-FFF2-40B4-BE49-F238E27FC236}">
+                <a16:creationId xmlns:a16="http://schemas.microsoft.com/office/drawing/2014/main" id="{F372F98C-4B99-B2BD-4816-A34C28626380}"/>
+              </a:ext>
+            </a:extLst>
+          </p:cNvPr>
+          <p:cNvSpPr txBox="1"/>
+          <p:nvPr/>
+        </p:nvSpPr>
+        <p:spPr>
+          <a:xfrm>
+            <a:off x="10444480" y="5160599"/>
+            <a:ext cx="954107" cy="246221"/>
+          </a:xfrm>
+          <a:prstGeom prst="rect">
+            <a:avLst/>
+          </a:prstGeom>
+          <a:solidFill>
+            <a:srgbClr val="01A687"/>
+          </a:solidFill>
+        </p:spPr>
+        <p:txBody>
+          <a:bodyPr wrap="none" rtlCol="0">
+            <a:spAutoFit/>
+          </a:bodyPr>
+          <a:lstStyle>
+            <a:defPPr>
+              <a:defRPr lang="fr-FR"/>
+            </a:defPPr>
+            <a:lvl1pPr algn="r">
+              <a:defRPr sz="1000">
+                <a:solidFill>
+                  <a:schemeClr val="bg1"/>
+                </a:solidFill>
+                <a:latin typeface="Courier New" panose="02070309020205020404" pitchFamily="49" charset="0"/>
+                <a:cs typeface="Courier New" panose="02070309020205020404" pitchFamily="49" charset="0"/>
+              </a:defRPr>
+            </a:lvl1pPr>
+          </a:lstStyle>
+          <a:p>
+            <a:r>
+              <a:rPr lang="fr-FR" dirty="0"/>
+              <a:t>PostgreSQL</a:t>
+            </a:r>
+          </a:p>
+        </p:txBody>
+      </p:sp>
+      <p:sp>
+        <p:nvSpPr>
+          <p:cNvPr id="121" name="ZoneTexte 120">
+            <a:extLst>
+              <a:ext uri="{FF2B5EF4-FFF2-40B4-BE49-F238E27FC236}">
+                <a16:creationId xmlns:a16="http://schemas.microsoft.com/office/drawing/2014/main" id="{8E204F89-8F17-3755-2B81-C9180CA364A5}"/>
+              </a:ext>
+            </a:extLst>
+          </p:cNvPr>
+          <p:cNvSpPr txBox="1"/>
+          <p:nvPr/>
+        </p:nvSpPr>
+        <p:spPr>
+          <a:xfrm>
+            <a:off x="6798708" y="2255460"/>
+            <a:ext cx="954107" cy="400110"/>
+          </a:xfrm>
+          <a:prstGeom prst="rect">
+            <a:avLst/>
+          </a:prstGeom>
+          <a:solidFill>
+            <a:srgbClr val="01A687"/>
+          </a:solidFill>
+        </p:spPr>
+        <p:txBody>
+          <a:bodyPr wrap="none" rtlCol="0">
+            <a:spAutoFit/>
+          </a:bodyPr>
+          <a:lstStyle>
+            <a:defPPr>
+              <a:defRPr lang="fr-FR"/>
+            </a:defPPr>
+            <a:lvl1pPr algn="r">
+              <a:defRPr sz="1000">
+                <a:solidFill>
+                  <a:schemeClr val="bg1"/>
+                </a:solidFill>
+                <a:latin typeface="Courier New" panose="02070309020205020404" pitchFamily="49" charset="0"/>
+                <a:cs typeface="Courier New" panose="02070309020205020404" pitchFamily="49" charset="0"/>
+              </a:defRPr>
+            </a:lvl1pPr>
+          </a:lstStyle>
+          <a:p>
+            <a:pPr algn="l"/>
+            <a:r>
+              <a:rPr lang="fr-FR" dirty="0" err="1"/>
+              <a:t>Heroku</a:t>
+            </a:r>
+            <a:endParaRPr lang="fr-FR" dirty="0"/>
+          </a:p>
+          <a:p>
+            <a:pPr algn="l"/>
+            <a:r>
+              <a:rPr lang="fr-FR" dirty="0"/>
+              <a:t>PostgreSQL</a:t>
+            </a:r>
+          </a:p>
+        </p:txBody>
+      </p:sp>
+      <p:sp>
+        <p:nvSpPr>
+          <p:cNvPr id="122" name="ZoneTexte 121">
+            <a:extLst>
+              <a:ext uri="{FF2B5EF4-FFF2-40B4-BE49-F238E27FC236}">
+                <a16:creationId xmlns:a16="http://schemas.microsoft.com/office/drawing/2014/main" id="{109DA0D6-8CA7-B70F-DA4E-7D79420E65E1}"/>
+              </a:ext>
+            </a:extLst>
+          </p:cNvPr>
+          <p:cNvSpPr txBox="1"/>
+          <p:nvPr/>
+        </p:nvSpPr>
+        <p:spPr>
+          <a:xfrm>
+            <a:off x="7123777" y="5869559"/>
+            <a:ext cx="877163" cy="246221"/>
+          </a:xfrm>
+          <a:prstGeom prst="rect">
+            <a:avLst/>
+          </a:prstGeom>
+          <a:solidFill>
+            <a:srgbClr val="01A687"/>
+          </a:solidFill>
+        </p:spPr>
+        <p:txBody>
+          <a:bodyPr wrap="none" rtlCol="0">
+            <a:spAutoFit/>
+          </a:bodyPr>
+          <a:lstStyle>
+            <a:defPPr>
+              <a:defRPr lang="fr-FR"/>
+            </a:defPPr>
+            <a:lvl1pPr algn="r">
+              <a:defRPr sz="1000">
+                <a:solidFill>
+                  <a:schemeClr val="bg1"/>
+                </a:solidFill>
+                <a:latin typeface="Courier New" panose="02070309020205020404" pitchFamily="49" charset="0"/>
+                <a:cs typeface="Courier New" panose="02070309020205020404" pitchFamily="49" charset="0"/>
+              </a:defRPr>
+            </a:lvl1pPr>
+          </a:lstStyle>
+          <a:p>
+            <a:r>
+              <a:rPr lang="fr-FR" dirty="0"/>
+              <a:t>Confluent</a:t>
+            </a:r>
+          </a:p>
+        </p:txBody>
+      </p:sp>
+      <p:sp>
+        <p:nvSpPr>
+          <p:cNvPr id="123" name="ZoneTexte 122">
+            <a:extLst>
+              <a:ext uri="{FF2B5EF4-FFF2-40B4-BE49-F238E27FC236}">
+                <a16:creationId xmlns:a16="http://schemas.microsoft.com/office/drawing/2014/main" id="{7744ACCC-E521-AA6B-EEE4-69012276CA6C}"/>
+              </a:ext>
+            </a:extLst>
+          </p:cNvPr>
+          <p:cNvSpPr txBox="1"/>
+          <p:nvPr/>
+        </p:nvSpPr>
+        <p:spPr>
+          <a:xfrm>
+            <a:off x="3568426" y="5873913"/>
+            <a:ext cx="877163" cy="246221"/>
+          </a:xfrm>
+          <a:prstGeom prst="rect">
+            <a:avLst/>
+          </a:prstGeom>
+          <a:solidFill>
+            <a:srgbClr val="01A687"/>
+          </a:solidFill>
+        </p:spPr>
+        <p:txBody>
+          <a:bodyPr wrap="none" rtlCol="0">
+            <a:spAutoFit/>
+          </a:bodyPr>
+          <a:lstStyle>
+            <a:defPPr>
+              <a:defRPr lang="fr-FR"/>
+            </a:defPPr>
+            <a:lvl1pPr algn="r">
+              <a:defRPr sz="1000">
+                <a:solidFill>
+                  <a:schemeClr val="bg1"/>
+                </a:solidFill>
+                <a:latin typeface="Courier New" panose="02070309020205020404" pitchFamily="49" charset="0"/>
+                <a:cs typeface="Courier New" panose="02070309020205020404" pitchFamily="49" charset="0"/>
+              </a:defRPr>
+            </a:lvl1pPr>
+          </a:lstStyle>
+          <a:p>
+            <a:r>
+              <a:rPr lang="fr-FR" dirty="0"/>
+              <a:t>Confluent</a:t>
+            </a:r>
+          </a:p>
+        </p:txBody>
+      </p:sp>
+      <p:sp>
+        <p:nvSpPr>
+          <p:cNvPr id="126" name="Rectangle 125">
+            <a:extLst>
+              <a:ext uri="{FF2B5EF4-FFF2-40B4-BE49-F238E27FC236}">
+                <a16:creationId xmlns:a16="http://schemas.microsoft.com/office/drawing/2014/main" id="{5160B526-7C7F-C3B1-69D1-98B59674A2DF}"/>
+              </a:ext>
+            </a:extLst>
+          </p:cNvPr>
+          <p:cNvSpPr/>
+          <p:nvPr/>
+        </p:nvSpPr>
+        <p:spPr>
+          <a:xfrm>
+            <a:off x="5209469" y="361355"/>
+            <a:ext cx="914400" cy="914400"/>
+          </a:xfrm>
+          <a:prstGeom prst="rect">
+            <a:avLst/>
+          </a:prstGeom>
+          <a:solidFill>
+            <a:srgbClr val="FDC871"/>
+          </a:solidFill>
+          <a:ln w="28575"/>
+        </p:spPr>
+        <p:style>
+          <a:lnRef idx="2">
+            <a:schemeClr val="accent1">
+              <a:shade val="15000"/>
+            </a:schemeClr>
+          </a:lnRef>
+          <a:fillRef idx="1">
+            <a:schemeClr val="accent1"/>
+          </a:fillRef>
+          <a:effectRef idx="0">
+            <a:schemeClr val="accent1"/>
+          </a:effectRef>
+          <a:fontRef idx="minor">
+            <a:schemeClr val="lt1"/>
+          </a:fontRef>
+        </p:style>
+        <p:txBody>
+          <a:bodyPr rtlCol="0" anchor="ctr"/>
+          <a:lstStyle/>
+          <a:p>
+            <a:pPr algn="ctr"/>
+            <a:r>
+              <a:rPr lang="fr-FR" sz="1100" dirty="0">
+                <a:solidFill>
+                  <a:schemeClr val="tx1"/>
+                </a:solidFill>
+                <a:latin typeface="Courier New" panose="02070309020205020404" pitchFamily="49" charset="0"/>
+                <a:cs typeface="Courier New" panose="02070309020205020404" pitchFamily="49" charset="0"/>
+              </a:rPr>
+              <a:t>Train</a:t>
+            </a:r>
+          </a:p>
+        </p:txBody>
+      </p:sp>
+      <p:pic>
+        <p:nvPicPr>
+          <p:cNvPr id="1026" name="Picture 2" descr="Backlog - Free ui icons">
+            <a:extLst>
+              <a:ext uri="{FF2B5EF4-FFF2-40B4-BE49-F238E27FC236}">
+                <a16:creationId xmlns:a16="http://schemas.microsoft.com/office/drawing/2014/main" id="{AE53F4A2-C93F-7C01-C386-3FEA6ACCCF27}"/>
+              </a:ext>
+            </a:extLst>
+          </p:cNvPr>
+          <p:cNvPicPr>
+            <a:picLocks noChangeAspect="1" noChangeArrowheads="1"/>
+          </p:cNvPicPr>
+          <p:nvPr/>
+        </p:nvPicPr>
+        <p:blipFill>
+          <a:blip r:embed="rId11">
+            <a:extLst>
+              <a:ext uri="{28A0092B-C50C-407E-A947-70E740481C1C}">
+                <a14:useLocalDpi xmlns:a14="http://schemas.microsoft.com/office/drawing/2010/main" val="0"/>
+              </a:ext>
+            </a:extLst>
+          </a:blip>
+          <a:srcRect/>
+          <a:stretch>
+            <a:fillRect/>
+          </a:stretch>
+        </p:blipFill>
+        <p:spPr bwMode="auto">
+          <a:xfrm>
+            <a:off x="3815028" y="4880594"/>
+            <a:ext cx="942512" cy="942512"/>
+          </a:xfrm>
+          <a:prstGeom prst="rect">
+            <a:avLst/>
+          </a:prstGeom>
+          <a:noFill/>
+          <a:extLst>
+            <a:ext uri="{909E8E84-426E-40DD-AFC4-6F175D3DCCD1}">
+              <a14:hiddenFill xmlns:a14="http://schemas.microsoft.com/office/drawing/2010/main">
+                <a:solidFill>
+                  <a:srgbClr val="FFFFFF"/>
+                </a:solidFill>
+              </a14:hiddenFill>
+            </a:ext>
+          </a:extLst>
+        </p:spPr>
+      </p:pic>
+      <p:sp>
+        <p:nvSpPr>
+          <p:cNvPr id="148" name="ZoneTexte 147">
+            <a:extLst>
+              <a:ext uri="{FF2B5EF4-FFF2-40B4-BE49-F238E27FC236}">
+                <a16:creationId xmlns:a16="http://schemas.microsoft.com/office/drawing/2014/main" id="{00DC7F9E-B19C-BCF9-C71B-C90118249676}"/>
+              </a:ext>
+            </a:extLst>
+          </p:cNvPr>
+          <p:cNvSpPr txBox="1"/>
+          <p:nvPr/>
+        </p:nvSpPr>
+        <p:spPr>
+          <a:xfrm>
+            <a:off x="3197543" y="5218753"/>
+            <a:ext cx="723275" cy="246221"/>
+          </a:xfrm>
+          <a:prstGeom prst="rect">
+            <a:avLst/>
+          </a:prstGeom>
+          <a:noFill/>
+        </p:spPr>
+        <p:txBody>
+          <a:bodyPr wrap="none" rtlCol="0">
+            <a:spAutoFit/>
+          </a:bodyPr>
+          <a:lstStyle/>
+          <a:p>
+            <a:pPr algn="r"/>
+            <a:r>
+              <a:rPr lang="fr-FR" sz="1000" dirty="0">
+                <a:latin typeface="Courier New" panose="02070309020205020404" pitchFamily="49" charset="0"/>
+                <a:cs typeface="Courier New" panose="02070309020205020404" pitchFamily="49" charset="0"/>
+              </a:rPr>
+              <a:t>Topic_1</a:t>
+            </a:r>
+            <a:endParaRPr lang="fr-FR" sz="1000" baseline="30000" dirty="0">
+              <a:latin typeface="Courier New" panose="02070309020205020404" pitchFamily="49" charset="0"/>
+              <a:cs typeface="Courier New" panose="02070309020205020404" pitchFamily="49" charset="0"/>
+            </a:endParaRPr>
+          </a:p>
+        </p:txBody>
+      </p:sp>
+      <p:pic>
+        <p:nvPicPr>
+          <p:cNvPr id="149" name="Picture 2" descr="Backlog - Free ui icons">
+            <a:extLst>
+              <a:ext uri="{FF2B5EF4-FFF2-40B4-BE49-F238E27FC236}">
+                <a16:creationId xmlns:a16="http://schemas.microsoft.com/office/drawing/2014/main" id="{584B21BB-6EED-723D-A536-52D94941BAF0}"/>
+              </a:ext>
+            </a:extLst>
+          </p:cNvPr>
+          <p:cNvPicPr>
+            <a:picLocks noChangeAspect="1" noChangeArrowheads="1"/>
+          </p:cNvPicPr>
+          <p:nvPr/>
+        </p:nvPicPr>
+        <p:blipFill>
+          <a:blip r:embed="rId11">
+            <a:extLst>
+              <a:ext uri="{28A0092B-C50C-407E-A947-70E740481C1C}">
+                <a14:useLocalDpi xmlns:a14="http://schemas.microsoft.com/office/drawing/2010/main" val="0"/>
+              </a:ext>
+            </a:extLst>
+          </a:blip>
+          <a:srcRect/>
+          <a:stretch>
+            <a:fillRect/>
+          </a:stretch>
+        </p:blipFill>
+        <p:spPr bwMode="auto">
+          <a:xfrm>
+            <a:off x="6680987" y="4883134"/>
+            <a:ext cx="942512" cy="942512"/>
+          </a:xfrm>
+          <a:prstGeom prst="rect">
+            <a:avLst/>
+          </a:prstGeom>
+          <a:noFill/>
+          <a:extLst>
+            <a:ext uri="{909E8E84-426E-40DD-AFC4-6F175D3DCCD1}">
+              <a14:hiddenFill xmlns:a14="http://schemas.microsoft.com/office/drawing/2010/main">
+                <a:solidFill>
+                  <a:srgbClr val="FFFFFF"/>
+                </a:solidFill>
+              </a14:hiddenFill>
+            </a:ext>
+          </a:extLst>
+        </p:spPr>
+      </p:pic>
+      <p:sp>
+        <p:nvSpPr>
+          <p:cNvPr id="150" name="ZoneTexte 149">
+            <a:extLst>
+              <a:ext uri="{FF2B5EF4-FFF2-40B4-BE49-F238E27FC236}">
+                <a16:creationId xmlns:a16="http://schemas.microsoft.com/office/drawing/2014/main" id="{4332A384-AF4A-ADE8-4A0B-FFC32213956F}"/>
+              </a:ext>
+            </a:extLst>
+          </p:cNvPr>
+          <p:cNvSpPr txBox="1"/>
+          <p:nvPr/>
+        </p:nvSpPr>
+        <p:spPr>
+          <a:xfrm>
+            <a:off x="7356391" y="5562581"/>
+            <a:ext cx="723275" cy="246221"/>
+          </a:xfrm>
+          <a:prstGeom prst="rect">
+            <a:avLst/>
+          </a:prstGeom>
+          <a:noFill/>
+        </p:spPr>
+        <p:txBody>
+          <a:bodyPr wrap="none" rtlCol="0">
+            <a:spAutoFit/>
+          </a:bodyPr>
+          <a:lstStyle/>
+          <a:p>
+            <a:r>
+              <a:rPr lang="fr-FR" sz="1000" dirty="0">
+                <a:latin typeface="Courier New" panose="02070309020205020404" pitchFamily="49" charset="0"/>
+                <a:cs typeface="Courier New" panose="02070309020205020404" pitchFamily="49" charset="0"/>
+              </a:rPr>
+              <a:t>Topic_2</a:t>
+            </a:r>
+            <a:endParaRPr lang="fr-FR" sz="1000" baseline="30000" dirty="0">
+              <a:latin typeface="Courier New" panose="02070309020205020404" pitchFamily="49" charset="0"/>
+              <a:cs typeface="Courier New" panose="02070309020205020404" pitchFamily="49" charset="0"/>
+            </a:endParaRPr>
+          </a:p>
+        </p:txBody>
+      </p:sp>
+      <p:grpSp>
+        <p:nvGrpSpPr>
+          <p:cNvPr id="155" name="Groupe 154">
+            <a:extLst>
+              <a:ext uri="{FF2B5EF4-FFF2-40B4-BE49-F238E27FC236}">
+                <a16:creationId xmlns:a16="http://schemas.microsoft.com/office/drawing/2014/main" id="{6C550BD5-C09B-9F07-A20C-7136651A11CD}"/>
+              </a:ext>
+            </a:extLst>
+          </p:cNvPr>
+          <p:cNvGrpSpPr/>
+          <p:nvPr/>
+        </p:nvGrpSpPr>
+        <p:grpSpPr>
+          <a:xfrm>
+            <a:off x="1559687" y="3269948"/>
+            <a:ext cx="723275" cy="632298"/>
+            <a:chOff x="1629740" y="4604058"/>
+            <a:chExt cx="723275" cy="632298"/>
+          </a:xfrm>
+        </p:grpSpPr>
+        <p:pic>
+          <p:nvPicPr>
+            <p:cNvPr id="152" name="Image 151">
+              <a:extLst>
+                <a:ext uri="{FF2B5EF4-FFF2-40B4-BE49-F238E27FC236}">
+                  <a16:creationId xmlns:a16="http://schemas.microsoft.com/office/drawing/2014/main" id="{ACF1AA5B-1455-EB53-DC5E-430F98ECC6D3}"/>
+                </a:ext>
+              </a:extLst>
+            </p:cNvPr>
+            <p:cNvPicPr>
+              <a:picLocks noChangeAspect="1"/>
+            </p:cNvPicPr>
+            <p:nvPr/>
+          </p:nvPicPr>
+          <p:blipFill>
+            <a:blip r:embed="rId12">
+              <a:duotone>
+                <a:schemeClr val="accent6">
+                  <a:shade val="45000"/>
+                  <a:satMod val="135000"/>
+                </a:schemeClr>
+                <a:prstClr val="white"/>
+              </a:duotone>
+            </a:blip>
+            <a:stretch>
+              <a:fillRect/>
+            </a:stretch>
+          </p:blipFill>
+          <p:spPr>
+            <a:xfrm>
+              <a:off x="1719696" y="4604058"/>
+              <a:ext cx="511335" cy="511335"/>
+            </a:xfrm>
+            <a:prstGeom prst="rect">
+              <a:avLst/>
+            </a:prstGeom>
+          </p:spPr>
+        </p:pic>
+        <p:sp>
+          <p:nvSpPr>
+            <p:cNvPr id="153" name="ZoneTexte 152">
+              <a:extLst>
+                <a:ext uri="{FF2B5EF4-FFF2-40B4-BE49-F238E27FC236}">
+                  <a16:creationId xmlns:a16="http://schemas.microsoft.com/office/drawing/2014/main" id="{24F79AB4-FC98-BE39-1B7C-92D5C60F257F}"/>
+                </a:ext>
+              </a:extLst>
+            </p:cNvPr>
+            <p:cNvSpPr txBox="1"/>
+            <p:nvPr/>
+          </p:nvSpPr>
+          <p:spPr>
+            <a:xfrm>
+              <a:off x="1629740" y="4990135"/>
+              <a:ext cx="723275" cy="246221"/>
+            </a:xfrm>
+            <a:prstGeom prst="rect">
+              <a:avLst/>
+            </a:prstGeom>
+            <a:noFill/>
+          </p:spPr>
+          <p:txBody>
+            <a:bodyPr wrap="none" rtlCol="0">
+              <a:spAutoFit/>
+            </a:bodyPr>
+            <a:lstStyle/>
+            <a:p>
+              <a:r>
+                <a:rPr lang="fr-FR" sz="1000" dirty="0">
+                  <a:latin typeface="Courier New" panose="02070309020205020404" pitchFamily="49" charset="0"/>
+                  <a:cs typeface="Courier New" panose="02070309020205020404" pitchFamily="49" charset="0"/>
+                </a:rPr>
+                <a:t>Speed 1</a:t>
+              </a:r>
+              <a:endParaRPr lang="fr-FR" sz="1000" baseline="30000" dirty="0">
+                <a:latin typeface="Courier New" panose="02070309020205020404" pitchFamily="49" charset="0"/>
+                <a:cs typeface="Courier New" panose="02070309020205020404" pitchFamily="49" charset="0"/>
+              </a:endParaRPr>
+            </a:p>
+          </p:txBody>
+        </p:sp>
+      </p:grpSp>
+      <p:grpSp>
+        <p:nvGrpSpPr>
+          <p:cNvPr id="156" name="Groupe 155">
+            <a:extLst>
+              <a:ext uri="{FF2B5EF4-FFF2-40B4-BE49-F238E27FC236}">
+                <a16:creationId xmlns:a16="http://schemas.microsoft.com/office/drawing/2014/main" id="{0C77C98D-5E1E-2CE1-B70F-2BC2C03F295B}"/>
+              </a:ext>
+            </a:extLst>
+          </p:cNvPr>
+          <p:cNvGrpSpPr/>
+          <p:nvPr/>
+        </p:nvGrpSpPr>
+        <p:grpSpPr>
+          <a:xfrm>
+            <a:off x="4400033" y="3269948"/>
+            <a:ext cx="723275" cy="632298"/>
+            <a:chOff x="1629740" y="4604058"/>
+            <a:chExt cx="723275" cy="632298"/>
+          </a:xfrm>
+        </p:grpSpPr>
+        <p:pic>
+          <p:nvPicPr>
+            <p:cNvPr id="157" name="Image 156">
+              <a:extLst>
+                <a:ext uri="{FF2B5EF4-FFF2-40B4-BE49-F238E27FC236}">
+                  <a16:creationId xmlns:a16="http://schemas.microsoft.com/office/drawing/2014/main" id="{82404462-12BC-1AA6-D0B1-924DD52C2746}"/>
+                </a:ext>
+              </a:extLst>
+            </p:cNvPr>
+            <p:cNvPicPr>
+              <a:picLocks noChangeAspect="1"/>
+            </p:cNvPicPr>
+            <p:nvPr/>
+          </p:nvPicPr>
+          <p:blipFill>
+            <a:blip r:embed="rId12">
+              <a:duotone>
+                <a:schemeClr val="accent2">
+                  <a:shade val="45000"/>
+                  <a:satMod val="135000"/>
+                </a:schemeClr>
+                <a:prstClr val="white"/>
+              </a:duotone>
+            </a:blip>
+            <a:stretch>
+              <a:fillRect/>
+            </a:stretch>
+          </p:blipFill>
+          <p:spPr>
+            <a:xfrm>
+              <a:off x="1719696" y="4604058"/>
+              <a:ext cx="511335" cy="511335"/>
+            </a:xfrm>
+            <a:prstGeom prst="rect">
+              <a:avLst/>
+            </a:prstGeom>
+          </p:spPr>
+        </p:pic>
+        <p:sp>
+          <p:nvSpPr>
+            <p:cNvPr id="158" name="ZoneTexte 157">
+              <a:extLst>
+                <a:ext uri="{FF2B5EF4-FFF2-40B4-BE49-F238E27FC236}">
+                  <a16:creationId xmlns:a16="http://schemas.microsoft.com/office/drawing/2014/main" id="{9F8D9920-E730-FE46-BD33-6622E5BA7701}"/>
+                </a:ext>
+              </a:extLst>
+            </p:cNvPr>
+            <p:cNvSpPr txBox="1"/>
+            <p:nvPr/>
+          </p:nvSpPr>
+          <p:spPr>
+            <a:xfrm>
+              <a:off x="1629740" y="4990135"/>
+              <a:ext cx="723275" cy="246221"/>
+            </a:xfrm>
+            <a:prstGeom prst="rect">
+              <a:avLst/>
+            </a:prstGeom>
+            <a:noFill/>
+          </p:spPr>
+          <p:txBody>
+            <a:bodyPr wrap="none" rtlCol="0">
+              <a:spAutoFit/>
+            </a:bodyPr>
+            <a:lstStyle/>
+            <a:p>
+              <a:r>
+                <a:rPr lang="fr-FR" sz="1000" dirty="0">
+                  <a:latin typeface="Courier New" panose="02070309020205020404" pitchFamily="49" charset="0"/>
+                  <a:cs typeface="Courier New" panose="02070309020205020404" pitchFamily="49" charset="0"/>
+                </a:rPr>
+                <a:t>Speed 2</a:t>
+              </a:r>
+              <a:endParaRPr lang="fr-FR" sz="1000" baseline="30000" dirty="0">
+                <a:latin typeface="Courier New" panose="02070309020205020404" pitchFamily="49" charset="0"/>
+                <a:cs typeface="Courier New" panose="02070309020205020404" pitchFamily="49" charset="0"/>
+              </a:endParaRPr>
+            </a:p>
+          </p:txBody>
+        </p:sp>
+      </p:grpSp>
+      <p:grpSp>
+        <p:nvGrpSpPr>
+          <p:cNvPr id="159" name="Groupe 158">
+            <a:extLst>
+              <a:ext uri="{FF2B5EF4-FFF2-40B4-BE49-F238E27FC236}">
+                <a16:creationId xmlns:a16="http://schemas.microsoft.com/office/drawing/2014/main" id="{B45664BA-7AE1-B13B-03A6-4FFE698EAE99}"/>
+              </a:ext>
+            </a:extLst>
+          </p:cNvPr>
+          <p:cNvGrpSpPr/>
+          <p:nvPr/>
+        </p:nvGrpSpPr>
+        <p:grpSpPr>
+          <a:xfrm>
+            <a:off x="7204405" y="3269948"/>
+            <a:ext cx="723275" cy="632298"/>
+            <a:chOff x="1629740" y="4604058"/>
+            <a:chExt cx="723275" cy="632298"/>
+          </a:xfrm>
+        </p:grpSpPr>
+        <p:pic>
+          <p:nvPicPr>
+            <p:cNvPr id="160" name="Image 159">
+              <a:extLst>
+                <a:ext uri="{FF2B5EF4-FFF2-40B4-BE49-F238E27FC236}">
+                  <a16:creationId xmlns:a16="http://schemas.microsoft.com/office/drawing/2014/main" id="{6E6B89E2-84FE-F4FD-FFE7-19FB5AE4DE49}"/>
+                </a:ext>
+              </a:extLst>
+            </p:cNvPr>
+            <p:cNvPicPr>
+              <a:picLocks noChangeAspect="1"/>
+            </p:cNvPicPr>
+            <p:nvPr/>
+          </p:nvPicPr>
+          <p:blipFill>
+            <a:blip r:embed="rId12">
+              <a:duotone>
+                <a:schemeClr val="accent5">
+                  <a:shade val="45000"/>
+                  <a:satMod val="135000"/>
+                </a:schemeClr>
+                <a:prstClr val="white"/>
+              </a:duotone>
+            </a:blip>
+            <a:stretch>
+              <a:fillRect/>
+            </a:stretch>
+          </p:blipFill>
+          <p:spPr>
+            <a:xfrm>
+              <a:off x="1719696" y="4604058"/>
+              <a:ext cx="511335" cy="511335"/>
+            </a:xfrm>
+            <a:prstGeom prst="rect">
+              <a:avLst/>
+            </a:prstGeom>
+          </p:spPr>
+        </p:pic>
+        <p:sp>
+          <p:nvSpPr>
+            <p:cNvPr id="161" name="ZoneTexte 160">
+              <a:extLst>
+                <a:ext uri="{FF2B5EF4-FFF2-40B4-BE49-F238E27FC236}">
+                  <a16:creationId xmlns:a16="http://schemas.microsoft.com/office/drawing/2014/main" id="{D5CD7F13-746F-133D-937D-94C0CDD5D6EA}"/>
+                </a:ext>
+              </a:extLst>
+            </p:cNvPr>
+            <p:cNvSpPr txBox="1"/>
+            <p:nvPr/>
+          </p:nvSpPr>
+          <p:spPr>
+            <a:xfrm>
+              <a:off x="1629740" y="4990135"/>
+              <a:ext cx="723275" cy="246221"/>
+            </a:xfrm>
+            <a:prstGeom prst="rect">
+              <a:avLst/>
+            </a:prstGeom>
+            <a:noFill/>
+          </p:spPr>
+          <p:txBody>
+            <a:bodyPr wrap="none" rtlCol="0">
+              <a:spAutoFit/>
+            </a:bodyPr>
+            <a:lstStyle/>
+            <a:p>
+              <a:r>
+                <a:rPr lang="fr-FR" sz="1000" dirty="0">
+                  <a:latin typeface="Courier New" panose="02070309020205020404" pitchFamily="49" charset="0"/>
+                  <a:cs typeface="Courier New" panose="02070309020205020404" pitchFamily="49" charset="0"/>
+                </a:rPr>
+                <a:t>Speed 3</a:t>
+              </a:r>
+              <a:endParaRPr lang="fr-FR" sz="1000" baseline="30000" dirty="0">
+                <a:latin typeface="Courier New" panose="02070309020205020404" pitchFamily="49" charset="0"/>
+                <a:cs typeface="Courier New" panose="02070309020205020404" pitchFamily="49" charset="0"/>
+              </a:endParaRPr>
+            </a:p>
+          </p:txBody>
+        </p:sp>
+      </p:grpSp>
+      <p:grpSp>
+        <p:nvGrpSpPr>
+          <p:cNvPr id="162" name="Groupe 161">
+            <a:extLst>
+              <a:ext uri="{FF2B5EF4-FFF2-40B4-BE49-F238E27FC236}">
+                <a16:creationId xmlns:a16="http://schemas.microsoft.com/office/drawing/2014/main" id="{FF51F5F5-B9CC-FE1F-F667-9EF52DD4DBD3}"/>
+              </a:ext>
+            </a:extLst>
+          </p:cNvPr>
+          <p:cNvGrpSpPr/>
+          <p:nvPr/>
+        </p:nvGrpSpPr>
+        <p:grpSpPr>
+          <a:xfrm>
+            <a:off x="3515542" y="3269948"/>
+            <a:ext cx="723275" cy="632298"/>
+            <a:chOff x="1629740" y="4604058"/>
+            <a:chExt cx="723275" cy="632298"/>
+          </a:xfrm>
+        </p:grpSpPr>
+        <p:pic>
+          <p:nvPicPr>
+            <p:cNvPr id="163" name="Image 162">
+              <a:extLst>
+                <a:ext uri="{FF2B5EF4-FFF2-40B4-BE49-F238E27FC236}">
+                  <a16:creationId xmlns:a16="http://schemas.microsoft.com/office/drawing/2014/main" id="{7D1C57C7-0877-4E2E-CD76-01E14A02B788}"/>
+                </a:ext>
+              </a:extLst>
+            </p:cNvPr>
+            <p:cNvPicPr>
+              <a:picLocks noChangeAspect="1"/>
+            </p:cNvPicPr>
+            <p:nvPr/>
+          </p:nvPicPr>
+          <p:blipFill>
+            <a:blip r:embed="rId12">
+              <a:duotone>
+                <a:schemeClr val="accent6">
+                  <a:shade val="45000"/>
+                  <a:satMod val="135000"/>
+                </a:schemeClr>
+                <a:prstClr val="white"/>
+              </a:duotone>
+            </a:blip>
+            <a:stretch>
+              <a:fillRect/>
+            </a:stretch>
+          </p:blipFill>
+          <p:spPr>
+            <a:xfrm>
+              <a:off x="1719696" y="4604058"/>
+              <a:ext cx="511335" cy="511335"/>
+            </a:xfrm>
+            <a:prstGeom prst="rect">
+              <a:avLst/>
+            </a:prstGeom>
+          </p:spPr>
+        </p:pic>
+        <p:sp>
+          <p:nvSpPr>
+            <p:cNvPr id="164" name="ZoneTexte 163">
+              <a:extLst>
+                <a:ext uri="{FF2B5EF4-FFF2-40B4-BE49-F238E27FC236}">
+                  <a16:creationId xmlns:a16="http://schemas.microsoft.com/office/drawing/2014/main" id="{79D57835-DFB1-2C3E-0120-5F40D4A28F3F}"/>
+                </a:ext>
+              </a:extLst>
+            </p:cNvPr>
+            <p:cNvSpPr txBox="1"/>
+            <p:nvPr/>
+          </p:nvSpPr>
+          <p:spPr>
+            <a:xfrm>
+              <a:off x="1629740" y="4990135"/>
+              <a:ext cx="723275" cy="246221"/>
+            </a:xfrm>
+            <a:prstGeom prst="rect">
+              <a:avLst/>
+            </a:prstGeom>
+            <a:noFill/>
+          </p:spPr>
+          <p:txBody>
+            <a:bodyPr wrap="none" rtlCol="0">
+              <a:spAutoFit/>
+            </a:bodyPr>
+            <a:lstStyle/>
+            <a:p>
+              <a:r>
+                <a:rPr lang="fr-FR" sz="1000" dirty="0">
+                  <a:latin typeface="Courier New" panose="02070309020205020404" pitchFamily="49" charset="0"/>
+                  <a:cs typeface="Courier New" panose="02070309020205020404" pitchFamily="49" charset="0"/>
+                </a:rPr>
+                <a:t>Speed 1</a:t>
+              </a:r>
+              <a:endParaRPr lang="fr-FR" sz="1000" baseline="30000" dirty="0">
+                <a:latin typeface="Courier New" panose="02070309020205020404" pitchFamily="49" charset="0"/>
+                <a:cs typeface="Courier New" panose="02070309020205020404" pitchFamily="49" charset="0"/>
+              </a:endParaRPr>
+            </a:p>
+          </p:txBody>
+        </p:sp>
+      </p:grpSp>
+      <p:grpSp>
+        <p:nvGrpSpPr>
+          <p:cNvPr id="165" name="Groupe 164">
+            <a:extLst>
+              <a:ext uri="{FF2B5EF4-FFF2-40B4-BE49-F238E27FC236}">
+                <a16:creationId xmlns:a16="http://schemas.microsoft.com/office/drawing/2014/main" id="{62FE06FC-E755-E5C4-3E68-4073EA304489}"/>
+              </a:ext>
+            </a:extLst>
+          </p:cNvPr>
+          <p:cNvGrpSpPr/>
+          <p:nvPr/>
+        </p:nvGrpSpPr>
+        <p:grpSpPr>
+          <a:xfrm>
+            <a:off x="6340383" y="3269948"/>
+            <a:ext cx="723275" cy="632298"/>
+            <a:chOff x="1629740" y="4604058"/>
+            <a:chExt cx="723275" cy="632298"/>
+          </a:xfrm>
+        </p:grpSpPr>
+        <p:pic>
+          <p:nvPicPr>
+            <p:cNvPr id="166" name="Image 165">
+              <a:extLst>
+                <a:ext uri="{FF2B5EF4-FFF2-40B4-BE49-F238E27FC236}">
+                  <a16:creationId xmlns:a16="http://schemas.microsoft.com/office/drawing/2014/main" id="{72BCE967-8F1D-4A5D-C16F-B1F65F81FB27}"/>
+                </a:ext>
+              </a:extLst>
+            </p:cNvPr>
+            <p:cNvPicPr>
+              <a:picLocks noChangeAspect="1"/>
+            </p:cNvPicPr>
+            <p:nvPr/>
+          </p:nvPicPr>
+          <p:blipFill>
+            <a:blip r:embed="rId12">
+              <a:duotone>
+                <a:schemeClr val="accent2">
+                  <a:shade val="45000"/>
+                  <a:satMod val="135000"/>
+                </a:schemeClr>
+                <a:prstClr val="white"/>
+              </a:duotone>
+            </a:blip>
+            <a:stretch>
+              <a:fillRect/>
+            </a:stretch>
+          </p:blipFill>
+          <p:spPr>
+            <a:xfrm>
+              <a:off x="1719696" y="4604058"/>
+              <a:ext cx="511335" cy="511335"/>
+            </a:xfrm>
+            <a:prstGeom prst="rect">
+              <a:avLst/>
+            </a:prstGeom>
+          </p:spPr>
+        </p:pic>
+        <p:sp>
+          <p:nvSpPr>
+            <p:cNvPr id="167" name="ZoneTexte 166">
+              <a:extLst>
+                <a:ext uri="{FF2B5EF4-FFF2-40B4-BE49-F238E27FC236}">
+                  <a16:creationId xmlns:a16="http://schemas.microsoft.com/office/drawing/2014/main" id="{071344E7-9508-6712-EDBD-5AD8BA4462CC}"/>
+                </a:ext>
+              </a:extLst>
+            </p:cNvPr>
+            <p:cNvSpPr txBox="1"/>
+            <p:nvPr/>
+          </p:nvSpPr>
+          <p:spPr>
+            <a:xfrm>
+              <a:off x="1629740" y="4990135"/>
+              <a:ext cx="723275" cy="246221"/>
+            </a:xfrm>
+            <a:prstGeom prst="rect">
+              <a:avLst/>
+            </a:prstGeom>
+            <a:noFill/>
+          </p:spPr>
+          <p:txBody>
+            <a:bodyPr wrap="none" rtlCol="0">
+              <a:spAutoFit/>
+            </a:bodyPr>
+            <a:lstStyle/>
+            <a:p>
+              <a:r>
+                <a:rPr lang="fr-FR" sz="1000" dirty="0">
+                  <a:latin typeface="Courier New" panose="02070309020205020404" pitchFamily="49" charset="0"/>
+                  <a:cs typeface="Courier New" panose="02070309020205020404" pitchFamily="49" charset="0"/>
+                </a:rPr>
+                <a:t>Speed 2</a:t>
+              </a:r>
+              <a:endParaRPr lang="fr-FR" sz="1000" baseline="30000" dirty="0">
+                <a:latin typeface="Courier New" panose="02070309020205020404" pitchFamily="49" charset="0"/>
+                <a:cs typeface="Courier New" panose="02070309020205020404" pitchFamily="49" charset="0"/>
+              </a:endParaRPr>
+            </a:p>
+          </p:txBody>
+        </p:sp>
+      </p:grpSp>
+      <p:grpSp>
+        <p:nvGrpSpPr>
+          <p:cNvPr id="168" name="Groupe 167">
+            <a:extLst>
+              <a:ext uri="{FF2B5EF4-FFF2-40B4-BE49-F238E27FC236}">
+                <a16:creationId xmlns:a16="http://schemas.microsoft.com/office/drawing/2014/main" id="{2E9B084E-AEEE-C270-2161-0AEC530952D9}"/>
+              </a:ext>
+            </a:extLst>
+          </p:cNvPr>
+          <p:cNvGrpSpPr/>
+          <p:nvPr/>
+        </p:nvGrpSpPr>
+        <p:grpSpPr>
+          <a:xfrm>
+            <a:off x="9182810" y="3269948"/>
+            <a:ext cx="723275" cy="632298"/>
+            <a:chOff x="1629740" y="4604058"/>
+            <a:chExt cx="723275" cy="632298"/>
+          </a:xfrm>
+        </p:grpSpPr>
+        <p:pic>
+          <p:nvPicPr>
+            <p:cNvPr id="169" name="Image 168">
+              <a:extLst>
+                <a:ext uri="{FF2B5EF4-FFF2-40B4-BE49-F238E27FC236}">
+                  <a16:creationId xmlns:a16="http://schemas.microsoft.com/office/drawing/2014/main" id="{76C2F489-FDE4-7454-5A55-FE07541A97DA}"/>
+                </a:ext>
+              </a:extLst>
+            </p:cNvPr>
+            <p:cNvPicPr>
+              <a:picLocks noChangeAspect="1"/>
+            </p:cNvPicPr>
+            <p:nvPr/>
+          </p:nvPicPr>
+          <p:blipFill>
+            <a:blip r:embed="rId12">
+              <a:duotone>
+                <a:schemeClr val="accent5">
+                  <a:shade val="45000"/>
+                  <a:satMod val="135000"/>
+                </a:schemeClr>
+                <a:prstClr val="white"/>
+              </a:duotone>
+            </a:blip>
+            <a:stretch>
+              <a:fillRect/>
+            </a:stretch>
+          </p:blipFill>
+          <p:spPr>
+            <a:xfrm>
+              <a:off x="1719696" y="4604058"/>
+              <a:ext cx="511335" cy="511335"/>
+            </a:xfrm>
+            <a:prstGeom prst="rect">
+              <a:avLst/>
+            </a:prstGeom>
+          </p:spPr>
+        </p:pic>
+        <p:sp>
+          <p:nvSpPr>
+            <p:cNvPr id="170" name="ZoneTexte 169">
+              <a:extLst>
+                <a:ext uri="{FF2B5EF4-FFF2-40B4-BE49-F238E27FC236}">
+                  <a16:creationId xmlns:a16="http://schemas.microsoft.com/office/drawing/2014/main" id="{F36E33B7-5EBC-A7CC-6F7C-BCD6899A7640}"/>
+                </a:ext>
+              </a:extLst>
+            </p:cNvPr>
+            <p:cNvSpPr txBox="1"/>
+            <p:nvPr/>
+          </p:nvSpPr>
+          <p:spPr>
+            <a:xfrm>
+              <a:off x="1629740" y="4990135"/>
+              <a:ext cx="723275" cy="246221"/>
+            </a:xfrm>
+            <a:prstGeom prst="rect">
+              <a:avLst/>
+            </a:prstGeom>
+            <a:noFill/>
+          </p:spPr>
+          <p:txBody>
+            <a:bodyPr wrap="none" rtlCol="0">
+              <a:spAutoFit/>
+            </a:bodyPr>
+            <a:lstStyle/>
+            <a:p>
+              <a:r>
+                <a:rPr lang="fr-FR" sz="1000" dirty="0">
+                  <a:latin typeface="Courier New" panose="02070309020205020404" pitchFamily="49" charset="0"/>
+                  <a:cs typeface="Courier New" panose="02070309020205020404" pitchFamily="49" charset="0"/>
+                </a:rPr>
+                <a:t>Speed 3</a:t>
+              </a:r>
+              <a:endParaRPr lang="fr-FR" sz="1000" baseline="30000" dirty="0">
+                <a:latin typeface="Courier New" panose="02070309020205020404" pitchFamily="49" charset="0"/>
+                <a:cs typeface="Courier New" panose="02070309020205020404" pitchFamily="49" charset="0"/>
+              </a:endParaRPr>
+            </a:p>
+          </p:txBody>
+        </p:sp>
+      </p:grpSp>
+      <p:grpSp>
+        <p:nvGrpSpPr>
+          <p:cNvPr id="171" name="Groupe 170">
+            <a:extLst>
+              <a:ext uri="{FF2B5EF4-FFF2-40B4-BE49-F238E27FC236}">
+                <a16:creationId xmlns:a16="http://schemas.microsoft.com/office/drawing/2014/main" id="{7D68A29C-58FC-F271-1E27-1C265AF950B2}"/>
+              </a:ext>
+            </a:extLst>
+          </p:cNvPr>
+          <p:cNvGrpSpPr/>
+          <p:nvPr/>
+        </p:nvGrpSpPr>
+        <p:grpSpPr>
+          <a:xfrm>
+            <a:off x="9232919" y="236468"/>
+            <a:ext cx="569387" cy="632298"/>
+            <a:chOff x="1679427" y="4604058"/>
+            <a:chExt cx="569387" cy="632298"/>
+          </a:xfrm>
+        </p:grpSpPr>
+        <p:pic>
+          <p:nvPicPr>
+            <p:cNvPr id="172" name="Image 171">
+              <a:extLst>
+                <a:ext uri="{FF2B5EF4-FFF2-40B4-BE49-F238E27FC236}">
+                  <a16:creationId xmlns:a16="http://schemas.microsoft.com/office/drawing/2014/main" id="{2E392806-D107-A138-F7D9-30FB2380BF71}"/>
+                </a:ext>
+              </a:extLst>
+            </p:cNvPr>
+            <p:cNvPicPr>
+              <a:picLocks noChangeAspect="1"/>
+            </p:cNvPicPr>
+            <p:nvPr/>
+          </p:nvPicPr>
+          <p:blipFill>
+            <a:blip r:embed="rId12">
+              <a:duotone>
+                <a:schemeClr val="accent4">
+                  <a:shade val="45000"/>
+                  <a:satMod val="135000"/>
+                </a:schemeClr>
+                <a:prstClr val="white"/>
+              </a:duotone>
+            </a:blip>
+            <a:stretch>
+              <a:fillRect/>
+            </a:stretch>
+          </p:blipFill>
+          <p:spPr>
+            <a:xfrm>
+              <a:off x="1719696" y="4604058"/>
+              <a:ext cx="511335" cy="511335"/>
+            </a:xfrm>
+            <a:prstGeom prst="rect">
+              <a:avLst/>
+            </a:prstGeom>
+          </p:spPr>
+        </p:pic>
+        <p:sp>
+          <p:nvSpPr>
+            <p:cNvPr id="173" name="ZoneTexte 172">
+              <a:extLst>
+                <a:ext uri="{FF2B5EF4-FFF2-40B4-BE49-F238E27FC236}">
+                  <a16:creationId xmlns:a16="http://schemas.microsoft.com/office/drawing/2014/main" id="{F153340A-F558-DBD9-FEB1-35A1157D0C83}"/>
+                </a:ext>
+              </a:extLst>
+            </p:cNvPr>
+            <p:cNvSpPr txBox="1"/>
+            <p:nvPr/>
+          </p:nvSpPr>
+          <p:spPr>
+            <a:xfrm>
+              <a:off x="1679427" y="4990135"/>
+              <a:ext cx="569387" cy="246221"/>
+            </a:xfrm>
+            <a:prstGeom prst="rect">
+              <a:avLst/>
+            </a:prstGeom>
+            <a:noFill/>
+          </p:spPr>
+          <p:txBody>
+            <a:bodyPr wrap="none" rtlCol="0">
+              <a:spAutoFit/>
+            </a:bodyPr>
+            <a:lstStyle/>
+            <a:p>
+              <a:pPr algn="ctr"/>
+              <a:r>
+                <a:rPr lang="fr-FR" sz="1000" dirty="0">
+                  <a:latin typeface="Courier New" panose="02070309020205020404" pitchFamily="49" charset="0"/>
+                  <a:cs typeface="Courier New" panose="02070309020205020404" pitchFamily="49" charset="0"/>
+                </a:rPr>
+                <a:t>Daily</a:t>
+              </a:r>
+              <a:endParaRPr lang="fr-FR" sz="1000" baseline="30000" dirty="0">
+                <a:latin typeface="Courier New" panose="02070309020205020404" pitchFamily="49" charset="0"/>
+                <a:cs typeface="Courier New" panose="02070309020205020404" pitchFamily="49" charset="0"/>
+              </a:endParaRPr>
+            </a:p>
+          </p:txBody>
+        </p:sp>
+      </p:grpSp>
+      <p:grpSp>
+        <p:nvGrpSpPr>
+          <p:cNvPr id="174" name="Groupe 173">
+            <a:extLst>
+              <a:ext uri="{FF2B5EF4-FFF2-40B4-BE49-F238E27FC236}">
+                <a16:creationId xmlns:a16="http://schemas.microsoft.com/office/drawing/2014/main" id="{1B8BF9F4-E2DF-995E-D07C-EA1AAEAE9A3D}"/>
+              </a:ext>
+            </a:extLst>
+          </p:cNvPr>
+          <p:cNvGrpSpPr/>
+          <p:nvPr/>
+        </p:nvGrpSpPr>
+        <p:grpSpPr>
+          <a:xfrm>
+            <a:off x="4573588" y="1293984"/>
+            <a:ext cx="954107" cy="632298"/>
+            <a:chOff x="1487068" y="4604058"/>
+            <a:chExt cx="954107" cy="632298"/>
+          </a:xfrm>
+        </p:grpSpPr>
+        <p:pic>
+          <p:nvPicPr>
+            <p:cNvPr id="175" name="Image 174">
+              <a:extLst>
+                <a:ext uri="{FF2B5EF4-FFF2-40B4-BE49-F238E27FC236}">
+                  <a16:creationId xmlns:a16="http://schemas.microsoft.com/office/drawing/2014/main" id="{472D1F77-779D-888B-4F19-BB898A5FDF28}"/>
+                </a:ext>
+              </a:extLst>
+            </p:cNvPr>
+            <p:cNvPicPr>
+              <a:picLocks noChangeAspect="1"/>
+            </p:cNvPicPr>
+            <p:nvPr/>
+          </p:nvPicPr>
+          <p:blipFill>
+            <a:blip r:embed="rId12">
+              <a:duotone>
+                <a:prstClr val="black"/>
+                <a:srgbClr val="F1C5E0">
+                  <a:tint val="45000"/>
+                  <a:satMod val="400000"/>
+                </a:srgbClr>
+              </a:duotone>
+            </a:blip>
+            <a:stretch>
+              <a:fillRect/>
+            </a:stretch>
+          </p:blipFill>
+          <p:spPr>
+            <a:xfrm>
+              <a:off x="1719696" y="4604058"/>
+              <a:ext cx="511335" cy="511335"/>
+            </a:xfrm>
+            <a:prstGeom prst="rect">
+              <a:avLst/>
+            </a:prstGeom>
+          </p:spPr>
+        </p:pic>
+        <p:sp>
+          <p:nvSpPr>
+            <p:cNvPr id="176" name="ZoneTexte 175">
+              <a:extLst>
+                <a:ext uri="{FF2B5EF4-FFF2-40B4-BE49-F238E27FC236}">
+                  <a16:creationId xmlns:a16="http://schemas.microsoft.com/office/drawing/2014/main" id="{A7E04373-BD58-A440-6C49-CCD67DF51A02}"/>
+                </a:ext>
+              </a:extLst>
+            </p:cNvPr>
+            <p:cNvSpPr txBox="1"/>
+            <p:nvPr/>
+          </p:nvSpPr>
+          <p:spPr>
+            <a:xfrm>
+              <a:off x="1487068" y="4990135"/>
+              <a:ext cx="954107" cy="246221"/>
+            </a:xfrm>
+            <a:prstGeom prst="rect">
+              <a:avLst/>
+            </a:prstGeom>
+            <a:noFill/>
+          </p:spPr>
+          <p:txBody>
+            <a:bodyPr wrap="none" rtlCol="0">
+              <a:spAutoFit/>
+            </a:bodyPr>
+            <a:lstStyle/>
+            <a:p>
+              <a:pPr algn="ctr"/>
+              <a:r>
+                <a:rPr lang="fr-FR" sz="1000" dirty="0">
+                  <a:latin typeface="Courier New" panose="02070309020205020404" pitchFamily="49" charset="0"/>
+                  <a:cs typeface="Courier New" panose="02070309020205020404" pitchFamily="49" charset="0"/>
+                </a:rPr>
+                <a:t>On </a:t>
+              </a:r>
+              <a:r>
+                <a:rPr lang="fr-FR" sz="1000" dirty="0" err="1">
+                  <a:latin typeface="Courier New" panose="02070309020205020404" pitchFamily="49" charset="0"/>
+                  <a:cs typeface="Courier New" panose="02070309020205020404" pitchFamily="49" charset="0"/>
+                </a:rPr>
+                <a:t>request</a:t>
+              </a:r>
+              <a:endParaRPr lang="fr-FR" sz="1000" baseline="30000" dirty="0">
+                <a:latin typeface="Courier New" panose="02070309020205020404" pitchFamily="49" charset="0"/>
+                <a:cs typeface="Courier New" panose="02070309020205020404" pitchFamily="49" charset="0"/>
+              </a:endParaRPr>
+            </a:p>
+          </p:txBody>
+        </p:sp>
+      </p:grpSp>
+      <p:grpSp>
+        <p:nvGrpSpPr>
+          <p:cNvPr id="184" name="Groupe 183">
+            <a:extLst>
+              <a:ext uri="{FF2B5EF4-FFF2-40B4-BE49-F238E27FC236}">
+                <a16:creationId xmlns:a16="http://schemas.microsoft.com/office/drawing/2014/main" id="{01962857-8621-9B9F-16CC-7CE6478C7A38}"/>
+              </a:ext>
+            </a:extLst>
+          </p:cNvPr>
+          <p:cNvGrpSpPr/>
+          <p:nvPr/>
+        </p:nvGrpSpPr>
+        <p:grpSpPr>
+          <a:xfrm>
+            <a:off x="10305765" y="3977622"/>
+            <a:ext cx="569387" cy="632298"/>
+            <a:chOff x="1679427" y="4604058"/>
+            <a:chExt cx="569387" cy="632298"/>
+          </a:xfrm>
+        </p:grpSpPr>
+        <p:pic>
+          <p:nvPicPr>
+            <p:cNvPr id="185" name="Image 184">
+              <a:extLst>
+                <a:ext uri="{FF2B5EF4-FFF2-40B4-BE49-F238E27FC236}">
+                  <a16:creationId xmlns:a16="http://schemas.microsoft.com/office/drawing/2014/main" id="{B8A6FF25-E4C0-A72E-6375-1890659E6287}"/>
+                </a:ext>
+              </a:extLst>
+            </p:cNvPr>
+            <p:cNvPicPr>
+              <a:picLocks noChangeAspect="1"/>
+            </p:cNvPicPr>
+            <p:nvPr/>
+          </p:nvPicPr>
+          <p:blipFill>
+            <a:blip r:embed="rId12">
+              <a:duotone>
+                <a:schemeClr val="accent4">
+                  <a:shade val="45000"/>
+                  <a:satMod val="135000"/>
+                </a:schemeClr>
+                <a:prstClr val="white"/>
+              </a:duotone>
+            </a:blip>
+            <a:stretch>
+              <a:fillRect/>
+            </a:stretch>
+          </p:blipFill>
+          <p:spPr>
+            <a:xfrm>
+              <a:off x="1719696" y="4604058"/>
+              <a:ext cx="511335" cy="511335"/>
+            </a:xfrm>
+            <a:prstGeom prst="rect">
+              <a:avLst/>
+            </a:prstGeom>
+          </p:spPr>
+        </p:pic>
+        <p:sp>
+          <p:nvSpPr>
+            <p:cNvPr id="186" name="ZoneTexte 185">
+              <a:extLst>
+                <a:ext uri="{FF2B5EF4-FFF2-40B4-BE49-F238E27FC236}">
+                  <a16:creationId xmlns:a16="http://schemas.microsoft.com/office/drawing/2014/main" id="{9FCD381A-4D61-13F2-86A6-7B15D1EDE4F0}"/>
+                </a:ext>
+              </a:extLst>
+            </p:cNvPr>
+            <p:cNvSpPr txBox="1"/>
+            <p:nvPr/>
+          </p:nvSpPr>
+          <p:spPr>
+            <a:xfrm>
+              <a:off x="1679427" y="4990135"/>
+              <a:ext cx="569387" cy="246221"/>
+            </a:xfrm>
+            <a:prstGeom prst="rect">
+              <a:avLst/>
+            </a:prstGeom>
+            <a:noFill/>
+          </p:spPr>
+          <p:txBody>
+            <a:bodyPr wrap="none" rtlCol="0">
+              <a:spAutoFit/>
+            </a:bodyPr>
+            <a:lstStyle/>
+            <a:p>
+              <a:pPr algn="ctr"/>
+              <a:r>
+                <a:rPr lang="fr-FR" sz="1000" dirty="0">
+                  <a:latin typeface="Courier New" panose="02070309020205020404" pitchFamily="49" charset="0"/>
+                  <a:cs typeface="Courier New" panose="02070309020205020404" pitchFamily="49" charset="0"/>
+                </a:rPr>
+                <a:t>Daily</a:t>
+              </a:r>
+              <a:endParaRPr lang="fr-FR" sz="1000" baseline="30000" dirty="0">
+                <a:latin typeface="Courier New" panose="02070309020205020404" pitchFamily="49" charset="0"/>
+                <a:cs typeface="Courier New" panose="02070309020205020404" pitchFamily="49" charset="0"/>
+              </a:endParaRPr>
+            </a:p>
+          </p:txBody>
+        </p:sp>
+      </p:grpSp>
+    </p:spTree>
+    <p:extLst>
+      <p:ext uri="{BB962C8B-B14F-4D97-AF65-F5344CB8AC3E}">
+        <p14:creationId xmlns:p14="http://schemas.microsoft.com/office/powerpoint/2010/main" val="1259677183"/>
+      </p:ext>
+    </p:extLst>
+  </p:cSld>
+  <p:clrMapOvr>
+    <a:masterClrMapping/>
+  </p:clrMapOvr>
+</p:sld>
+</file>
+
+<file path=ppt/slides/slide12.xml><?xml version="1.0" encoding="utf-8"?>
+<p:sld xmlns:a="http://schemas.openxmlformats.org/drawingml/2006/main" xmlns:r="http://schemas.openxmlformats.org/officeDocument/2006/relationships" xmlns:p="http://schemas.openxmlformats.org/presentationml/2006/main">
+  <p:cSld>
+    <p:spTree>
+      <p:nvGrpSpPr>
+        <p:cNvPr id="1" name=""/>
+        <p:cNvGrpSpPr/>
+        <p:nvPr/>
+      </p:nvGrpSpPr>
+      <p:grpSpPr>
+        <a:xfrm>
+          <a:off x="0" y="0"/>
+          <a:ext cx="0" cy="0"/>
+          <a:chOff x="0" y="0"/>
+          <a:chExt cx="0" cy="0"/>
+        </a:xfrm>
+      </p:grpSpPr>
+      <p:pic>
+        <p:nvPicPr>
+          <p:cNvPr id="5" name="Espace réservé du contenu 4" descr="Une image contenant texte, tableau blanc, écriture manuscrite, intérieur&#10;&#10;Description générée automatiquement">
+            <a:extLst>
+              <a:ext uri="{FF2B5EF4-FFF2-40B4-BE49-F238E27FC236}">
+                <a16:creationId xmlns:a16="http://schemas.microsoft.com/office/drawing/2014/main" id="{31CF9402-85F3-8F79-EF1F-1F1F0F7E1F47}"/>
+              </a:ext>
+            </a:extLst>
+          </p:cNvPr>
+          <p:cNvPicPr>
+            <a:picLocks noChangeAspect="1"/>
+          </p:cNvPicPr>
+          <p:nvPr/>
+        </p:nvPicPr>
+        <p:blipFill>
+          <a:blip r:embed="rId2">
+            <a:extLst>
+              <a:ext uri="{28A0092B-C50C-407E-A947-70E740481C1C}">
+                <a14:useLocalDpi xmlns:a14="http://schemas.microsoft.com/office/drawing/2010/main" val="0"/>
+              </a:ext>
+            </a:extLst>
+          </a:blip>
+          <a:stretch>
+            <a:fillRect/>
+          </a:stretch>
+        </p:blipFill>
+        <p:spPr>
+          <a:xfrm>
+            <a:off x="750450" y="2326351"/>
+            <a:ext cx="6154737" cy="3465513"/>
+          </a:xfrm>
+          <a:prstGeom prst="rect">
+            <a:avLst/>
+          </a:prstGeom>
+        </p:spPr>
+      </p:pic>
+      <p:pic>
+        <p:nvPicPr>
+          <p:cNvPr id="178" name="Image 177">
+            <a:extLst>
+              <a:ext uri="{FF2B5EF4-FFF2-40B4-BE49-F238E27FC236}">
+                <a16:creationId xmlns:a16="http://schemas.microsoft.com/office/drawing/2014/main" id="{334E64EE-53CB-92AC-42BA-12DE6768924D}"/>
+              </a:ext>
+            </a:extLst>
+          </p:cNvPr>
+          <p:cNvPicPr>
+            <a:picLocks noChangeAspect="1"/>
+          </p:cNvPicPr>
+          <p:nvPr/>
+        </p:nvPicPr>
+        <p:blipFill>
+          <a:blip r:embed="rId3"/>
+          <a:stretch>
+            <a:fillRect/>
+          </a:stretch>
+        </p:blipFill>
+        <p:spPr>
+          <a:xfrm>
+            <a:off x="7408000" y="371711"/>
+            <a:ext cx="4410691" cy="4448796"/>
+          </a:xfrm>
+          <a:prstGeom prst="rect">
+            <a:avLst/>
+          </a:prstGeom>
+        </p:spPr>
+      </p:pic>
+    </p:spTree>
+    <p:extLst>
+      <p:ext uri="{BB962C8B-B14F-4D97-AF65-F5344CB8AC3E}">
+        <p14:creationId xmlns:p14="http://schemas.microsoft.com/office/powerpoint/2010/main" val="1540432292"/>
       </p:ext>
     </p:extLst>
   </p:cSld>
@@ -11237,6 +16503,196 @@
 </p:sld>
 </file>
 
+<file path=ppt/slides/slide9.xml><?xml version="1.0" encoding="utf-8"?>
+<p:sld xmlns:a="http://schemas.openxmlformats.org/drawingml/2006/main" xmlns:r="http://schemas.openxmlformats.org/officeDocument/2006/relationships" xmlns:p="http://schemas.openxmlformats.org/presentationml/2006/main" show="0">
+  <p:cSld>
+    <p:spTree>
+      <p:nvGrpSpPr>
+        <p:cNvPr id="1" name=""/>
+        <p:cNvGrpSpPr/>
+        <p:nvPr/>
+      </p:nvGrpSpPr>
+      <p:grpSpPr>
+        <a:xfrm>
+          <a:off x="0" y="0"/>
+          <a:ext cx="0" cy="0"/>
+          <a:chOff x="0" y="0"/>
+          <a:chExt cx="0" cy="0"/>
+        </a:xfrm>
+      </p:grpSpPr>
+      <p:sp>
+        <p:nvSpPr>
+          <p:cNvPr id="2" name="Titre 1">
+            <a:extLst>
+              <a:ext uri="{FF2B5EF4-FFF2-40B4-BE49-F238E27FC236}">
+                <a16:creationId xmlns:a16="http://schemas.microsoft.com/office/drawing/2014/main" id="{F87521B0-A357-0FB7-95F6-D86E965CB4E4}"/>
+              </a:ext>
+            </a:extLst>
+          </p:cNvPr>
+          <p:cNvSpPr>
+            <a:spLocks noGrp="1"/>
+          </p:cNvSpPr>
+          <p:nvPr>
+            <p:ph type="ctrTitle"/>
+          </p:nvPr>
+        </p:nvSpPr>
+        <p:spPr/>
+        <p:txBody>
+          <a:bodyPr/>
+          <a:lstStyle/>
+          <a:p>
+            <a:endParaRPr lang="fr-FR"/>
+          </a:p>
+        </p:txBody>
+      </p:sp>
+      <p:sp>
+        <p:nvSpPr>
+          <p:cNvPr id="3" name="Sous-titre 2">
+            <a:extLst>
+              <a:ext uri="{FF2B5EF4-FFF2-40B4-BE49-F238E27FC236}">
+                <a16:creationId xmlns:a16="http://schemas.microsoft.com/office/drawing/2014/main" id="{DAF7FD93-FEB4-7498-A34D-09ECE8140F2D}"/>
+              </a:ext>
+            </a:extLst>
+          </p:cNvPr>
+          <p:cNvSpPr>
+            <a:spLocks noGrp="1"/>
+          </p:cNvSpPr>
+          <p:nvPr>
+            <p:ph type="subTitle" idx="1"/>
+          </p:nvPr>
+        </p:nvSpPr>
+        <p:spPr/>
+        <p:txBody>
+          <a:bodyPr/>
+          <a:lstStyle/>
+          <a:p>
+            <a:endParaRPr lang="fr-FR"/>
+          </a:p>
+        </p:txBody>
+      </p:sp>
+      <p:pic>
+        <p:nvPicPr>
+          <p:cNvPr id="5" name="Image 4" descr="Une image contenant texte, capture d’écran, Police, diagramme">
+            <a:extLst>
+              <a:ext uri="{FF2B5EF4-FFF2-40B4-BE49-F238E27FC236}">
+                <a16:creationId xmlns:a16="http://schemas.microsoft.com/office/drawing/2014/main" id="{2A6F49D9-1E09-1A1E-D7D5-D110200FFA72}"/>
+              </a:ext>
+            </a:extLst>
+          </p:cNvPr>
+          <p:cNvPicPr>
+            <a:picLocks noChangeAspect="1"/>
+          </p:cNvPicPr>
+          <p:nvPr/>
+        </p:nvPicPr>
+        <p:blipFill>
+          <a:blip r:embed="rId2">
+            <a:extLst>
+              <a:ext uri="{28A0092B-C50C-407E-A947-70E740481C1C}">
+                <a14:useLocalDpi xmlns:a14="http://schemas.microsoft.com/office/drawing/2010/main" val="0"/>
+              </a:ext>
+            </a:extLst>
+          </a:blip>
+          <a:stretch>
+            <a:fillRect/>
+          </a:stretch>
+        </p:blipFill>
+        <p:spPr>
+          <a:xfrm>
+            <a:off x="870160" y="0"/>
+            <a:ext cx="10451679" cy="6858000"/>
+          </a:xfrm>
+          <a:prstGeom prst="rect">
+            <a:avLst/>
+          </a:prstGeom>
+        </p:spPr>
+      </p:pic>
+      <p:pic>
+        <p:nvPicPr>
+          <p:cNvPr id="9" name="Image 8">
+            <a:extLst>
+              <a:ext uri="{FF2B5EF4-FFF2-40B4-BE49-F238E27FC236}">
+                <a16:creationId xmlns:a16="http://schemas.microsoft.com/office/drawing/2014/main" id="{87F98B8D-5314-7388-2591-78BB58BC0882}"/>
+              </a:ext>
+            </a:extLst>
+          </p:cNvPr>
+          <p:cNvPicPr>
+            <a:picLocks noChangeAspect="1"/>
+          </p:cNvPicPr>
+          <p:nvPr/>
+        </p:nvPicPr>
+        <p:blipFill>
+          <a:blip r:embed="rId3"/>
+          <a:stretch>
+            <a:fillRect/>
+          </a:stretch>
+        </p:blipFill>
+        <p:spPr>
+          <a:xfrm>
+            <a:off x="2449146" y="2963653"/>
+            <a:ext cx="376537" cy="424473"/>
+          </a:xfrm>
+          <a:prstGeom prst="rect">
+            <a:avLst/>
+          </a:prstGeom>
+        </p:spPr>
+      </p:pic>
+      <p:cxnSp>
+        <p:nvCxnSpPr>
+          <p:cNvPr id="11" name="Connecteur droit avec flèche 10">
+            <a:extLst>
+              <a:ext uri="{FF2B5EF4-FFF2-40B4-BE49-F238E27FC236}">
+                <a16:creationId xmlns:a16="http://schemas.microsoft.com/office/drawing/2014/main" id="{1DADCA81-D17F-7055-3D74-6CA04EDD1133}"/>
+              </a:ext>
+            </a:extLst>
+          </p:cNvPr>
+          <p:cNvCxnSpPr>
+            <a:cxnSpLocks/>
+          </p:cNvCxnSpPr>
+          <p:nvPr/>
+        </p:nvCxnSpPr>
+        <p:spPr>
+          <a:xfrm flipV="1">
+            <a:off x="2630659" y="1735168"/>
+            <a:ext cx="0" cy="1197946"/>
+          </a:xfrm>
+          <a:prstGeom prst="straightConnector1">
+            <a:avLst/>
+          </a:prstGeom>
+          <a:ln w="9525">
+            <a:solidFill>
+              <a:schemeClr val="tx1"/>
+            </a:solidFill>
+            <a:tailEnd type="triangle"/>
+          </a:ln>
+        </p:spPr>
+        <p:style>
+          <a:lnRef idx="2">
+            <a:schemeClr val="accent1"/>
+          </a:lnRef>
+          <a:fillRef idx="0">
+            <a:schemeClr val="accent1"/>
+          </a:fillRef>
+          <a:effectRef idx="1">
+            <a:schemeClr val="accent1"/>
+          </a:effectRef>
+          <a:fontRef idx="minor">
+            <a:schemeClr val="tx1"/>
+          </a:fontRef>
+        </p:style>
+      </p:cxnSp>
+    </p:spTree>
+    <p:extLst>
+      <p:ext uri="{BB962C8B-B14F-4D97-AF65-F5344CB8AC3E}">
+        <p14:creationId xmlns:p14="http://schemas.microsoft.com/office/powerpoint/2010/main" val="4209746022"/>
+      </p:ext>
+    </p:extLst>
+  </p:cSld>
+  <p:clrMapOvr>
+    <a:masterClrMapping/>
+  </p:clrMapOvr>
+</p:sld>
+</file>
+
 <file path=ppt/theme/theme1.xml><?xml version="1.0" encoding="utf-8"?>
 <a:theme xmlns:a="http://schemas.openxmlformats.org/drawingml/2006/main" name="00_notes_de_stage">
   <a:themeElements>

--- a/01_fraud_detection_2_project.pptx
+++ b/01_fraud_detection_2_project.pptx
@@ -666,7 +666,7 @@
   <pc:docChgLst>
     <pc:chgData name="Philippe Baucour" userId="5102170ae7533958" providerId="LiveId" clId="{336F8116-C764-4979-A376-3E7AF7BA8383}"/>
     <pc:docChg chg="undo custSel addSld delSld modSld">
-      <pc:chgData name="Philippe Baucour" userId="5102170ae7533958" providerId="LiveId" clId="{336F8116-C764-4979-A376-3E7AF7BA8383}" dt="2024-11-03T18:48:44.977" v="4878" actId="1035"/>
+      <pc:chgData name="Philippe Baucour" userId="5102170ae7533958" providerId="LiveId" clId="{336F8116-C764-4979-A376-3E7AF7BA8383}" dt="2024-11-04T09:04:48.142" v="4944" actId="1037"/>
       <pc:docMkLst>
         <pc:docMk/>
       </pc:docMkLst>
@@ -1459,7 +1459,7 @@
         </pc:picChg>
       </pc:sldChg>
       <pc:sldChg chg="addSp delSp modSp new mod modClrScheme chgLayout">
-        <pc:chgData name="Philippe Baucour" userId="5102170ae7533958" providerId="LiveId" clId="{336F8116-C764-4979-A376-3E7AF7BA8383}" dt="2024-11-03T18:48:44.977" v="4878" actId="1035"/>
+        <pc:chgData name="Philippe Baucour" userId="5102170ae7533958" providerId="LiveId" clId="{336F8116-C764-4979-A376-3E7AF7BA8383}" dt="2024-11-04T09:04:48.142" v="4944" actId="1037"/>
         <pc:sldMkLst>
           <pc:docMk/>
           <pc:sldMk cId="1259677183" sldId="279"/>
@@ -1545,7 +1545,7 @@
           </ac:spMkLst>
         </pc:spChg>
         <pc:spChg chg="add mod">
-          <ac:chgData name="Philippe Baucour" userId="5102170ae7533958" providerId="LiveId" clId="{336F8116-C764-4979-A376-3E7AF7BA8383}" dt="2024-11-03T18:45:40.109" v="4770" actId="1076"/>
+          <ac:chgData name="Philippe Baucour" userId="5102170ae7533958" providerId="LiveId" clId="{336F8116-C764-4979-A376-3E7AF7BA8383}" dt="2024-11-04T09:02:44.924" v="4935" actId="14861"/>
           <ac:spMkLst>
             <pc:docMk/>
             <pc:sldMk cId="1259677183" sldId="279"/>
@@ -1593,7 +1593,7 @@
           </ac:spMkLst>
         </pc:spChg>
         <pc:spChg chg="add mod">
-          <ac:chgData name="Philippe Baucour" userId="5102170ae7533958" providerId="LiveId" clId="{336F8116-C764-4979-A376-3E7AF7BA8383}" dt="2024-11-03T18:41:02.477" v="4538" actId="1035"/>
+          <ac:chgData name="Philippe Baucour" userId="5102170ae7533958" providerId="LiveId" clId="{336F8116-C764-4979-A376-3E7AF7BA8383}" dt="2024-11-04T09:02:48.049" v="4936" actId="14861"/>
           <ac:spMkLst>
             <pc:docMk/>
             <pc:sldMk cId="1259677183" sldId="279"/>
@@ -1601,7 +1601,7 @@
           </ac:spMkLst>
         </pc:spChg>
         <pc:spChg chg="add mod">
-          <ac:chgData name="Philippe Baucour" userId="5102170ae7533958" providerId="LiveId" clId="{336F8116-C764-4979-A376-3E7AF7BA8383}" dt="2024-11-03T18:41:02.477" v="4538" actId="1035"/>
+          <ac:chgData name="Philippe Baucour" userId="5102170ae7533958" providerId="LiveId" clId="{336F8116-C764-4979-A376-3E7AF7BA8383}" dt="2024-11-04T09:02:51.225" v="4937" actId="14861"/>
           <ac:spMkLst>
             <pc:docMk/>
             <pc:sldMk cId="1259677183" sldId="279"/>
@@ -1609,7 +1609,7 @@
           </ac:spMkLst>
         </pc:spChg>
         <pc:spChg chg="add mod">
-          <ac:chgData name="Philippe Baucour" userId="5102170ae7533958" providerId="LiveId" clId="{336F8116-C764-4979-A376-3E7AF7BA8383}" dt="2024-11-03T18:41:02.477" v="4538" actId="1035"/>
+          <ac:chgData name="Philippe Baucour" userId="5102170ae7533958" providerId="LiveId" clId="{336F8116-C764-4979-A376-3E7AF7BA8383}" dt="2024-11-04T09:02:55.424" v="4938" actId="14861"/>
           <ac:spMkLst>
             <pc:docMk/>
             <pc:sldMk cId="1259677183" sldId="279"/>
@@ -1617,7 +1617,7 @@
           </ac:spMkLst>
         </pc:spChg>
         <pc:spChg chg="add mod">
-          <ac:chgData name="Philippe Baucour" userId="5102170ae7533958" providerId="LiveId" clId="{336F8116-C764-4979-A376-3E7AF7BA8383}" dt="2024-11-03T18:41:02.477" v="4538" actId="1035"/>
+          <ac:chgData name="Philippe Baucour" userId="5102170ae7533958" providerId="LiveId" clId="{336F8116-C764-4979-A376-3E7AF7BA8383}" dt="2024-11-04T09:02:58.864" v="4939" actId="14861"/>
           <ac:spMkLst>
             <pc:docMk/>
             <pc:sldMk cId="1259677183" sldId="279"/>
@@ -1625,7 +1625,7 @@
           </ac:spMkLst>
         </pc:spChg>
         <pc:spChg chg="add mod">
-          <ac:chgData name="Philippe Baucour" userId="5102170ae7533958" providerId="LiveId" clId="{336F8116-C764-4979-A376-3E7AF7BA8383}" dt="2024-11-03T18:41:02.477" v="4538" actId="1035"/>
+          <ac:chgData name="Philippe Baucour" userId="5102170ae7533958" providerId="LiveId" clId="{336F8116-C764-4979-A376-3E7AF7BA8383}" dt="2024-11-04T09:02:39.348" v="4933" actId="14861"/>
           <ac:spMkLst>
             <pc:docMk/>
             <pc:sldMk cId="1259677183" sldId="279"/>
@@ -1633,7 +1633,7 @@
           </ac:spMkLst>
         </pc:spChg>
         <pc:spChg chg="add mod">
-          <ac:chgData name="Philippe Baucour" userId="5102170ae7533958" providerId="LiveId" clId="{336F8116-C764-4979-A376-3E7AF7BA8383}" dt="2024-11-03T18:41:02.477" v="4538" actId="1035"/>
+          <ac:chgData name="Philippe Baucour" userId="5102170ae7533958" providerId="LiveId" clId="{336F8116-C764-4979-A376-3E7AF7BA8383}" dt="2024-11-04T09:02:42.089" v="4934" actId="14861"/>
           <ac:spMkLst>
             <pc:docMk/>
             <pc:sldMk cId="1259677183" sldId="279"/>
@@ -1657,7 +1657,7 @@
           </ac:spMkLst>
         </pc:spChg>
         <pc:spChg chg="add mod">
-          <ac:chgData name="Philippe Baucour" userId="5102170ae7533958" providerId="LiveId" clId="{336F8116-C764-4979-A376-3E7AF7BA8383}" dt="2024-11-03T18:41:02.477" v="4538" actId="1035"/>
+          <ac:chgData name="Philippe Baucour" userId="5102170ae7533958" providerId="LiveId" clId="{336F8116-C764-4979-A376-3E7AF7BA8383}" dt="2024-11-04T09:04:48.142" v="4944" actId="1037"/>
           <ac:spMkLst>
             <pc:docMk/>
             <pc:sldMk cId="1259677183" sldId="279"/>
@@ -1665,7 +1665,7 @@
           </ac:spMkLst>
         </pc:spChg>
         <pc:spChg chg="add mod">
-          <ac:chgData name="Philippe Baucour" userId="5102170ae7533958" providerId="LiveId" clId="{336F8116-C764-4979-A376-3E7AF7BA8383}" dt="2024-11-03T18:41:02.477" v="4538" actId="1035"/>
+          <ac:chgData name="Philippe Baucour" userId="5102170ae7533958" providerId="LiveId" clId="{336F8116-C764-4979-A376-3E7AF7BA8383}" dt="2024-11-04T09:02:23.519" v="4929" actId="14861"/>
           <ac:spMkLst>
             <pc:docMk/>
             <pc:sldMk cId="1259677183" sldId="279"/>
@@ -1673,7 +1673,7 @@
           </ac:spMkLst>
         </pc:spChg>
         <pc:spChg chg="add mod">
-          <ac:chgData name="Philippe Baucour" userId="5102170ae7533958" providerId="LiveId" clId="{336F8116-C764-4979-A376-3E7AF7BA8383}" dt="2024-11-03T18:41:02.477" v="4538" actId="1035"/>
+          <ac:chgData name="Philippe Baucour" userId="5102170ae7533958" providerId="LiveId" clId="{336F8116-C764-4979-A376-3E7AF7BA8383}" dt="2024-11-04T09:02:36.034" v="4932" actId="14861"/>
           <ac:spMkLst>
             <pc:docMk/>
             <pc:sldMk cId="1259677183" sldId="279"/>
@@ -1681,7 +1681,7 @@
           </ac:spMkLst>
         </pc:spChg>
         <pc:spChg chg="add mod">
-          <ac:chgData name="Philippe Baucour" userId="5102170ae7533958" providerId="LiveId" clId="{336F8116-C764-4979-A376-3E7AF7BA8383}" dt="2024-11-03T18:41:02.477" v="4538" actId="1035"/>
+          <ac:chgData name="Philippe Baucour" userId="5102170ae7533958" providerId="LiveId" clId="{336F8116-C764-4979-A376-3E7AF7BA8383}" dt="2024-11-04T09:02:29.954" v="4930" actId="14861"/>
           <ac:spMkLst>
             <pc:docMk/>
             <pc:sldMk cId="1259677183" sldId="279"/>
@@ -1689,7 +1689,7 @@
           </ac:spMkLst>
         </pc:spChg>
         <pc:spChg chg="add mod">
-          <ac:chgData name="Philippe Baucour" userId="5102170ae7533958" providerId="LiveId" clId="{336F8116-C764-4979-A376-3E7AF7BA8383}" dt="2024-11-03T18:41:02.477" v="4538" actId="1035"/>
+          <ac:chgData name="Philippe Baucour" userId="5102170ae7533958" providerId="LiveId" clId="{336F8116-C764-4979-A376-3E7AF7BA8383}" dt="2024-11-04T09:02:32.839" v="4931" actId="14861"/>
           <ac:spMkLst>
             <pc:docMk/>
             <pc:sldMk cId="1259677183" sldId="279"/>
@@ -4768,7 +4768,7 @@
           <a:p>
             <a:fld id="{FD1752CD-A7D2-4825-BC26-9DAEFBD0A5FF}" type="datetimeFigureOut">
               <a:rPr lang="fr-FR" smtClean="0"/>
-              <a:t>03/11/2024</a:t>
+              <a:t>04/11/2024</a:t>
             </a:fld>
             <a:endParaRPr lang="fr-FR"/>
           </a:p>
@@ -6024,7 +6024,7 @@
           <a:p>
             <a:fld id="{7ECB9D5A-E5E4-41FE-AF39-634902D6D5D2}" type="datetimeFigureOut">
               <a:rPr lang="fr-FR" smtClean="0"/>
-              <a:t>03/11/2024</a:t>
+              <a:t>04/11/2024</a:t>
             </a:fld>
             <a:endParaRPr lang="fr-FR"/>
           </a:p>
@@ -6222,7 +6222,7 @@
           <a:p>
             <a:fld id="{7ECB9D5A-E5E4-41FE-AF39-634902D6D5D2}" type="datetimeFigureOut">
               <a:rPr lang="fr-FR" smtClean="0"/>
-              <a:t>03/11/2024</a:t>
+              <a:t>04/11/2024</a:t>
             </a:fld>
             <a:endParaRPr lang="fr-FR"/>
           </a:p>
@@ -6430,7 +6430,7 @@
           <a:p>
             <a:fld id="{7ECB9D5A-E5E4-41FE-AF39-634902D6D5D2}" type="datetimeFigureOut">
               <a:rPr lang="fr-FR" smtClean="0"/>
-              <a:t>03/11/2024</a:t>
+              <a:t>04/11/2024</a:t>
             </a:fld>
             <a:endParaRPr lang="fr-FR"/>
           </a:p>
@@ -6628,7 +6628,7 @@
           <a:p>
             <a:fld id="{7ECB9D5A-E5E4-41FE-AF39-634902D6D5D2}" type="datetimeFigureOut">
               <a:rPr lang="fr-FR" smtClean="0"/>
-              <a:t>03/11/2024</a:t>
+              <a:t>04/11/2024</a:t>
             </a:fld>
             <a:endParaRPr lang="fr-FR"/>
           </a:p>
@@ -6903,7 +6903,7 @@
           <a:p>
             <a:fld id="{7ECB9D5A-E5E4-41FE-AF39-634902D6D5D2}" type="datetimeFigureOut">
               <a:rPr lang="fr-FR" smtClean="0"/>
-              <a:t>03/11/2024</a:t>
+              <a:t>04/11/2024</a:t>
             </a:fld>
             <a:endParaRPr lang="fr-FR"/>
           </a:p>
@@ -7168,7 +7168,7 @@
           <a:p>
             <a:fld id="{7ECB9D5A-E5E4-41FE-AF39-634902D6D5D2}" type="datetimeFigureOut">
               <a:rPr lang="fr-FR" smtClean="0"/>
-              <a:t>03/11/2024</a:t>
+              <a:t>04/11/2024</a:t>
             </a:fld>
             <a:endParaRPr lang="fr-FR"/>
           </a:p>
@@ -7580,7 +7580,7 @@
           <a:p>
             <a:fld id="{7ECB9D5A-E5E4-41FE-AF39-634902D6D5D2}" type="datetimeFigureOut">
               <a:rPr lang="fr-FR" smtClean="0"/>
-              <a:t>03/11/2024</a:t>
+              <a:t>04/11/2024</a:t>
             </a:fld>
             <a:endParaRPr lang="fr-FR"/>
           </a:p>
@@ -7721,7 +7721,7 @@
           <a:p>
             <a:fld id="{7ECB9D5A-E5E4-41FE-AF39-634902D6D5D2}" type="datetimeFigureOut">
               <a:rPr lang="fr-FR" smtClean="0"/>
-              <a:t>03/11/2024</a:t>
+              <a:t>04/11/2024</a:t>
             </a:fld>
             <a:endParaRPr lang="fr-FR"/>
           </a:p>
@@ -7834,7 +7834,7 @@
           <a:p>
             <a:fld id="{7ECB9D5A-E5E4-41FE-AF39-634902D6D5D2}" type="datetimeFigureOut">
               <a:rPr lang="fr-FR" smtClean="0"/>
-              <a:t>03/11/2024</a:t>
+              <a:t>04/11/2024</a:t>
             </a:fld>
             <a:endParaRPr lang="fr-FR"/>
           </a:p>
@@ -8145,7 +8145,7 @@
           <a:p>
             <a:fld id="{7ECB9D5A-E5E4-41FE-AF39-634902D6D5D2}" type="datetimeFigureOut">
               <a:rPr lang="fr-FR" smtClean="0"/>
-              <a:t>03/11/2024</a:t>
+              <a:t>04/11/2024</a:t>
             </a:fld>
             <a:endParaRPr lang="fr-FR"/>
           </a:p>
@@ -8436,7 +8436,7 @@
           <a:p>
             <a:fld id="{7ECB9D5A-E5E4-41FE-AF39-634902D6D5D2}" type="datetimeFigureOut">
               <a:rPr lang="fr-FR" smtClean="0"/>
-              <a:t>03/11/2024</a:t>
+              <a:t>04/11/2024</a:t>
             </a:fld>
             <a:endParaRPr lang="fr-FR"/>
           </a:p>
@@ -8677,7 +8677,7 @@
           <a:p>
             <a:fld id="{7ECB9D5A-E5E4-41FE-AF39-634902D6D5D2}" type="datetimeFigureOut">
               <a:rPr lang="fr-FR" smtClean="0"/>
-              <a:t>03/11/2024</a:t>
+              <a:t>04/11/2024</a:t>
             </a:fld>
             <a:endParaRPr lang="fr-FR"/>
           </a:p>
@@ -11598,6 +11598,13 @@
           <a:solidFill>
             <a:srgbClr val="01A687"/>
           </a:solidFill>
+          <a:effectLst>
+            <a:outerShdw blurRad="50800" dist="38100" dir="2700000" algn="tl" rotWithShape="0">
+              <a:prstClr val="black">
+                <a:alpha val="40000"/>
+              </a:prstClr>
+            </a:outerShdw>
+          </a:effectLst>
         </p:spPr>
         <p:txBody>
           <a:bodyPr wrap="none" rtlCol="0">
@@ -11987,6 +11994,13 @@
           <a:solidFill>
             <a:srgbClr val="FDA145"/>
           </a:solidFill>
+          <a:effectLst>
+            <a:outerShdw blurRad="50800" dist="38100" dir="2700000" algn="tl" rotWithShape="0">
+              <a:prstClr val="black">
+                <a:alpha val="40000"/>
+              </a:prstClr>
+            </a:outerShdw>
+          </a:effectLst>
         </p:spPr>
         <p:txBody>
           <a:bodyPr wrap="none" rtlCol="0">
@@ -12037,6 +12051,13 @@
           <a:solidFill>
             <a:srgbClr val="FDA145"/>
           </a:solidFill>
+          <a:effectLst>
+            <a:outerShdw blurRad="50800" dist="38100" dir="2700000" algn="tl" rotWithShape="0">
+              <a:prstClr val="black">
+                <a:alpha val="40000"/>
+              </a:prstClr>
+            </a:outerShdw>
+          </a:effectLst>
         </p:spPr>
         <p:txBody>
           <a:bodyPr wrap="none" rtlCol="0">
@@ -12087,6 +12108,13 @@
           <a:solidFill>
             <a:srgbClr val="FDA145"/>
           </a:solidFill>
+          <a:effectLst>
+            <a:outerShdw blurRad="50800" dist="38100" dir="2700000" algn="tl" rotWithShape="0">
+              <a:prstClr val="black">
+                <a:alpha val="40000"/>
+              </a:prstClr>
+            </a:outerShdw>
+          </a:effectLst>
         </p:spPr>
         <p:txBody>
           <a:bodyPr wrap="none" rtlCol="0">
@@ -12137,6 +12165,13 @@
           <a:solidFill>
             <a:srgbClr val="FDA145"/>
           </a:solidFill>
+          <a:effectLst>
+            <a:outerShdw blurRad="50800" dist="38100" dir="2700000" algn="tl" rotWithShape="0">
+              <a:prstClr val="black">
+                <a:alpha val="40000"/>
+              </a:prstClr>
+            </a:outerShdw>
+          </a:effectLst>
         </p:spPr>
         <p:txBody>
           <a:bodyPr wrap="none" rtlCol="0">
@@ -12187,6 +12222,13 @@
           <a:solidFill>
             <a:srgbClr val="01A687"/>
           </a:solidFill>
+          <a:effectLst>
+            <a:outerShdw blurRad="50800" dist="38100" dir="2700000" algn="tl" rotWithShape="0">
+              <a:prstClr val="black">
+                <a:alpha val="40000"/>
+              </a:prstClr>
+            </a:outerShdw>
+          </a:effectLst>
         </p:spPr>
         <p:txBody>
           <a:bodyPr wrap="none" rtlCol="0">
@@ -12237,6 +12279,13 @@
           <a:solidFill>
             <a:srgbClr val="01A687"/>
           </a:solidFill>
+          <a:effectLst>
+            <a:outerShdw blurRad="50800" dist="38100" dir="2700000" algn="tl" rotWithShape="0">
+              <a:prstClr val="black">
+                <a:alpha val="40000"/>
+              </a:prstClr>
+            </a:outerShdw>
+          </a:effectLst>
         </p:spPr>
         <p:txBody>
           <a:bodyPr wrap="none" rtlCol="0">
@@ -12387,7 +12436,7 @@
         </p:nvSpPr>
         <p:spPr>
           <a:xfrm>
-            <a:off x="4332776" y="2118191"/>
+            <a:off x="4307020" y="2118191"/>
             <a:ext cx="800219" cy="553998"/>
           </a:xfrm>
           <a:prstGeom prst="rect">
@@ -12396,6 +12445,13 @@
           <a:solidFill>
             <a:srgbClr val="FDA145"/>
           </a:solidFill>
+          <a:effectLst>
+            <a:outerShdw blurRad="50800" dist="38100" dir="2700000" algn="tl" rotWithShape="0">
+              <a:prstClr val="black">
+                <a:alpha val="40000"/>
+              </a:prstClr>
+            </a:outerShdw>
+          </a:effectLst>
         </p:spPr>
         <p:txBody>
           <a:bodyPr wrap="none" rtlCol="0">
@@ -12460,6 +12516,13 @@
           <a:solidFill>
             <a:srgbClr val="01A687"/>
           </a:solidFill>
+          <a:effectLst>
+            <a:outerShdw blurRad="50800" dist="38100" dir="2700000" algn="tl" rotWithShape="0">
+              <a:prstClr val="black">
+                <a:alpha val="40000"/>
+              </a:prstClr>
+            </a:outerShdw>
+          </a:effectLst>
         </p:spPr>
         <p:txBody>
           <a:bodyPr wrap="none" rtlCol="0">
@@ -12510,6 +12573,13 @@
           <a:solidFill>
             <a:srgbClr val="01A687"/>
           </a:solidFill>
+          <a:effectLst>
+            <a:outerShdw blurRad="50800" dist="38100" dir="2700000" algn="tl" rotWithShape="0">
+              <a:prstClr val="black">
+                <a:alpha val="40000"/>
+              </a:prstClr>
+            </a:outerShdw>
+          </a:effectLst>
         </p:spPr>
         <p:txBody>
           <a:bodyPr wrap="none" rtlCol="0">
@@ -12560,7 +12630,7 @@
         </p:nvSpPr>
         <p:spPr>
           <a:xfrm>
-            <a:off x="7123777" y="5869559"/>
+            <a:off x="6879077" y="5869559"/>
             <a:ext cx="877163" cy="246221"/>
           </a:xfrm>
           <a:prstGeom prst="rect">
@@ -12569,6 +12639,13 @@
           <a:solidFill>
             <a:srgbClr val="01A687"/>
           </a:solidFill>
+          <a:effectLst>
+            <a:outerShdw blurRad="50800" dist="38100" dir="2700000" algn="tl" rotWithShape="0">
+              <a:prstClr val="black">
+                <a:alpha val="40000"/>
+              </a:prstClr>
+            </a:outerShdw>
+          </a:effectLst>
         </p:spPr>
         <p:txBody>
           <a:bodyPr wrap="none" rtlCol="0">
@@ -12610,7 +12687,7 @@
         </p:nvSpPr>
         <p:spPr>
           <a:xfrm>
-            <a:off x="3568426" y="5873913"/>
+            <a:off x="3368811" y="5873913"/>
             <a:ext cx="877163" cy="246221"/>
           </a:xfrm>
           <a:prstGeom prst="rect">
@@ -12619,6 +12696,13 @@
           <a:solidFill>
             <a:srgbClr val="01A687"/>
           </a:solidFill>
+          <a:effectLst>
+            <a:outerShdw blurRad="50800" dist="38100" dir="2700000" algn="tl" rotWithShape="0">
+              <a:prstClr val="black">
+                <a:alpha val="40000"/>
+              </a:prstClr>
+            </a:outerShdw>
+          </a:effectLst>
         </p:spPr>
         <p:txBody>
           <a:bodyPr wrap="none" rtlCol="0">
